--- a/객체이론정리.pptx
+++ b/객체이론정리.pptx
@@ -11,9 +11,18 @@
     <p:sldId id="258" r:id="rId5"/>
     <p:sldId id="259" r:id="rId6"/>
     <p:sldId id="262" r:id="rId7"/>
-    <p:sldId id="264" r:id="rId8"/>
-    <p:sldId id="260" r:id="rId9"/>
-    <p:sldId id="261" r:id="rId10"/>
+    <p:sldId id="261" r:id="rId8"/>
+    <p:sldId id="265" r:id="rId9"/>
+    <p:sldId id="269" r:id="rId10"/>
+    <p:sldId id="266" r:id="rId11"/>
+    <p:sldId id="267" r:id="rId12"/>
+    <p:sldId id="268" r:id="rId13"/>
+    <p:sldId id="270" r:id="rId14"/>
+    <p:sldId id="271" r:id="rId15"/>
+    <p:sldId id="272" r:id="rId16"/>
+    <p:sldId id="273" r:id="rId17"/>
+    <p:sldId id="264" r:id="rId18"/>
+    <p:sldId id="260" r:id="rId19"/>
   </p:sldIdLst>
   <p:sldSz cx="12192000" cy="6858000"/>
   <p:notesSz cx="6858000" cy="9144000"/>
@@ -262,7 +271,7 @@
           <a:p>
             <a:fld id="{98C43F0E-6C7B-4FDA-8BDE-46F8E0688BE2}" type="datetimeFigureOut">
               <a:rPr lang="ko-KR" altLang="en-US" smtClean="0"/>
-              <a:t>2022-05-12</a:t>
+              <a:t>2022-05-13</a:t>
             </a:fld>
             <a:endParaRPr lang="ko-KR" altLang="en-US"/>
           </a:p>
@@ -432,7 +441,7 @@
           <a:p>
             <a:fld id="{98C43F0E-6C7B-4FDA-8BDE-46F8E0688BE2}" type="datetimeFigureOut">
               <a:rPr lang="ko-KR" altLang="en-US" smtClean="0"/>
-              <a:t>2022-05-12</a:t>
+              <a:t>2022-05-13</a:t>
             </a:fld>
             <a:endParaRPr lang="ko-KR" altLang="en-US"/>
           </a:p>
@@ -612,7 +621,7 @@
           <a:p>
             <a:fld id="{98C43F0E-6C7B-4FDA-8BDE-46F8E0688BE2}" type="datetimeFigureOut">
               <a:rPr lang="ko-KR" altLang="en-US" smtClean="0"/>
-              <a:t>2022-05-12</a:t>
+              <a:t>2022-05-13</a:t>
             </a:fld>
             <a:endParaRPr lang="ko-KR" altLang="en-US"/>
           </a:p>
@@ -782,7 +791,7 @@
           <a:p>
             <a:fld id="{98C43F0E-6C7B-4FDA-8BDE-46F8E0688BE2}" type="datetimeFigureOut">
               <a:rPr lang="ko-KR" altLang="en-US" smtClean="0"/>
-              <a:t>2022-05-12</a:t>
+              <a:t>2022-05-13</a:t>
             </a:fld>
             <a:endParaRPr lang="ko-KR" altLang="en-US"/>
           </a:p>
@@ -1028,7 +1037,7 @@
           <a:p>
             <a:fld id="{98C43F0E-6C7B-4FDA-8BDE-46F8E0688BE2}" type="datetimeFigureOut">
               <a:rPr lang="ko-KR" altLang="en-US" smtClean="0"/>
-              <a:t>2022-05-12</a:t>
+              <a:t>2022-05-13</a:t>
             </a:fld>
             <a:endParaRPr lang="ko-KR" altLang="en-US"/>
           </a:p>
@@ -1260,7 +1269,7 @@
           <a:p>
             <a:fld id="{98C43F0E-6C7B-4FDA-8BDE-46F8E0688BE2}" type="datetimeFigureOut">
               <a:rPr lang="ko-KR" altLang="en-US" smtClean="0"/>
-              <a:t>2022-05-12</a:t>
+              <a:t>2022-05-13</a:t>
             </a:fld>
             <a:endParaRPr lang="ko-KR" altLang="en-US"/>
           </a:p>
@@ -1627,7 +1636,7 @@
           <a:p>
             <a:fld id="{98C43F0E-6C7B-4FDA-8BDE-46F8E0688BE2}" type="datetimeFigureOut">
               <a:rPr lang="ko-KR" altLang="en-US" smtClean="0"/>
-              <a:t>2022-05-12</a:t>
+              <a:t>2022-05-13</a:t>
             </a:fld>
             <a:endParaRPr lang="ko-KR" altLang="en-US"/>
           </a:p>
@@ -1745,7 +1754,7 @@
           <a:p>
             <a:fld id="{98C43F0E-6C7B-4FDA-8BDE-46F8E0688BE2}" type="datetimeFigureOut">
               <a:rPr lang="ko-KR" altLang="en-US" smtClean="0"/>
-              <a:t>2022-05-12</a:t>
+              <a:t>2022-05-13</a:t>
             </a:fld>
             <a:endParaRPr lang="ko-KR" altLang="en-US"/>
           </a:p>
@@ -1840,7 +1849,7 @@
           <a:p>
             <a:fld id="{98C43F0E-6C7B-4FDA-8BDE-46F8E0688BE2}" type="datetimeFigureOut">
               <a:rPr lang="ko-KR" altLang="en-US" smtClean="0"/>
-              <a:t>2022-05-12</a:t>
+              <a:t>2022-05-13</a:t>
             </a:fld>
             <a:endParaRPr lang="ko-KR" altLang="en-US"/>
           </a:p>
@@ -2117,7 +2126,7 @@
           <a:p>
             <a:fld id="{98C43F0E-6C7B-4FDA-8BDE-46F8E0688BE2}" type="datetimeFigureOut">
               <a:rPr lang="ko-KR" altLang="en-US" smtClean="0"/>
-              <a:t>2022-05-12</a:t>
+              <a:t>2022-05-13</a:t>
             </a:fld>
             <a:endParaRPr lang="ko-KR" altLang="en-US"/>
           </a:p>
@@ -2370,7 +2379,7 @@
           <a:p>
             <a:fld id="{98C43F0E-6C7B-4FDA-8BDE-46F8E0688BE2}" type="datetimeFigureOut">
               <a:rPr lang="ko-KR" altLang="en-US" smtClean="0"/>
-              <a:t>2022-05-12</a:t>
+              <a:t>2022-05-13</a:t>
             </a:fld>
             <a:endParaRPr lang="ko-KR" altLang="en-US"/>
           </a:p>
@@ -2586,7 +2595,7 @@
           <a:p>
             <a:fld id="{98C43F0E-6C7B-4FDA-8BDE-46F8E0688BE2}" type="datetimeFigureOut">
               <a:rPr lang="ko-KR" altLang="en-US" smtClean="0"/>
-              <a:t>2022-05-12</a:t>
+              <a:t>2022-05-13</a:t>
             </a:fld>
             <a:endParaRPr lang="ko-KR" altLang="en-US"/>
           </a:p>
@@ -3037,6 +3046,2275 @@
 </p:sld>
 </file>
 
+<file path=ppt/slides/slide10.xml><?xml version="1.0" encoding="utf-8"?>
+<p:sld xmlns:a="http://schemas.openxmlformats.org/drawingml/2006/main" xmlns:r="http://schemas.openxmlformats.org/officeDocument/2006/relationships" xmlns:p="http://schemas.openxmlformats.org/presentationml/2006/main">
+  <p:cSld>
+    <p:spTree>
+      <p:nvGrpSpPr>
+        <p:cNvPr id="1" name=""/>
+        <p:cNvGrpSpPr/>
+        <p:nvPr/>
+      </p:nvGrpSpPr>
+      <p:grpSpPr>
+        <a:xfrm>
+          <a:off x="0" y="0"/>
+          <a:ext cx="0" cy="0"/>
+          <a:chOff x="0" y="0"/>
+          <a:chExt cx="0" cy="0"/>
+        </a:xfrm>
+      </p:grpSpPr>
+      <p:sp>
+        <p:nvSpPr>
+          <p:cNvPr id="2" name="TextBox 1"/>
+          <p:cNvSpPr txBox="1"/>
+          <p:nvPr/>
+        </p:nvSpPr>
+        <p:spPr>
+          <a:xfrm>
+            <a:off x="1153885" y="4376058"/>
+            <a:ext cx="9818915" cy="523220"/>
+          </a:xfrm>
+          <a:prstGeom prst="rect">
+            <a:avLst/>
+          </a:prstGeom>
+          <a:noFill/>
+        </p:spPr>
+        <p:txBody>
+          <a:bodyPr wrap="square" rtlCol="0">
+            <a:spAutoFit/>
+          </a:bodyPr>
+          <a:lstStyle/>
+          <a:p>
+            <a:pPr algn="ctr"/>
+            <a:r>
+              <a:rPr lang="ko-KR" altLang="en-US" sz="2800" b="1" dirty="0" err="1" smtClean="0">
+                <a:solidFill>
+                  <a:srgbClr val="FFC000"/>
+                </a:solidFill>
+              </a:rPr>
+              <a:t>클래스이름</a:t>
+            </a:r>
+            <a:r>
+              <a:rPr lang="en-US" altLang="ko-KR" sz="2800" b="1" dirty="0" smtClean="0">
+                <a:solidFill>
+                  <a:srgbClr val="FFC000"/>
+                </a:solidFill>
+              </a:rPr>
+              <a:t> </a:t>
+            </a:r>
+            <a:r>
+              <a:rPr lang="ko-KR" altLang="en-US" sz="2800" b="1" dirty="0" smtClean="0">
+                <a:solidFill>
+                  <a:srgbClr val="FFC000"/>
+                </a:solidFill>
+              </a:rPr>
+              <a:t>인스턴스변수이름</a:t>
+            </a:r>
+            <a:r>
+              <a:rPr lang="en-US" altLang="ko-KR" sz="2800" b="1" dirty="0" smtClean="0">
+                <a:solidFill>
+                  <a:srgbClr val="FFC000"/>
+                </a:solidFill>
+              </a:rPr>
+              <a:t> = new </a:t>
+            </a:r>
+            <a:r>
+              <a:rPr lang="ko-KR" altLang="en-US" sz="2800" b="1" dirty="0" err="1" smtClean="0">
+                <a:solidFill>
+                  <a:srgbClr val="FFC000"/>
+                </a:solidFill>
+              </a:rPr>
+              <a:t>생성자이름</a:t>
+            </a:r>
+            <a:r>
+              <a:rPr lang="en-US" altLang="ko-KR" sz="2800" b="1" dirty="0" smtClean="0">
+                <a:solidFill>
+                  <a:srgbClr val="FFC000"/>
+                </a:solidFill>
+              </a:rPr>
+              <a:t>();</a:t>
+            </a:r>
+            <a:endParaRPr lang="ko-KR" altLang="en-US" sz="2800" b="1" dirty="0">
+              <a:solidFill>
+                <a:srgbClr val="FFC000"/>
+              </a:solidFill>
+            </a:endParaRPr>
+          </a:p>
+        </p:txBody>
+      </p:sp>
+      <p:sp>
+        <p:nvSpPr>
+          <p:cNvPr id="3" name="TextBox 2"/>
+          <p:cNvSpPr txBox="1"/>
+          <p:nvPr/>
+        </p:nvSpPr>
+        <p:spPr>
+          <a:xfrm>
+            <a:off x="4921041" y="3141115"/>
+            <a:ext cx="2284600" cy="646331"/>
+          </a:xfrm>
+          <a:prstGeom prst="rect">
+            <a:avLst/>
+          </a:prstGeom>
+          <a:noFill/>
+        </p:spPr>
+        <p:txBody>
+          <a:bodyPr wrap="none" rtlCol="0">
+            <a:spAutoFit/>
+          </a:bodyPr>
+          <a:lstStyle/>
+          <a:p>
+            <a:pPr algn="ctr"/>
+            <a:r>
+              <a:rPr lang="ko-KR" altLang="en-US" b="1" dirty="0" smtClean="0"/>
+              <a:t>무조건 외우기</a:t>
+            </a:r>
+            <a:endParaRPr lang="en-US" altLang="ko-KR" b="1" dirty="0" smtClean="0"/>
+          </a:p>
+          <a:p>
+            <a:pPr algn="ctr"/>
+            <a:r>
+              <a:rPr lang="ko-KR" altLang="en-US" b="1" dirty="0" smtClean="0"/>
+              <a:t>자바의 존재 이유임</a:t>
+            </a:r>
+            <a:endParaRPr lang="ko-KR" altLang="en-US" b="1" dirty="0"/>
+          </a:p>
+        </p:txBody>
+      </p:sp>
+      <p:sp>
+        <p:nvSpPr>
+          <p:cNvPr id="4" name="TextBox 3"/>
+          <p:cNvSpPr txBox="1"/>
+          <p:nvPr/>
+        </p:nvSpPr>
+        <p:spPr>
+          <a:xfrm>
+            <a:off x="3402998" y="1573571"/>
+            <a:ext cx="5320687" cy="769441"/>
+          </a:xfrm>
+          <a:prstGeom prst="rect">
+            <a:avLst/>
+          </a:prstGeom>
+          <a:noFill/>
+        </p:spPr>
+        <p:txBody>
+          <a:bodyPr wrap="none" rtlCol="0">
+            <a:spAutoFit/>
+          </a:bodyPr>
+          <a:lstStyle/>
+          <a:p>
+            <a:r>
+              <a:rPr lang="ko-KR" altLang="en-US" sz="4400" b="1" dirty="0" smtClean="0">
+                <a:solidFill>
+                  <a:srgbClr val="FFC000"/>
+                </a:solidFill>
+              </a:rPr>
+              <a:t>인스턴스 선언 방법</a:t>
+            </a:r>
+            <a:endParaRPr lang="ko-KR" altLang="en-US" sz="4400" b="1" dirty="0">
+              <a:solidFill>
+                <a:srgbClr val="FFC000"/>
+              </a:solidFill>
+            </a:endParaRPr>
+          </a:p>
+        </p:txBody>
+      </p:sp>
+      <p:sp>
+        <p:nvSpPr>
+          <p:cNvPr id="5" name="TextBox 4"/>
+          <p:cNvSpPr txBox="1"/>
+          <p:nvPr/>
+        </p:nvSpPr>
+        <p:spPr>
+          <a:xfrm>
+            <a:off x="2839837" y="5487890"/>
+            <a:ext cx="6447008" cy="369332"/>
+          </a:xfrm>
+          <a:prstGeom prst="rect">
+            <a:avLst/>
+          </a:prstGeom>
+          <a:noFill/>
+        </p:spPr>
+        <p:txBody>
+          <a:bodyPr wrap="square" rtlCol="0">
+            <a:spAutoFit/>
+          </a:bodyPr>
+          <a:lstStyle/>
+          <a:p>
+            <a:pPr algn="ctr"/>
+            <a:r>
+              <a:rPr lang="ko-KR" altLang="en-US" b="1" dirty="0" smtClean="0"/>
+              <a:t>인스턴스변수</a:t>
+            </a:r>
+            <a:r>
+              <a:rPr lang="en-US" altLang="ko-KR" b="1" dirty="0" smtClean="0"/>
+              <a:t>.</a:t>
+            </a:r>
+            <a:r>
+              <a:rPr lang="ko-KR" altLang="en-US" b="1" dirty="0" err="1" smtClean="0"/>
+              <a:t>클래스변수</a:t>
+            </a:r>
+            <a:r>
+              <a:rPr lang="ko-KR" altLang="en-US" b="1" dirty="0" smtClean="0"/>
+              <a:t> </a:t>
+            </a:r>
+            <a:r>
+              <a:rPr lang="en-US" altLang="ko-KR" b="1" dirty="0" smtClean="0"/>
+              <a:t>= </a:t>
+            </a:r>
+            <a:r>
+              <a:rPr lang="ko-KR" altLang="en-US" b="1" dirty="0" err="1" smtClean="0"/>
+              <a:t>초기화값</a:t>
+            </a:r>
+            <a:endParaRPr lang="ko-KR" altLang="en-US" b="1" dirty="0"/>
+          </a:p>
+        </p:txBody>
+      </p:sp>
+    </p:spTree>
+    <p:extLst>
+      <p:ext uri="{BB962C8B-B14F-4D97-AF65-F5344CB8AC3E}">
+        <p14:creationId xmlns:p14="http://schemas.microsoft.com/office/powerpoint/2010/main" val="3774297612"/>
+      </p:ext>
+    </p:extLst>
+  </p:cSld>
+  <p:clrMapOvr>
+    <a:masterClrMapping/>
+  </p:clrMapOvr>
+</p:sld>
+</file>
+
+<file path=ppt/slides/slide11.xml><?xml version="1.0" encoding="utf-8"?>
+<p:sld xmlns:a="http://schemas.openxmlformats.org/drawingml/2006/main" xmlns:r="http://schemas.openxmlformats.org/officeDocument/2006/relationships" xmlns:p="http://schemas.openxmlformats.org/presentationml/2006/main">
+  <p:cSld>
+    <p:spTree>
+      <p:nvGrpSpPr>
+        <p:cNvPr id="1" name=""/>
+        <p:cNvGrpSpPr/>
+        <p:nvPr/>
+      </p:nvGrpSpPr>
+      <p:grpSpPr>
+        <a:xfrm>
+          <a:off x="0" y="0"/>
+          <a:ext cx="0" cy="0"/>
+          <a:chOff x="0" y="0"/>
+          <a:chExt cx="0" cy="0"/>
+        </a:xfrm>
+      </p:grpSpPr>
+      <p:sp>
+        <p:nvSpPr>
+          <p:cNvPr id="2" name="TextBox 1"/>
+          <p:cNvSpPr txBox="1"/>
+          <p:nvPr/>
+        </p:nvSpPr>
+        <p:spPr>
+          <a:xfrm>
+            <a:off x="1833922" y="801430"/>
+            <a:ext cx="8318303" cy="646331"/>
+          </a:xfrm>
+          <a:prstGeom prst="rect">
+            <a:avLst/>
+          </a:prstGeom>
+          <a:noFill/>
+        </p:spPr>
+        <p:txBody>
+          <a:bodyPr wrap="none" rtlCol="0">
+            <a:spAutoFit/>
+          </a:bodyPr>
+          <a:lstStyle/>
+          <a:p>
+            <a:r>
+              <a:rPr lang="ko-KR" altLang="en-US" sz="3600" b="1" dirty="0" smtClean="0">
+                <a:solidFill>
+                  <a:srgbClr val="FFC000"/>
+                </a:solidFill>
+              </a:rPr>
+              <a:t>기본 </a:t>
+            </a:r>
+            <a:r>
+              <a:rPr lang="ko-KR" altLang="en-US" sz="3600" b="1" dirty="0" err="1" smtClean="0">
+                <a:solidFill>
+                  <a:srgbClr val="FFC000"/>
+                </a:solidFill>
+              </a:rPr>
+              <a:t>생성자</a:t>
+            </a:r>
+            <a:r>
+              <a:rPr lang="ko-KR" altLang="en-US" sz="3600" b="1" dirty="0" smtClean="0">
+                <a:solidFill>
+                  <a:srgbClr val="FFC000"/>
+                </a:solidFill>
+              </a:rPr>
+              <a:t> </a:t>
+            </a:r>
+            <a:r>
+              <a:rPr lang="en-US" altLang="ko-KR" sz="3600" b="1" dirty="0" smtClean="0">
+                <a:solidFill>
+                  <a:srgbClr val="FFC000"/>
+                </a:solidFill>
+              </a:rPr>
+              <a:t>(Default Constructor)</a:t>
+            </a:r>
+            <a:endParaRPr lang="ko-KR" altLang="en-US" sz="3600" b="1" dirty="0">
+              <a:solidFill>
+                <a:srgbClr val="FFC000"/>
+              </a:solidFill>
+            </a:endParaRPr>
+          </a:p>
+        </p:txBody>
+      </p:sp>
+      <p:sp>
+        <p:nvSpPr>
+          <p:cNvPr id="4" name="TextBox 3"/>
+          <p:cNvSpPr txBox="1"/>
+          <p:nvPr/>
+        </p:nvSpPr>
+        <p:spPr>
+          <a:xfrm>
+            <a:off x="2970450" y="2429398"/>
+            <a:ext cx="6045245" cy="400110"/>
+          </a:xfrm>
+          <a:prstGeom prst="rect">
+            <a:avLst/>
+          </a:prstGeom>
+          <a:noFill/>
+        </p:spPr>
+        <p:txBody>
+          <a:bodyPr wrap="none" rtlCol="0">
+            <a:spAutoFit/>
+          </a:bodyPr>
+          <a:lstStyle/>
+          <a:p>
+            <a:pPr algn="ctr"/>
+            <a:r>
+              <a:rPr lang="ko-KR" altLang="en-US" sz="2000" dirty="0" smtClean="0"/>
+              <a:t>받아들이는 </a:t>
+            </a:r>
+            <a:r>
+              <a:rPr lang="ko-KR" altLang="en-US" sz="2000" dirty="0"/>
+              <a:t>변수가 없고</a:t>
+            </a:r>
+            <a:r>
+              <a:rPr lang="en-US" altLang="ko-KR" sz="2000" dirty="0"/>
+              <a:t>, </a:t>
+            </a:r>
+            <a:r>
+              <a:rPr lang="ko-KR" altLang="en-US" sz="2000" dirty="0">
+                <a:solidFill>
+                  <a:srgbClr val="FFC000"/>
+                </a:solidFill>
+              </a:rPr>
+              <a:t>빈 괄호만 있는 </a:t>
+            </a:r>
+            <a:r>
+              <a:rPr lang="ko-KR" altLang="en-US" sz="2000" dirty="0" err="1" smtClean="0">
+                <a:solidFill>
+                  <a:srgbClr val="FFC000"/>
+                </a:solidFill>
+              </a:rPr>
+              <a:t>생성자</a:t>
+            </a:r>
+            <a:endParaRPr lang="ko-KR" altLang="en-US" sz="2000" dirty="0">
+              <a:solidFill>
+                <a:srgbClr val="FFC000"/>
+              </a:solidFill>
+            </a:endParaRPr>
+          </a:p>
+        </p:txBody>
+      </p:sp>
+      <p:sp>
+        <p:nvSpPr>
+          <p:cNvPr id="5" name="TextBox 4"/>
+          <p:cNvSpPr txBox="1"/>
+          <p:nvPr/>
+        </p:nvSpPr>
+        <p:spPr>
+          <a:xfrm>
+            <a:off x="1476452" y="3698519"/>
+            <a:ext cx="9033242" cy="400110"/>
+          </a:xfrm>
+          <a:prstGeom prst="rect">
+            <a:avLst/>
+          </a:prstGeom>
+          <a:noFill/>
+        </p:spPr>
+        <p:txBody>
+          <a:bodyPr wrap="none" rtlCol="0">
+            <a:spAutoFit/>
+          </a:bodyPr>
+          <a:lstStyle/>
+          <a:p>
+            <a:pPr algn="ctr"/>
+            <a:r>
+              <a:rPr lang="ko-KR" altLang="en-US" sz="2000" dirty="0"/>
+              <a:t>아무 </a:t>
+            </a:r>
+            <a:r>
+              <a:rPr lang="ko-KR" altLang="en-US" sz="2000" dirty="0" err="1"/>
+              <a:t>생성자를</a:t>
+            </a:r>
+            <a:r>
+              <a:rPr lang="ko-KR" altLang="en-US" sz="2000" dirty="0"/>
+              <a:t> 만들지 않으면</a:t>
+            </a:r>
+            <a:r>
+              <a:rPr lang="en-US" altLang="ko-KR" sz="2000" dirty="0"/>
+              <a:t>, </a:t>
+            </a:r>
+            <a:r>
+              <a:rPr lang="ko-KR" altLang="en-US" sz="2000" dirty="0"/>
+              <a:t>기본 </a:t>
+            </a:r>
+            <a:r>
+              <a:rPr lang="ko-KR" altLang="en-US" sz="2000" dirty="0" err="1"/>
+              <a:t>생성자를</a:t>
+            </a:r>
+            <a:r>
+              <a:rPr lang="ko-KR" altLang="en-US" sz="2000" dirty="0"/>
+              <a:t> 선언하지 않아도 사용 </a:t>
+            </a:r>
+            <a:r>
+              <a:rPr lang="ko-KR" altLang="en-US" sz="2000" dirty="0" smtClean="0"/>
+              <a:t>가능</a:t>
+            </a:r>
+            <a:endParaRPr lang="ko-KR" altLang="en-US" sz="2000" dirty="0"/>
+          </a:p>
+        </p:txBody>
+      </p:sp>
+      <p:sp>
+        <p:nvSpPr>
+          <p:cNvPr id="6" name="TextBox 5"/>
+          <p:cNvSpPr txBox="1"/>
+          <p:nvPr/>
+        </p:nvSpPr>
+        <p:spPr>
+          <a:xfrm>
+            <a:off x="1353563" y="4967640"/>
+            <a:ext cx="9993960" cy="400110"/>
+          </a:xfrm>
+          <a:prstGeom prst="rect">
+            <a:avLst/>
+          </a:prstGeom>
+          <a:noFill/>
+        </p:spPr>
+        <p:txBody>
+          <a:bodyPr wrap="square" rtlCol="0">
+            <a:spAutoFit/>
+          </a:bodyPr>
+          <a:lstStyle/>
+          <a:p>
+            <a:pPr algn="ctr"/>
+            <a:r>
+              <a:rPr lang="ko-KR" altLang="en-US" sz="2000" dirty="0" smtClean="0"/>
+              <a:t>이 경우에 </a:t>
+            </a:r>
+            <a:r>
+              <a:rPr lang="ko-KR" altLang="en-US" sz="2000" dirty="0" smtClean="0">
+                <a:solidFill>
+                  <a:srgbClr val="FFC000"/>
+                </a:solidFill>
+              </a:rPr>
+              <a:t>메인 </a:t>
+            </a:r>
+            <a:r>
+              <a:rPr lang="ko-KR" altLang="en-US" sz="2000" dirty="0" err="1" smtClean="0">
+                <a:solidFill>
+                  <a:srgbClr val="FFC000"/>
+                </a:solidFill>
+              </a:rPr>
+              <a:t>메소드에서</a:t>
+            </a:r>
+            <a:r>
+              <a:rPr lang="ko-KR" altLang="en-US" sz="2000" dirty="0" smtClean="0">
+                <a:solidFill>
+                  <a:srgbClr val="FFC000"/>
+                </a:solidFill>
+              </a:rPr>
+              <a:t> 조기화를 무조건 </a:t>
+            </a:r>
+            <a:r>
+              <a:rPr lang="ko-KR" altLang="en-US" sz="2000" dirty="0" smtClean="0"/>
+              <a:t>해주지 않으면</a:t>
+            </a:r>
+            <a:r>
+              <a:rPr lang="en-US" altLang="ko-KR" sz="2000" dirty="0"/>
+              <a:t> </a:t>
+            </a:r>
+            <a:r>
+              <a:rPr lang="ko-KR" altLang="en-US" sz="2000" dirty="0" err="1" smtClean="0"/>
+              <a:t>에러나는</a:t>
+            </a:r>
+            <a:r>
+              <a:rPr lang="ko-KR" altLang="en-US" sz="2000" dirty="0" smtClean="0"/>
+              <a:t> 것에 주의</a:t>
+            </a:r>
+            <a:endParaRPr lang="ko-KR" altLang="en-US" sz="2000" dirty="0"/>
+          </a:p>
+        </p:txBody>
+      </p:sp>
+    </p:spTree>
+    <p:extLst>
+      <p:ext uri="{BB962C8B-B14F-4D97-AF65-F5344CB8AC3E}">
+        <p14:creationId xmlns:p14="http://schemas.microsoft.com/office/powerpoint/2010/main" val="2103901080"/>
+      </p:ext>
+    </p:extLst>
+  </p:cSld>
+  <p:clrMapOvr>
+    <a:masterClrMapping/>
+  </p:clrMapOvr>
+</p:sld>
+</file>
+
+<file path=ppt/slides/slide12.xml><?xml version="1.0" encoding="utf-8"?>
+<p:sld xmlns:a="http://schemas.openxmlformats.org/drawingml/2006/main" xmlns:r="http://schemas.openxmlformats.org/officeDocument/2006/relationships" xmlns:p="http://schemas.openxmlformats.org/presentationml/2006/main">
+  <p:cSld>
+    <p:spTree>
+      <p:nvGrpSpPr>
+        <p:cNvPr id="1" name=""/>
+        <p:cNvGrpSpPr/>
+        <p:nvPr/>
+      </p:nvGrpSpPr>
+      <p:grpSpPr>
+        <a:xfrm>
+          <a:off x="0" y="0"/>
+          <a:ext cx="0" cy="0"/>
+          <a:chOff x="0" y="0"/>
+          <a:chExt cx="0" cy="0"/>
+        </a:xfrm>
+      </p:grpSpPr>
+      <p:sp>
+        <p:nvSpPr>
+          <p:cNvPr id="2" name="TextBox 1"/>
+          <p:cNvSpPr txBox="1"/>
+          <p:nvPr/>
+        </p:nvSpPr>
+        <p:spPr>
+          <a:xfrm>
+            <a:off x="1234735" y="414638"/>
+            <a:ext cx="9985426" cy="646331"/>
+          </a:xfrm>
+          <a:prstGeom prst="rect">
+            <a:avLst/>
+          </a:prstGeom>
+          <a:noFill/>
+        </p:spPr>
+        <p:txBody>
+          <a:bodyPr wrap="none" rtlCol="0">
+            <a:spAutoFit/>
+          </a:bodyPr>
+          <a:lstStyle/>
+          <a:p>
+            <a:pPr algn="ctr"/>
+            <a:r>
+              <a:rPr lang="en-US" altLang="ko-KR" sz="3600" b="1" dirty="0" smtClean="0">
+                <a:solidFill>
+                  <a:srgbClr val="FFC000"/>
+                </a:solidFill>
+              </a:rPr>
+              <a:t>1. </a:t>
+            </a:r>
+            <a:r>
+              <a:rPr lang="ko-KR" altLang="en-US" sz="3600" b="1" dirty="0" smtClean="0">
+                <a:solidFill>
+                  <a:srgbClr val="FFC000"/>
+                </a:solidFill>
+              </a:rPr>
+              <a:t>기본 </a:t>
+            </a:r>
+            <a:r>
+              <a:rPr lang="ko-KR" altLang="en-US" sz="3600" b="1" dirty="0" err="1" smtClean="0">
+                <a:solidFill>
+                  <a:srgbClr val="FFC000"/>
+                </a:solidFill>
+              </a:rPr>
+              <a:t>생성자로</a:t>
+            </a:r>
+            <a:r>
+              <a:rPr lang="ko-KR" altLang="en-US" sz="3600" b="1" dirty="0" smtClean="0">
+                <a:solidFill>
+                  <a:srgbClr val="FFC000"/>
+                </a:solidFill>
+              </a:rPr>
+              <a:t> 선언 </a:t>
+            </a:r>
+            <a:r>
+              <a:rPr lang="en-US" altLang="ko-KR" sz="3600" b="1" dirty="0" smtClean="0">
+                <a:solidFill>
+                  <a:srgbClr val="FFC000"/>
+                </a:solidFill>
+              </a:rPr>
+              <a:t>+ main()</a:t>
+            </a:r>
+            <a:r>
+              <a:rPr lang="ko-KR" altLang="en-US" sz="3600" b="1" dirty="0" smtClean="0">
+                <a:solidFill>
+                  <a:srgbClr val="FFC000"/>
+                </a:solidFill>
+              </a:rPr>
+              <a:t>에서 초기화</a:t>
+            </a:r>
+            <a:endParaRPr lang="ko-KR" altLang="en-US" sz="3600" b="1" dirty="0">
+              <a:solidFill>
+                <a:srgbClr val="FFC000"/>
+              </a:solidFill>
+            </a:endParaRPr>
+          </a:p>
+        </p:txBody>
+      </p:sp>
+      <p:pic>
+        <p:nvPicPr>
+          <p:cNvPr id="3" name="그림 2"/>
+          <p:cNvPicPr>
+            <a:picLocks noChangeAspect="1"/>
+          </p:cNvPicPr>
+          <p:nvPr/>
+        </p:nvPicPr>
+        <p:blipFill>
+          <a:blip r:embed="rId2"/>
+          <a:stretch>
+            <a:fillRect/>
+          </a:stretch>
+        </p:blipFill>
+        <p:spPr>
+          <a:xfrm>
+            <a:off x="1866054" y="1312739"/>
+            <a:ext cx="6124004" cy="5319977"/>
+          </a:xfrm>
+          <a:prstGeom prst="rect">
+            <a:avLst/>
+          </a:prstGeom>
+        </p:spPr>
+      </p:pic>
+      <p:sp>
+        <p:nvSpPr>
+          <p:cNvPr id="11" name="TextBox 10"/>
+          <p:cNvSpPr txBox="1"/>
+          <p:nvPr/>
+        </p:nvSpPr>
+        <p:spPr>
+          <a:xfrm>
+            <a:off x="6477000" y="5411571"/>
+            <a:ext cx="2137124" cy="307777"/>
+          </a:xfrm>
+          <a:prstGeom prst="rect">
+            <a:avLst/>
+          </a:prstGeom>
+          <a:noFill/>
+        </p:spPr>
+        <p:txBody>
+          <a:bodyPr wrap="none" rtlCol="0">
+            <a:spAutoFit/>
+          </a:bodyPr>
+          <a:lstStyle/>
+          <a:p>
+            <a:r>
+              <a:rPr lang="en-US" altLang="ko-KR" sz="1400" dirty="0" smtClean="0"/>
+              <a:t>// S1</a:t>
+            </a:r>
+            <a:r>
+              <a:rPr lang="ko-KR" altLang="en-US" sz="1400" dirty="0" smtClean="0"/>
+              <a:t>의 이름은 </a:t>
+            </a:r>
+            <a:r>
+              <a:rPr lang="ko-KR" altLang="en-US" sz="1400" dirty="0" smtClean="0">
+                <a:solidFill>
+                  <a:srgbClr val="FFC000"/>
+                </a:solidFill>
+              </a:rPr>
+              <a:t>철수</a:t>
+            </a:r>
+            <a:r>
+              <a:rPr lang="ko-KR" altLang="en-US" sz="1400" dirty="0" smtClean="0"/>
+              <a:t>야</a:t>
+            </a:r>
+            <a:endParaRPr lang="ko-KR" altLang="en-US" sz="1400" dirty="0"/>
+          </a:p>
+        </p:txBody>
+      </p:sp>
+      <p:sp>
+        <p:nvSpPr>
+          <p:cNvPr id="12" name="TextBox 11"/>
+          <p:cNvSpPr txBox="1"/>
+          <p:nvPr/>
+        </p:nvSpPr>
+        <p:spPr>
+          <a:xfrm>
+            <a:off x="6477000" y="5719348"/>
+            <a:ext cx="3390672" cy="307777"/>
+          </a:xfrm>
+          <a:prstGeom prst="rect">
+            <a:avLst/>
+          </a:prstGeom>
+          <a:noFill/>
+        </p:spPr>
+        <p:txBody>
+          <a:bodyPr wrap="none" rtlCol="0">
+            <a:spAutoFit/>
+          </a:bodyPr>
+          <a:lstStyle/>
+          <a:p>
+            <a:r>
+              <a:rPr lang="en-US" altLang="ko-KR" sz="1400" dirty="0" smtClean="0"/>
+              <a:t>// S1</a:t>
+            </a:r>
+            <a:r>
+              <a:rPr lang="ko-KR" altLang="en-US" sz="1400" dirty="0" smtClean="0"/>
+              <a:t>의 핸드폰 번호는 </a:t>
+            </a:r>
+            <a:r>
+              <a:rPr lang="en-US" altLang="ko-KR" sz="1400" dirty="0" smtClean="0">
+                <a:solidFill>
+                  <a:srgbClr val="FFC000"/>
+                </a:solidFill>
+              </a:rPr>
+              <a:t>12345678</a:t>
+            </a:r>
+            <a:r>
+              <a:rPr lang="ko-KR" altLang="en-US" sz="1400" dirty="0" smtClean="0"/>
+              <a:t>이야</a:t>
+            </a:r>
+            <a:endParaRPr lang="ko-KR" altLang="en-US" sz="1400" dirty="0"/>
+          </a:p>
+        </p:txBody>
+      </p:sp>
+    </p:spTree>
+    <p:extLst>
+      <p:ext uri="{BB962C8B-B14F-4D97-AF65-F5344CB8AC3E}">
+        <p14:creationId xmlns:p14="http://schemas.microsoft.com/office/powerpoint/2010/main" val="2911121716"/>
+      </p:ext>
+    </p:extLst>
+  </p:cSld>
+  <p:clrMapOvr>
+    <a:masterClrMapping/>
+  </p:clrMapOvr>
+</p:sld>
+</file>
+
+<file path=ppt/slides/slide13.xml><?xml version="1.0" encoding="utf-8"?>
+<p:sld xmlns:a="http://schemas.openxmlformats.org/drawingml/2006/main" xmlns:r="http://schemas.openxmlformats.org/officeDocument/2006/relationships" xmlns:p="http://schemas.openxmlformats.org/presentationml/2006/main">
+  <p:cSld>
+    <p:spTree>
+      <p:nvGrpSpPr>
+        <p:cNvPr id="1" name=""/>
+        <p:cNvGrpSpPr/>
+        <p:nvPr/>
+      </p:nvGrpSpPr>
+      <p:grpSpPr>
+        <a:xfrm>
+          <a:off x="0" y="0"/>
+          <a:ext cx="0" cy="0"/>
+          <a:chOff x="0" y="0"/>
+          <a:chExt cx="0" cy="0"/>
+        </a:xfrm>
+      </p:grpSpPr>
+      <p:sp>
+        <p:nvSpPr>
+          <p:cNvPr id="2" name="TextBox 1"/>
+          <p:cNvSpPr txBox="1"/>
+          <p:nvPr/>
+        </p:nvSpPr>
+        <p:spPr>
+          <a:xfrm>
+            <a:off x="3958239" y="414638"/>
+            <a:ext cx="4538423" cy="769441"/>
+          </a:xfrm>
+          <a:prstGeom prst="rect">
+            <a:avLst/>
+          </a:prstGeom>
+          <a:noFill/>
+        </p:spPr>
+        <p:txBody>
+          <a:bodyPr wrap="none" rtlCol="0">
+            <a:spAutoFit/>
+          </a:bodyPr>
+          <a:lstStyle/>
+          <a:p>
+            <a:pPr algn="ctr"/>
+            <a:r>
+              <a:rPr lang="en-US" altLang="ko-KR" sz="4400" b="1" dirty="0" smtClean="0">
+                <a:solidFill>
+                  <a:srgbClr val="FFC000"/>
+                </a:solidFill>
+              </a:rPr>
+              <a:t>this. </a:t>
+            </a:r>
+            <a:r>
+              <a:rPr lang="en-US" altLang="ko-KR" sz="4400" b="1" dirty="0" smtClean="0"/>
+              <a:t>&amp;</a:t>
+            </a:r>
+            <a:r>
+              <a:rPr lang="ko-KR" altLang="en-US" sz="4400" b="1" dirty="0" smtClean="0">
+                <a:solidFill>
+                  <a:srgbClr val="FFC000"/>
+                </a:solidFill>
+              </a:rPr>
+              <a:t> </a:t>
+            </a:r>
+            <a:r>
+              <a:rPr lang="en-US" altLang="ko-KR" sz="4400" b="1" dirty="0" smtClean="0">
+                <a:solidFill>
+                  <a:srgbClr val="FFC000"/>
+                </a:solidFill>
+              </a:rPr>
+              <a:t>this()</a:t>
+            </a:r>
+            <a:endParaRPr lang="ko-KR" altLang="en-US" sz="4400" b="1" dirty="0">
+              <a:solidFill>
+                <a:srgbClr val="FFC000"/>
+              </a:solidFill>
+            </a:endParaRPr>
+          </a:p>
+        </p:txBody>
+      </p:sp>
+      <p:sp>
+        <p:nvSpPr>
+          <p:cNvPr id="3" name="TextBox 2"/>
+          <p:cNvSpPr txBox="1"/>
+          <p:nvPr/>
+        </p:nvSpPr>
+        <p:spPr>
+          <a:xfrm>
+            <a:off x="3958239" y="2001079"/>
+            <a:ext cx="4028661" cy="646331"/>
+          </a:xfrm>
+          <a:prstGeom prst="rect">
+            <a:avLst/>
+          </a:prstGeom>
+          <a:noFill/>
+        </p:spPr>
+        <p:txBody>
+          <a:bodyPr wrap="square" rtlCol="0">
+            <a:spAutoFit/>
+          </a:bodyPr>
+          <a:lstStyle/>
+          <a:p>
+            <a:pPr algn="ctr"/>
+            <a:r>
+              <a:rPr lang="en-US" altLang="ko-KR" dirty="0" smtClean="0"/>
+              <a:t>‘</a:t>
+            </a:r>
+            <a:r>
+              <a:rPr lang="ko-KR" altLang="en-US" b="1" dirty="0" smtClean="0">
+                <a:solidFill>
+                  <a:srgbClr val="FFC000"/>
+                </a:solidFill>
+              </a:rPr>
+              <a:t>이 객체</a:t>
+            </a:r>
+            <a:r>
+              <a:rPr lang="en-US" altLang="ko-KR" dirty="0" smtClean="0"/>
+              <a:t>’</a:t>
+            </a:r>
+            <a:r>
+              <a:rPr lang="ko-KR" altLang="en-US" dirty="0" smtClean="0"/>
+              <a:t>라는 의미</a:t>
+            </a:r>
+            <a:r>
+              <a:rPr lang="en-US" altLang="ko-KR" dirty="0" smtClean="0"/>
+              <a:t>.</a:t>
+            </a:r>
+          </a:p>
+          <a:p>
+            <a:pPr algn="ctr"/>
+            <a:r>
+              <a:rPr lang="ko-KR" altLang="en-US" dirty="0" smtClean="0"/>
+              <a:t>그게 전부임</a:t>
+            </a:r>
+            <a:r>
+              <a:rPr lang="en-US" altLang="ko-KR" dirty="0" smtClean="0"/>
+              <a:t>.</a:t>
+            </a:r>
+          </a:p>
+        </p:txBody>
+      </p:sp>
+      <p:pic>
+        <p:nvPicPr>
+          <p:cNvPr id="4" name="그림 3"/>
+          <p:cNvPicPr>
+            <a:picLocks noChangeAspect="1"/>
+          </p:cNvPicPr>
+          <p:nvPr/>
+        </p:nvPicPr>
+        <p:blipFill>
+          <a:blip r:embed="rId2"/>
+          <a:stretch>
+            <a:fillRect/>
+          </a:stretch>
+        </p:blipFill>
+        <p:spPr>
+          <a:xfrm>
+            <a:off x="2455884" y="3223717"/>
+            <a:ext cx="7650976" cy="1904873"/>
+          </a:xfrm>
+          <a:prstGeom prst="rect">
+            <a:avLst/>
+          </a:prstGeom>
+        </p:spPr>
+      </p:pic>
+      <p:sp>
+        <p:nvSpPr>
+          <p:cNvPr id="5" name="TextBox 4"/>
+          <p:cNvSpPr txBox="1"/>
+          <p:nvPr/>
+        </p:nvSpPr>
+        <p:spPr>
+          <a:xfrm>
+            <a:off x="1517667" y="5798526"/>
+            <a:ext cx="9419566" cy="369332"/>
+          </a:xfrm>
+          <a:prstGeom prst="rect">
+            <a:avLst/>
+          </a:prstGeom>
+          <a:noFill/>
+        </p:spPr>
+        <p:txBody>
+          <a:bodyPr wrap="none" rtlCol="0">
+            <a:spAutoFit/>
+          </a:bodyPr>
+          <a:lstStyle/>
+          <a:p>
+            <a:r>
+              <a:rPr lang="ko-KR" altLang="en-US" b="1" dirty="0" smtClean="0">
+                <a:solidFill>
+                  <a:srgbClr val="FFC000"/>
+                </a:solidFill>
+              </a:rPr>
+              <a:t>이 객체</a:t>
+            </a:r>
+            <a:r>
+              <a:rPr lang="en-US" altLang="ko-KR" b="1" dirty="0" smtClean="0">
+                <a:solidFill>
+                  <a:srgbClr val="FFC000"/>
+                </a:solidFill>
+              </a:rPr>
+              <a:t>(this)</a:t>
+            </a:r>
+            <a:r>
+              <a:rPr lang="ko-KR" altLang="en-US" dirty="0" smtClean="0"/>
+              <a:t>의 </a:t>
+            </a:r>
+            <a:r>
+              <a:rPr lang="ko-KR" altLang="en-US" b="1" dirty="0" smtClean="0">
+                <a:solidFill>
+                  <a:srgbClr val="00B0F0"/>
+                </a:solidFill>
+              </a:rPr>
+              <a:t>클래스 변수인 </a:t>
+            </a:r>
+            <a:r>
+              <a:rPr lang="en-US" altLang="ko-KR" b="1" dirty="0" err="1" smtClean="0">
+                <a:solidFill>
+                  <a:srgbClr val="00B0F0"/>
+                </a:solidFill>
+              </a:rPr>
+              <a:t>phoneNum</a:t>
+            </a:r>
+            <a:r>
+              <a:rPr lang="ko-KR" altLang="en-US" dirty="0" smtClean="0"/>
+              <a:t>의 값은 </a:t>
+            </a:r>
+            <a:r>
+              <a:rPr lang="ko-KR" altLang="en-US" b="1" dirty="0" smtClean="0">
+                <a:solidFill>
+                  <a:schemeClr val="accent5">
+                    <a:lumMod val="60000"/>
+                    <a:lumOff val="40000"/>
+                  </a:schemeClr>
+                </a:solidFill>
+              </a:rPr>
+              <a:t>사용자 </a:t>
+            </a:r>
+            <a:r>
+              <a:rPr lang="ko-KR" altLang="en-US" b="1" dirty="0" err="1" smtClean="0">
+                <a:solidFill>
+                  <a:schemeClr val="accent5">
+                    <a:lumMod val="60000"/>
+                    <a:lumOff val="40000"/>
+                  </a:schemeClr>
+                </a:solidFill>
+              </a:rPr>
+              <a:t>지정값인</a:t>
+            </a:r>
+            <a:r>
+              <a:rPr lang="ko-KR" altLang="en-US" b="1" dirty="0" smtClean="0">
+                <a:solidFill>
+                  <a:schemeClr val="accent5">
+                    <a:lumMod val="60000"/>
+                    <a:lumOff val="40000"/>
+                  </a:schemeClr>
+                </a:solidFill>
+              </a:rPr>
+              <a:t> </a:t>
+            </a:r>
+            <a:r>
+              <a:rPr lang="en-US" altLang="ko-KR" b="1" dirty="0" err="1">
+                <a:solidFill>
+                  <a:schemeClr val="accent5">
+                    <a:lumMod val="60000"/>
+                    <a:lumOff val="40000"/>
+                  </a:schemeClr>
+                </a:solidFill>
+              </a:rPr>
+              <a:t>phoneNum</a:t>
+            </a:r>
+            <a:r>
+              <a:rPr lang="ko-KR" altLang="en-US" dirty="0" smtClean="0"/>
+              <a:t>로 할래</a:t>
+            </a:r>
+            <a:endParaRPr lang="ko-KR" altLang="en-US" dirty="0"/>
+          </a:p>
+        </p:txBody>
+      </p:sp>
+      <p:sp>
+        <p:nvSpPr>
+          <p:cNvPr id="7" name="아래쪽 화살표 6"/>
+          <p:cNvSpPr/>
+          <p:nvPr/>
+        </p:nvSpPr>
+        <p:spPr>
+          <a:xfrm>
+            <a:off x="5635647" y="4986480"/>
+            <a:ext cx="1183605" cy="477078"/>
+          </a:xfrm>
+          <a:prstGeom prst="downArrow">
+            <a:avLst/>
+          </a:prstGeom>
+          <a:noFill/>
+          <a:ln w="57150">
+            <a:solidFill>
+              <a:srgbClr val="FFC000"/>
+            </a:solidFill>
+          </a:ln>
+        </p:spPr>
+        <p:style>
+          <a:lnRef idx="2">
+            <a:schemeClr val="accent1">
+              <a:shade val="50000"/>
+            </a:schemeClr>
+          </a:lnRef>
+          <a:fillRef idx="1">
+            <a:schemeClr val="accent1"/>
+          </a:fillRef>
+          <a:effectRef idx="0">
+            <a:schemeClr val="accent1"/>
+          </a:effectRef>
+          <a:fontRef idx="minor">
+            <a:schemeClr val="lt1"/>
+          </a:fontRef>
+        </p:style>
+        <p:txBody>
+          <a:bodyPr rtlCol="0" anchor="ctr"/>
+          <a:lstStyle/>
+          <a:p>
+            <a:pPr algn="ctr"/>
+            <a:endParaRPr lang="ko-KR" altLang="en-US"/>
+          </a:p>
+        </p:txBody>
+      </p:sp>
+    </p:spTree>
+    <p:extLst>
+      <p:ext uri="{BB962C8B-B14F-4D97-AF65-F5344CB8AC3E}">
+        <p14:creationId xmlns:p14="http://schemas.microsoft.com/office/powerpoint/2010/main" val="1693073363"/>
+      </p:ext>
+    </p:extLst>
+  </p:cSld>
+  <p:clrMapOvr>
+    <a:masterClrMapping/>
+  </p:clrMapOvr>
+</p:sld>
+</file>
+
+<file path=ppt/slides/slide14.xml><?xml version="1.0" encoding="utf-8"?>
+<p:sld xmlns:a="http://schemas.openxmlformats.org/drawingml/2006/main" xmlns:r="http://schemas.openxmlformats.org/officeDocument/2006/relationships" xmlns:p="http://schemas.openxmlformats.org/presentationml/2006/main">
+  <p:cSld>
+    <p:spTree>
+      <p:nvGrpSpPr>
+        <p:cNvPr id="1" name=""/>
+        <p:cNvGrpSpPr/>
+        <p:nvPr/>
+      </p:nvGrpSpPr>
+      <p:grpSpPr>
+        <a:xfrm>
+          <a:off x="0" y="0"/>
+          <a:ext cx="0" cy="0"/>
+          <a:chOff x="0" y="0"/>
+          <a:chExt cx="0" cy="0"/>
+        </a:xfrm>
+      </p:grpSpPr>
+      <p:sp>
+        <p:nvSpPr>
+          <p:cNvPr id="2" name="TextBox 1"/>
+          <p:cNvSpPr txBox="1"/>
+          <p:nvPr/>
+        </p:nvSpPr>
+        <p:spPr>
+          <a:xfrm>
+            <a:off x="2836129" y="414638"/>
+            <a:ext cx="6782627" cy="646331"/>
+          </a:xfrm>
+          <a:prstGeom prst="rect">
+            <a:avLst/>
+          </a:prstGeom>
+          <a:noFill/>
+        </p:spPr>
+        <p:txBody>
+          <a:bodyPr wrap="none" rtlCol="0">
+            <a:spAutoFit/>
+          </a:bodyPr>
+          <a:lstStyle/>
+          <a:p>
+            <a:pPr algn="ctr"/>
+            <a:r>
+              <a:rPr lang="en-US" altLang="ko-KR" sz="3600" b="1" dirty="0">
+                <a:solidFill>
+                  <a:srgbClr val="FFC000"/>
+                </a:solidFill>
+              </a:rPr>
+              <a:t>2</a:t>
+            </a:r>
+            <a:r>
+              <a:rPr lang="en-US" altLang="ko-KR" sz="3600" b="1" dirty="0" smtClean="0">
+                <a:solidFill>
+                  <a:srgbClr val="FFC000"/>
+                </a:solidFill>
+              </a:rPr>
+              <a:t>. </a:t>
+            </a:r>
+            <a:r>
+              <a:rPr lang="ko-KR" altLang="en-US" sz="3600" b="1" dirty="0" smtClean="0">
+                <a:solidFill>
+                  <a:srgbClr val="FFC000"/>
+                </a:solidFill>
+              </a:rPr>
+              <a:t>임의 </a:t>
+            </a:r>
+            <a:r>
+              <a:rPr lang="ko-KR" altLang="en-US" sz="3600" b="1" dirty="0" err="1" smtClean="0">
+                <a:solidFill>
+                  <a:srgbClr val="FFC000"/>
+                </a:solidFill>
+              </a:rPr>
+              <a:t>생성자로</a:t>
+            </a:r>
+            <a:r>
+              <a:rPr lang="ko-KR" altLang="en-US" sz="3600" b="1" dirty="0" smtClean="0">
+                <a:solidFill>
+                  <a:srgbClr val="FFC000"/>
+                </a:solidFill>
+              </a:rPr>
+              <a:t> 전부 초기화</a:t>
+            </a:r>
+            <a:endParaRPr lang="ko-KR" altLang="en-US" sz="3600" b="1" dirty="0">
+              <a:solidFill>
+                <a:srgbClr val="FFC000"/>
+              </a:solidFill>
+            </a:endParaRPr>
+          </a:p>
+        </p:txBody>
+      </p:sp>
+      <p:pic>
+        <p:nvPicPr>
+          <p:cNvPr id="4" name="그림 3"/>
+          <p:cNvPicPr>
+            <a:picLocks noChangeAspect="1"/>
+          </p:cNvPicPr>
+          <p:nvPr/>
+        </p:nvPicPr>
+        <p:blipFill>
+          <a:blip r:embed="rId2"/>
+          <a:stretch>
+            <a:fillRect/>
+          </a:stretch>
+        </p:blipFill>
+        <p:spPr>
+          <a:xfrm>
+            <a:off x="1871691" y="1423075"/>
+            <a:ext cx="8711501" cy="5086582"/>
+          </a:xfrm>
+          <a:prstGeom prst="rect">
+            <a:avLst/>
+          </a:prstGeom>
+        </p:spPr>
+      </p:pic>
+    </p:spTree>
+    <p:extLst>
+      <p:ext uri="{BB962C8B-B14F-4D97-AF65-F5344CB8AC3E}">
+        <p14:creationId xmlns:p14="http://schemas.microsoft.com/office/powerpoint/2010/main" val="3067717978"/>
+      </p:ext>
+    </p:extLst>
+  </p:cSld>
+  <p:clrMapOvr>
+    <a:masterClrMapping/>
+  </p:clrMapOvr>
+</p:sld>
+</file>
+
+<file path=ppt/slides/slide15.xml><?xml version="1.0" encoding="utf-8"?>
+<p:sld xmlns:a="http://schemas.openxmlformats.org/drawingml/2006/main" xmlns:r="http://schemas.openxmlformats.org/officeDocument/2006/relationships" xmlns:p="http://schemas.openxmlformats.org/presentationml/2006/main">
+  <p:cSld>
+    <p:spTree>
+      <p:nvGrpSpPr>
+        <p:cNvPr id="1" name=""/>
+        <p:cNvGrpSpPr/>
+        <p:nvPr/>
+      </p:nvGrpSpPr>
+      <p:grpSpPr>
+        <a:xfrm>
+          <a:off x="0" y="0"/>
+          <a:ext cx="0" cy="0"/>
+          <a:chOff x="0" y="0"/>
+          <a:chExt cx="0" cy="0"/>
+        </a:xfrm>
+      </p:grpSpPr>
+      <p:sp>
+        <p:nvSpPr>
+          <p:cNvPr id="2" name="TextBox 1"/>
+          <p:cNvSpPr txBox="1"/>
+          <p:nvPr/>
+        </p:nvSpPr>
+        <p:spPr>
+          <a:xfrm>
+            <a:off x="603562" y="697667"/>
+            <a:ext cx="11117146" cy="646331"/>
+          </a:xfrm>
+          <a:prstGeom prst="rect">
+            <a:avLst/>
+          </a:prstGeom>
+          <a:noFill/>
+        </p:spPr>
+        <p:txBody>
+          <a:bodyPr wrap="none" rtlCol="0">
+            <a:spAutoFit/>
+          </a:bodyPr>
+          <a:lstStyle/>
+          <a:p>
+            <a:pPr algn="ctr"/>
+            <a:r>
+              <a:rPr lang="en-US" altLang="ko-KR" sz="3600" b="1" dirty="0" smtClean="0">
+                <a:solidFill>
+                  <a:srgbClr val="FFC000"/>
+                </a:solidFill>
+              </a:rPr>
+              <a:t>3. </a:t>
+            </a:r>
+            <a:r>
+              <a:rPr lang="ko-KR" altLang="en-US" sz="3600" b="1" dirty="0" smtClean="0">
+                <a:solidFill>
+                  <a:srgbClr val="FFC000"/>
+                </a:solidFill>
+              </a:rPr>
+              <a:t>일부는 </a:t>
+            </a:r>
+            <a:r>
+              <a:rPr lang="ko-KR" altLang="en-US" sz="3600" b="1" dirty="0" err="1" smtClean="0">
+                <a:solidFill>
+                  <a:srgbClr val="FFC000"/>
+                </a:solidFill>
+              </a:rPr>
+              <a:t>생성자로</a:t>
+            </a:r>
+            <a:r>
+              <a:rPr lang="en-US" altLang="ko-KR" sz="3600" b="1" dirty="0" smtClean="0">
+                <a:solidFill>
+                  <a:srgbClr val="FFC000"/>
+                </a:solidFill>
+              </a:rPr>
+              <a:t>, </a:t>
+            </a:r>
+            <a:r>
+              <a:rPr lang="ko-KR" altLang="en-US" sz="3600" b="1" dirty="0" smtClean="0">
+                <a:solidFill>
+                  <a:srgbClr val="FFC000"/>
+                </a:solidFill>
+              </a:rPr>
+              <a:t>나머지는 </a:t>
+            </a:r>
+            <a:r>
+              <a:rPr lang="en-US" altLang="ko-KR" sz="3600" b="1" dirty="0" smtClean="0">
+                <a:solidFill>
+                  <a:srgbClr val="FFC000"/>
+                </a:solidFill>
+              </a:rPr>
+              <a:t>main()</a:t>
+            </a:r>
+            <a:r>
+              <a:rPr lang="ko-KR" altLang="en-US" sz="3600" b="1" dirty="0" smtClean="0">
+                <a:solidFill>
+                  <a:srgbClr val="FFC000"/>
+                </a:solidFill>
+              </a:rPr>
+              <a:t>에서 초기화</a:t>
+            </a:r>
+            <a:endParaRPr lang="ko-KR" altLang="en-US" sz="3600" b="1" dirty="0">
+              <a:solidFill>
+                <a:srgbClr val="FFC000"/>
+              </a:solidFill>
+            </a:endParaRPr>
+          </a:p>
+        </p:txBody>
+      </p:sp>
+      <p:pic>
+        <p:nvPicPr>
+          <p:cNvPr id="3" name="그림 2"/>
+          <p:cNvPicPr>
+            <a:picLocks noChangeAspect="1"/>
+          </p:cNvPicPr>
+          <p:nvPr/>
+        </p:nvPicPr>
+        <p:blipFill>
+          <a:blip r:embed="rId2"/>
+          <a:stretch>
+            <a:fillRect/>
+          </a:stretch>
+        </p:blipFill>
+        <p:spPr>
+          <a:xfrm>
+            <a:off x="908362" y="1929908"/>
+            <a:ext cx="4963218" cy="3781953"/>
+          </a:xfrm>
+          <a:prstGeom prst="rect">
+            <a:avLst/>
+          </a:prstGeom>
+        </p:spPr>
+      </p:pic>
+      <p:pic>
+        <p:nvPicPr>
+          <p:cNvPr id="5" name="그림 4"/>
+          <p:cNvPicPr>
+            <a:picLocks noChangeAspect="1"/>
+          </p:cNvPicPr>
+          <p:nvPr/>
+        </p:nvPicPr>
+        <p:blipFill>
+          <a:blip r:embed="rId3"/>
+          <a:stretch>
+            <a:fillRect/>
+          </a:stretch>
+        </p:blipFill>
+        <p:spPr>
+          <a:xfrm>
+            <a:off x="6682139" y="1929908"/>
+            <a:ext cx="4706007" cy="3829584"/>
+          </a:xfrm>
+          <a:prstGeom prst="rect">
+            <a:avLst/>
+          </a:prstGeom>
+        </p:spPr>
+      </p:pic>
+    </p:spTree>
+    <p:extLst>
+      <p:ext uri="{BB962C8B-B14F-4D97-AF65-F5344CB8AC3E}">
+        <p14:creationId xmlns:p14="http://schemas.microsoft.com/office/powerpoint/2010/main" val="2353506265"/>
+      </p:ext>
+    </p:extLst>
+  </p:cSld>
+  <p:clrMapOvr>
+    <a:masterClrMapping/>
+  </p:clrMapOvr>
+</p:sld>
+</file>
+
+<file path=ppt/slides/slide16.xml><?xml version="1.0" encoding="utf-8"?>
+<p:sld xmlns:a="http://schemas.openxmlformats.org/drawingml/2006/main" xmlns:r="http://schemas.openxmlformats.org/officeDocument/2006/relationships" xmlns:p="http://schemas.openxmlformats.org/presentationml/2006/main">
+  <p:cSld>
+    <p:spTree>
+      <p:nvGrpSpPr>
+        <p:cNvPr id="1" name=""/>
+        <p:cNvGrpSpPr/>
+        <p:nvPr/>
+      </p:nvGrpSpPr>
+      <p:grpSpPr>
+        <a:xfrm>
+          <a:off x="0" y="0"/>
+          <a:ext cx="0" cy="0"/>
+          <a:chOff x="0" y="0"/>
+          <a:chExt cx="0" cy="0"/>
+        </a:xfrm>
+      </p:grpSpPr>
+      <p:sp>
+        <p:nvSpPr>
+          <p:cNvPr id="2" name="TextBox 1"/>
+          <p:cNvSpPr txBox="1"/>
+          <p:nvPr/>
+        </p:nvSpPr>
+        <p:spPr>
+          <a:xfrm>
+            <a:off x="2740371" y="697667"/>
+            <a:ext cx="6843541" cy="646331"/>
+          </a:xfrm>
+          <a:prstGeom prst="rect">
+            <a:avLst/>
+          </a:prstGeom>
+          <a:noFill/>
+        </p:spPr>
+        <p:txBody>
+          <a:bodyPr wrap="none" rtlCol="0">
+            <a:spAutoFit/>
+          </a:bodyPr>
+          <a:lstStyle/>
+          <a:p>
+            <a:pPr algn="ctr"/>
+            <a:r>
+              <a:rPr lang="ko-KR" altLang="en-US" sz="3600" b="1" dirty="0" smtClean="0">
+                <a:solidFill>
+                  <a:srgbClr val="FFC000"/>
+                </a:solidFill>
+              </a:rPr>
+              <a:t>지역 변수 </a:t>
+            </a:r>
+            <a:r>
+              <a:rPr lang="en-US" altLang="ko-KR" sz="3600" b="1" dirty="0" smtClean="0">
+                <a:solidFill>
+                  <a:srgbClr val="FFC000"/>
+                </a:solidFill>
+              </a:rPr>
+              <a:t>(Local Variables)</a:t>
+            </a:r>
+            <a:endParaRPr lang="ko-KR" altLang="en-US" sz="3600" b="1" dirty="0">
+              <a:solidFill>
+                <a:srgbClr val="FFC000"/>
+              </a:solidFill>
+            </a:endParaRPr>
+          </a:p>
+        </p:txBody>
+      </p:sp>
+      <p:sp>
+        <p:nvSpPr>
+          <p:cNvPr id="3" name="TextBox 2"/>
+          <p:cNvSpPr txBox="1"/>
+          <p:nvPr/>
+        </p:nvSpPr>
+        <p:spPr>
+          <a:xfrm>
+            <a:off x="4431536" y="1600591"/>
+            <a:ext cx="3461204" cy="369332"/>
+          </a:xfrm>
+          <a:prstGeom prst="rect">
+            <a:avLst/>
+          </a:prstGeom>
+          <a:noFill/>
+        </p:spPr>
+        <p:txBody>
+          <a:bodyPr wrap="none" rtlCol="0">
+            <a:spAutoFit/>
+          </a:bodyPr>
+          <a:lstStyle/>
+          <a:p>
+            <a:pPr algn="ctr"/>
+            <a:r>
+              <a:rPr lang="ko-KR" altLang="en-US" dirty="0" smtClean="0"/>
+              <a:t>메인 </a:t>
+            </a:r>
+            <a:r>
+              <a:rPr lang="ko-KR" altLang="en-US" dirty="0" err="1" smtClean="0"/>
+              <a:t>메소드</a:t>
+            </a:r>
+            <a:r>
+              <a:rPr lang="ko-KR" altLang="en-US" dirty="0" smtClean="0"/>
+              <a:t> 안에 선언된 변수</a:t>
+            </a:r>
+            <a:endParaRPr lang="ko-KR" altLang="en-US" dirty="0"/>
+          </a:p>
+        </p:txBody>
+      </p:sp>
+      <p:sp>
+        <p:nvSpPr>
+          <p:cNvPr id="4" name="TextBox 3"/>
+          <p:cNvSpPr txBox="1"/>
+          <p:nvPr/>
+        </p:nvSpPr>
+        <p:spPr>
+          <a:xfrm>
+            <a:off x="1983073" y="2226516"/>
+            <a:ext cx="8860971" cy="369332"/>
+          </a:xfrm>
+          <a:prstGeom prst="rect">
+            <a:avLst/>
+          </a:prstGeom>
+          <a:noFill/>
+        </p:spPr>
+        <p:txBody>
+          <a:bodyPr wrap="square" rtlCol="0">
+            <a:spAutoFit/>
+          </a:bodyPr>
+          <a:lstStyle/>
+          <a:p>
+            <a:pPr algn="ctr"/>
+            <a:r>
+              <a:rPr lang="ko-KR" altLang="en-US" dirty="0" err="1" smtClean="0">
+                <a:solidFill>
+                  <a:srgbClr val="FF5050"/>
+                </a:solidFill>
+              </a:rPr>
+              <a:t>메소드에</a:t>
+            </a:r>
+            <a:r>
+              <a:rPr lang="ko-KR" altLang="en-US" dirty="0" smtClean="0">
+                <a:solidFill>
+                  <a:srgbClr val="FF5050"/>
+                </a:solidFill>
+              </a:rPr>
+              <a:t> 이용자가 직접 넣어주지 않으면 </a:t>
+            </a:r>
+            <a:r>
+              <a:rPr lang="ko-KR" altLang="en-US" dirty="0" err="1" smtClean="0">
+                <a:solidFill>
+                  <a:srgbClr val="FF5050"/>
+                </a:solidFill>
+              </a:rPr>
+              <a:t>메소드에서</a:t>
+            </a:r>
+            <a:r>
+              <a:rPr lang="ko-KR" altLang="en-US" dirty="0" smtClean="0">
+                <a:solidFill>
+                  <a:srgbClr val="FF5050"/>
+                </a:solidFill>
+              </a:rPr>
+              <a:t> 사용 할 수 없음</a:t>
+            </a:r>
+            <a:endParaRPr lang="ko-KR" altLang="en-US" dirty="0">
+              <a:solidFill>
+                <a:srgbClr val="FF5050"/>
+              </a:solidFill>
+            </a:endParaRPr>
+          </a:p>
+        </p:txBody>
+      </p:sp>
+      <p:sp>
+        <p:nvSpPr>
+          <p:cNvPr id="5" name="TextBox 4"/>
+          <p:cNvSpPr txBox="1"/>
+          <p:nvPr/>
+        </p:nvSpPr>
+        <p:spPr>
+          <a:xfrm>
+            <a:off x="4789006" y="3683438"/>
+            <a:ext cx="2746265" cy="646331"/>
+          </a:xfrm>
+          <a:prstGeom prst="rect">
+            <a:avLst/>
+          </a:prstGeom>
+          <a:noFill/>
+        </p:spPr>
+        <p:txBody>
+          <a:bodyPr wrap="none" rtlCol="0">
+            <a:spAutoFit/>
+          </a:bodyPr>
+          <a:lstStyle/>
+          <a:p>
+            <a:pPr algn="ctr"/>
+            <a:r>
+              <a:rPr lang="ko-KR" altLang="en-US" sz="3600" b="1" dirty="0" smtClean="0">
+                <a:solidFill>
+                  <a:srgbClr val="FFC000"/>
+                </a:solidFill>
+              </a:rPr>
+              <a:t>클래스 변수</a:t>
+            </a:r>
+            <a:endParaRPr lang="ko-KR" altLang="en-US" sz="3600" b="1" dirty="0">
+              <a:solidFill>
+                <a:srgbClr val="FFC000"/>
+              </a:solidFill>
+            </a:endParaRPr>
+          </a:p>
+        </p:txBody>
+      </p:sp>
+      <p:sp>
+        <p:nvSpPr>
+          <p:cNvPr id="6" name="TextBox 5"/>
+          <p:cNvSpPr txBox="1"/>
+          <p:nvPr/>
+        </p:nvSpPr>
+        <p:spPr>
+          <a:xfrm>
+            <a:off x="4431536" y="4586362"/>
+            <a:ext cx="3461204" cy="369332"/>
+          </a:xfrm>
+          <a:prstGeom prst="rect">
+            <a:avLst/>
+          </a:prstGeom>
+          <a:noFill/>
+        </p:spPr>
+        <p:txBody>
+          <a:bodyPr wrap="none" rtlCol="0">
+            <a:spAutoFit/>
+          </a:bodyPr>
+          <a:lstStyle/>
+          <a:p>
+            <a:pPr algn="ctr"/>
+            <a:r>
+              <a:rPr lang="ko-KR" altLang="en-US" dirty="0" smtClean="0"/>
+              <a:t>클래스 안에 직접 선언된 변수</a:t>
+            </a:r>
+            <a:endParaRPr lang="ko-KR" altLang="en-US" dirty="0"/>
+          </a:p>
+        </p:txBody>
+      </p:sp>
+      <p:sp>
+        <p:nvSpPr>
+          <p:cNvPr id="7" name="TextBox 6"/>
+          <p:cNvSpPr txBox="1"/>
+          <p:nvPr/>
+        </p:nvSpPr>
+        <p:spPr>
+          <a:xfrm>
+            <a:off x="2602922" y="5212287"/>
+            <a:ext cx="7118431" cy="369332"/>
+          </a:xfrm>
+          <a:prstGeom prst="rect">
+            <a:avLst/>
+          </a:prstGeom>
+          <a:noFill/>
+        </p:spPr>
+        <p:txBody>
+          <a:bodyPr wrap="square" rtlCol="0">
+            <a:spAutoFit/>
+          </a:bodyPr>
+          <a:lstStyle/>
+          <a:p>
+            <a:pPr algn="ctr"/>
+            <a:r>
+              <a:rPr lang="ko-KR" altLang="en-US" dirty="0" smtClean="0">
+                <a:solidFill>
+                  <a:srgbClr val="FF5050"/>
+                </a:solidFill>
+              </a:rPr>
+              <a:t>이용자가 넣어주지 않아도 </a:t>
+            </a:r>
+            <a:r>
+              <a:rPr lang="ko-KR" altLang="en-US" dirty="0" err="1" smtClean="0">
+                <a:solidFill>
+                  <a:srgbClr val="FF5050"/>
+                </a:solidFill>
+              </a:rPr>
+              <a:t>메소드에서</a:t>
+            </a:r>
+            <a:r>
+              <a:rPr lang="ko-KR" altLang="en-US" dirty="0" smtClean="0">
+                <a:solidFill>
+                  <a:srgbClr val="FF5050"/>
+                </a:solidFill>
+              </a:rPr>
+              <a:t> 자유롭게 접근 가능</a:t>
+            </a:r>
+            <a:endParaRPr lang="ko-KR" altLang="en-US" dirty="0">
+              <a:solidFill>
+                <a:srgbClr val="FF5050"/>
+              </a:solidFill>
+            </a:endParaRPr>
+          </a:p>
+        </p:txBody>
+      </p:sp>
+      <p:sp>
+        <p:nvSpPr>
+          <p:cNvPr id="8" name="TextBox 7"/>
+          <p:cNvSpPr txBox="1"/>
+          <p:nvPr/>
+        </p:nvSpPr>
+        <p:spPr>
+          <a:xfrm>
+            <a:off x="587829" y="3374571"/>
+            <a:ext cx="979755" cy="400110"/>
+          </a:xfrm>
+          <a:prstGeom prst="rect">
+            <a:avLst/>
+          </a:prstGeom>
+          <a:noFill/>
+        </p:spPr>
+        <p:txBody>
+          <a:bodyPr wrap="none" rtlCol="0">
+            <a:spAutoFit/>
+          </a:bodyPr>
+          <a:lstStyle/>
+          <a:p>
+            <a:r>
+              <a:rPr lang="ko-KR" altLang="en-US" sz="2000" b="1" dirty="0" smtClean="0">
+                <a:solidFill>
+                  <a:srgbClr val="FF5050"/>
+                </a:solidFill>
+              </a:rPr>
+              <a:t>중요</a:t>
+            </a:r>
+            <a:r>
+              <a:rPr lang="en-US" altLang="ko-KR" sz="2000" b="1" dirty="0" smtClean="0">
+                <a:solidFill>
+                  <a:srgbClr val="FF5050"/>
+                </a:solidFill>
+              </a:rPr>
+              <a:t>!!</a:t>
+            </a:r>
+            <a:endParaRPr lang="ko-KR" altLang="en-US" sz="2000" b="1" dirty="0">
+              <a:solidFill>
+                <a:srgbClr val="FF5050"/>
+              </a:solidFill>
+            </a:endParaRPr>
+          </a:p>
+        </p:txBody>
+      </p:sp>
+    </p:spTree>
+    <p:extLst>
+      <p:ext uri="{BB962C8B-B14F-4D97-AF65-F5344CB8AC3E}">
+        <p14:creationId xmlns:p14="http://schemas.microsoft.com/office/powerpoint/2010/main" val="3390781161"/>
+      </p:ext>
+    </p:extLst>
+  </p:cSld>
+  <p:clrMapOvr>
+    <a:masterClrMapping/>
+  </p:clrMapOvr>
+</p:sld>
+</file>
+
+<file path=ppt/slides/slide17.xml><?xml version="1.0" encoding="utf-8"?>
+<p:sld xmlns:a="http://schemas.openxmlformats.org/drawingml/2006/main" xmlns:r="http://schemas.openxmlformats.org/officeDocument/2006/relationships" xmlns:p="http://schemas.openxmlformats.org/presentationml/2006/main">
+  <p:cSld>
+    <p:spTree>
+      <p:nvGrpSpPr>
+        <p:cNvPr id="1" name=""/>
+        <p:cNvGrpSpPr/>
+        <p:nvPr/>
+      </p:nvGrpSpPr>
+      <p:grpSpPr>
+        <a:xfrm>
+          <a:off x="0" y="0"/>
+          <a:ext cx="0" cy="0"/>
+          <a:chOff x="0" y="0"/>
+          <a:chExt cx="0" cy="0"/>
+        </a:xfrm>
+      </p:grpSpPr>
+      <p:pic>
+        <p:nvPicPr>
+          <p:cNvPr id="9" name="그림 8"/>
+          <p:cNvPicPr>
+            <a:picLocks noChangeAspect="1"/>
+          </p:cNvPicPr>
+          <p:nvPr/>
+        </p:nvPicPr>
+        <p:blipFill>
+          <a:blip r:embed="rId2"/>
+          <a:stretch>
+            <a:fillRect/>
+          </a:stretch>
+        </p:blipFill>
+        <p:spPr>
+          <a:xfrm>
+            <a:off x="79330" y="373071"/>
+            <a:ext cx="7550787" cy="6015033"/>
+          </a:xfrm>
+          <a:prstGeom prst="rect">
+            <a:avLst/>
+          </a:prstGeom>
+        </p:spPr>
+      </p:pic>
+      <p:sp>
+        <p:nvSpPr>
+          <p:cNvPr id="3" name="오른쪽 화살표 2"/>
+          <p:cNvSpPr/>
+          <p:nvPr/>
+        </p:nvSpPr>
+        <p:spPr>
+          <a:xfrm>
+            <a:off x="5705855" y="918056"/>
+            <a:ext cx="1146048" cy="731520"/>
+          </a:xfrm>
+          <a:prstGeom prst="rightArrow">
+            <a:avLst/>
+          </a:prstGeom>
+          <a:noFill/>
+          <a:ln w="57150">
+            <a:solidFill>
+              <a:srgbClr val="FFC000"/>
+            </a:solidFill>
+          </a:ln>
+        </p:spPr>
+        <p:style>
+          <a:lnRef idx="2">
+            <a:schemeClr val="accent1">
+              <a:shade val="50000"/>
+            </a:schemeClr>
+          </a:lnRef>
+          <a:fillRef idx="1">
+            <a:schemeClr val="accent1"/>
+          </a:fillRef>
+          <a:effectRef idx="0">
+            <a:schemeClr val="accent1"/>
+          </a:effectRef>
+          <a:fontRef idx="minor">
+            <a:schemeClr val="lt1"/>
+          </a:fontRef>
+        </p:style>
+        <p:txBody>
+          <a:bodyPr rtlCol="0" anchor="ctr"/>
+          <a:lstStyle/>
+          <a:p>
+            <a:pPr algn="ctr"/>
+            <a:endParaRPr lang="ko-KR" altLang="en-US"/>
+          </a:p>
+        </p:txBody>
+      </p:sp>
+      <p:sp>
+        <p:nvSpPr>
+          <p:cNvPr id="4" name="오른쪽 화살표 3"/>
+          <p:cNvSpPr/>
+          <p:nvPr/>
+        </p:nvSpPr>
+        <p:spPr>
+          <a:xfrm>
+            <a:off x="4268810" y="4567392"/>
+            <a:ext cx="1146048" cy="365760"/>
+          </a:xfrm>
+          <a:prstGeom prst="rightArrow">
+            <a:avLst/>
+          </a:prstGeom>
+          <a:noFill/>
+          <a:ln w="57150">
+            <a:solidFill>
+              <a:srgbClr val="FFC000"/>
+            </a:solidFill>
+          </a:ln>
+        </p:spPr>
+        <p:style>
+          <a:lnRef idx="2">
+            <a:schemeClr val="accent1">
+              <a:shade val="50000"/>
+            </a:schemeClr>
+          </a:lnRef>
+          <a:fillRef idx="1">
+            <a:schemeClr val="accent1"/>
+          </a:fillRef>
+          <a:effectRef idx="0">
+            <a:schemeClr val="accent1"/>
+          </a:effectRef>
+          <a:fontRef idx="minor">
+            <a:schemeClr val="lt1"/>
+          </a:fontRef>
+        </p:style>
+        <p:txBody>
+          <a:bodyPr rtlCol="0" anchor="ctr"/>
+          <a:lstStyle/>
+          <a:p>
+            <a:pPr algn="ctr"/>
+            <a:endParaRPr lang="ko-KR" altLang="en-US"/>
+          </a:p>
+        </p:txBody>
+      </p:sp>
+      <p:sp>
+        <p:nvSpPr>
+          <p:cNvPr id="5" name="TextBox 4"/>
+          <p:cNvSpPr txBox="1"/>
+          <p:nvPr/>
+        </p:nvSpPr>
+        <p:spPr>
+          <a:xfrm>
+            <a:off x="7201434" y="1083761"/>
+            <a:ext cx="3037163" cy="400110"/>
+          </a:xfrm>
+          <a:prstGeom prst="rect">
+            <a:avLst/>
+          </a:prstGeom>
+          <a:noFill/>
+        </p:spPr>
+        <p:txBody>
+          <a:bodyPr wrap="square" rtlCol="0">
+            <a:spAutoFit/>
+          </a:bodyPr>
+          <a:lstStyle/>
+          <a:p>
+            <a:r>
+              <a:rPr lang="ko-KR" altLang="en-US" sz="2000" dirty="0" smtClean="0">
+                <a:solidFill>
+                  <a:srgbClr val="FFC000"/>
+                </a:solidFill>
+              </a:rPr>
+              <a:t>클래스 변수</a:t>
+            </a:r>
+            <a:endParaRPr lang="ko-KR" altLang="en-US" sz="2000" dirty="0">
+              <a:solidFill>
+                <a:srgbClr val="FFC000"/>
+              </a:solidFill>
+            </a:endParaRPr>
+          </a:p>
+        </p:txBody>
+      </p:sp>
+      <p:sp>
+        <p:nvSpPr>
+          <p:cNvPr id="6" name="TextBox 5"/>
+          <p:cNvSpPr txBox="1"/>
+          <p:nvPr/>
+        </p:nvSpPr>
+        <p:spPr>
+          <a:xfrm>
+            <a:off x="5560109" y="4625375"/>
+            <a:ext cx="1434140" cy="400110"/>
+          </a:xfrm>
+          <a:prstGeom prst="rect">
+            <a:avLst/>
+          </a:prstGeom>
+          <a:noFill/>
+        </p:spPr>
+        <p:txBody>
+          <a:bodyPr wrap="square" rtlCol="0">
+            <a:spAutoFit/>
+          </a:bodyPr>
+          <a:lstStyle/>
+          <a:p>
+            <a:r>
+              <a:rPr lang="ko-KR" altLang="en-US" sz="2000" dirty="0" smtClean="0">
+                <a:solidFill>
+                  <a:srgbClr val="FFC000"/>
+                </a:solidFill>
+              </a:rPr>
+              <a:t>지역 변수</a:t>
+            </a:r>
+            <a:endParaRPr lang="ko-KR" altLang="en-US" sz="2000" dirty="0">
+              <a:solidFill>
+                <a:srgbClr val="FFC000"/>
+              </a:solidFill>
+            </a:endParaRPr>
+          </a:p>
+        </p:txBody>
+      </p:sp>
+      <p:sp>
+        <p:nvSpPr>
+          <p:cNvPr id="7" name="TextBox 6"/>
+          <p:cNvSpPr txBox="1"/>
+          <p:nvPr/>
+        </p:nvSpPr>
+        <p:spPr>
+          <a:xfrm>
+            <a:off x="7139501" y="4625375"/>
+            <a:ext cx="2178802" cy="307777"/>
+          </a:xfrm>
+          <a:prstGeom prst="rect">
+            <a:avLst/>
+          </a:prstGeom>
+          <a:noFill/>
+        </p:spPr>
+        <p:txBody>
+          <a:bodyPr wrap="none" rtlCol="0">
+            <a:spAutoFit/>
+          </a:bodyPr>
+          <a:lstStyle/>
+          <a:p>
+            <a:r>
+              <a:rPr lang="ko-KR" altLang="en-US" sz="1400" dirty="0" err="1" smtClean="0"/>
+              <a:t>메소드에서</a:t>
+            </a:r>
+            <a:r>
+              <a:rPr lang="ko-KR" altLang="en-US" sz="1400" dirty="0" smtClean="0"/>
+              <a:t> </a:t>
+            </a:r>
+            <a:r>
+              <a:rPr lang="ko-KR" altLang="en-US" sz="1400" dirty="0" smtClean="0"/>
+              <a:t>사용 불가능</a:t>
+            </a:r>
+            <a:endParaRPr lang="ko-KR" altLang="en-US" sz="1400" dirty="0"/>
+          </a:p>
+        </p:txBody>
+      </p:sp>
+      <p:sp>
+        <p:nvSpPr>
+          <p:cNvPr id="8" name="TextBox 7"/>
+          <p:cNvSpPr txBox="1"/>
+          <p:nvPr/>
+        </p:nvSpPr>
+        <p:spPr>
+          <a:xfrm>
+            <a:off x="7139501" y="2563513"/>
+            <a:ext cx="1999265" cy="307777"/>
+          </a:xfrm>
+          <a:prstGeom prst="rect">
+            <a:avLst/>
+          </a:prstGeom>
+          <a:noFill/>
+        </p:spPr>
+        <p:txBody>
+          <a:bodyPr wrap="none" rtlCol="0">
+            <a:spAutoFit/>
+          </a:bodyPr>
+          <a:lstStyle/>
+          <a:p>
+            <a:r>
+              <a:rPr lang="ko-KR" altLang="en-US" sz="1400" dirty="0" err="1" smtClean="0"/>
+              <a:t>메소드에서</a:t>
+            </a:r>
+            <a:r>
+              <a:rPr lang="ko-KR" altLang="en-US" sz="1400" dirty="0" smtClean="0"/>
+              <a:t> 사용 가능</a:t>
+            </a:r>
+            <a:endParaRPr lang="ko-KR" altLang="en-US" sz="1400" dirty="0"/>
+          </a:p>
+        </p:txBody>
+      </p:sp>
+    </p:spTree>
+    <p:extLst>
+      <p:ext uri="{BB962C8B-B14F-4D97-AF65-F5344CB8AC3E}">
+        <p14:creationId xmlns:p14="http://schemas.microsoft.com/office/powerpoint/2010/main" val="3620605624"/>
+      </p:ext>
+    </p:extLst>
+  </p:cSld>
+  <p:clrMapOvr>
+    <a:masterClrMapping/>
+  </p:clrMapOvr>
+  <p:timing>
+    <p:tnLst>
+      <p:par>
+        <p:cTn id="1" dur="indefinite" restart="never" nodeType="tmRoot"/>
+      </p:par>
+    </p:tnLst>
+  </p:timing>
+</p:sld>
+</file>
+
+<file path=ppt/slides/slide18.xml><?xml version="1.0" encoding="utf-8"?>
+<p:sld xmlns:a="http://schemas.openxmlformats.org/drawingml/2006/main" xmlns:r="http://schemas.openxmlformats.org/officeDocument/2006/relationships" xmlns:p="http://schemas.openxmlformats.org/presentationml/2006/main">
+  <p:cSld>
+    <p:spTree>
+      <p:nvGrpSpPr>
+        <p:cNvPr id="1" name=""/>
+        <p:cNvGrpSpPr/>
+        <p:nvPr/>
+      </p:nvGrpSpPr>
+      <p:grpSpPr>
+        <a:xfrm>
+          <a:off x="0" y="0"/>
+          <a:ext cx="0" cy="0"/>
+          <a:chOff x="0" y="0"/>
+          <a:chExt cx="0" cy="0"/>
+        </a:xfrm>
+      </p:grpSpPr>
+      <p:sp>
+        <p:nvSpPr>
+          <p:cNvPr id="2" name="TextBox 1"/>
+          <p:cNvSpPr txBox="1"/>
+          <p:nvPr/>
+        </p:nvSpPr>
+        <p:spPr>
+          <a:xfrm>
+            <a:off x="4376619" y="548640"/>
+            <a:ext cx="3438762" cy="1107996"/>
+          </a:xfrm>
+          <a:prstGeom prst="rect">
+            <a:avLst/>
+          </a:prstGeom>
+          <a:noFill/>
+        </p:spPr>
+        <p:txBody>
+          <a:bodyPr wrap="none" rtlCol="0">
+            <a:spAutoFit/>
+          </a:bodyPr>
+          <a:lstStyle/>
+          <a:p>
+            <a:pPr algn="ctr"/>
+            <a:r>
+              <a:rPr lang="en-US" altLang="ko-KR" sz="6600" b="1" dirty="0" smtClean="0">
+                <a:solidFill>
+                  <a:srgbClr val="FFC000"/>
+                </a:solidFill>
+              </a:rPr>
+              <a:t>Static</a:t>
+            </a:r>
+            <a:r>
+              <a:rPr lang="en-US" altLang="ko-KR" sz="6600" b="1" dirty="0" smtClean="0"/>
+              <a:t>?</a:t>
+            </a:r>
+            <a:endParaRPr lang="ko-KR" altLang="en-US" sz="6600" b="1" dirty="0"/>
+          </a:p>
+        </p:txBody>
+      </p:sp>
+      <p:sp>
+        <p:nvSpPr>
+          <p:cNvPr id="3" name="TextBox 2"/>
+          <p:cNvSpPr txBox="1"/>
+          <p:nvPr/>
+        </p:nvSpPr>
+        <p:spPr>
+          <a:xfrm>
+            <a:off x="4637907" y="2366567"/>
+            <a:ext cx="2916183" cy="400110"/>
+          </a:xfrm>
+          <a:prstGeom prst="rect">
+            <a:avLst/>
+          </a:prstGeom>
+          <a:noFill/>
+        </p:spPr>
+        <p:txBody>
+          <a:bodyPr wrap="none" rtlCol="0">
+            <a:spAutoFit/>
+          </a:bodyPr>
+          <a:lstStyle/>
+          <a:p>
+            <a:r>
+              <a:rPr lang="ko-KR" altLang="en-US" sz="2000" dirty="0" smtClean="0"/>
+              <a:t>클래스와 </a:t>
+            </a:r>
+            <a:r>
+              <a:rPr lang="ko-KR" altLang="en-US" sz="2000" b="1" dirty="0" smtClean="0">
+                <a:solidFill>
+                  <a:srgbClr val="FFC000"/>
+                </a:solidFill>
+              </a:rPr>
+              <a:t>한 몸</a:t>
+            </a:r>
+            <a:r>
+              <a:rPr lang="ko-KR" altLang="en-US" sz="2000" dirty="0" smtClean="0"/>
+              <a:t>인 존재</a:t>
+            </a:r>
+            <a:endParaRPr lang="ko-KR" altLang="en-US" sz="2000" dirty="0"/>
+          </a:p>
+        </p:txBody>
+      </p:sp>
+      <p:sp>
+        <p:nvSpPr>
+          <p:cNvPr id="4" name="TextBox 3"/>
+          <p:cNvSpPr txBox="1"/>
+          <p:nvPr/>
+        </p:nvSpPr>
+        <p:spPr>
+          <a:xfrm>
+            <a:off x="1540931" y="3273408"/>
+            <a:ext cx="9110133" cy="400110"/>
+          </a:xfrm>
+          <a:prstGeom prst="rect">
+            <a:avLst/>
+          </a:prstGeom>
+          <a:noFill/>
+        </p:spPr>
+        <p:txBody>
+          <a:bodyPr wrap="square" rtlCol="0">
+            <a:spAutoFit/>
+          </a:bodyPr>
+          <a:lstStyle/>
+          <a:p>
+            <a:pPr algn="ctr"/>
+            <a:r>
+              <a:rPr lang="en-US" altLang="ko-KR" sz="2000" dirty="0" smtClean="0"/>
+              <a:t>Static </a:t>
+            </a:r>
+            <a:r>
+              <a:rPr lang="ko-KR" altLang="en-US" sz="2000" dirty="0" smtClean="0"/>
+              <a:t>변수의 정보가 변하면 해당 변수를 사용하는 </a:t>
+            </a:r>
+            <a:r>
+              <a:rPr lang="ko-KR" altLang="en-US" sz="2000" dirty="0" smtClean="0">
+                <a:solidFill>
+                  <a:srgbClr val="FFC000"/>
+                </a:solidFill>
+              </a:rPr>
+              <a:t>모든</a:t>
+            </a:r>
+            <a:r>
+              <a:rPr lang="ko-KR" altLang="en-US" sz="2000" dirty="0" smtClean="0"/>
+              <a:t> </a:t>
+            </a:r>
+            <a:r>
+              <a:rPr lang="ko-KR" altLang="en-US" sz="2000" dirty="0" smtClean="0">
+                <a:solidFill>
+                  <a:srgbClr val="FFC000"/>
+                </a:solidFill>
+              </a:rPr>
+              <a:t>곳</a:t>
+            </a:r>
+            <a:r>
+              <a:rPr lang="ko-KR" altLang="en-US" sz="2000" dirty="0" smtClean="0"/>
+              <a:t>에서</a:t>
+            </a:r>
+            <a:r>
+              <a:rPr lang="en-US" altLang="ko-KR" sz="2000" dirty="0"/>
+              <a:t> </a:t>
+            </a:r>
+            <a:r>
+              <a:rPr lang="ko-KR" altLang="en-US" sz="2000" dirty="0" smtClean="0"/>
+              <a:t>변함</a:t>
+            </a:r>
+            <a:endParaRPr lang="ko-KR" altLang="en-US" sz="2000" dirty="0"/>
+          </a:p>
+        </p:txBody>
+      </p:sp>
+      <p:sp>
+        <p:nvSpPr>
+          <p:cNvPr id="5" name="TextBox 4"/>
+          <p:cNvSpPr txBox="1"/>
+          <p:nvPr/>
+        </p:nvSpPr>
+        <p:spPr>
+          <a:xfrm>
+            <a:off x="1540930" y="4180249"/>
+            <a:ext cx="9110133" cy="1015663"/>
+          </a:xfrm>
+          <a:prstGeom prst="rect">
+            <a:avLst/>
+          </a:prstGeom>
+          <a:noFill/>
+        </p:spPr>
+        <p:txBody>
+          <a:bodyPr wrap="square" rtlCol="0">
+            <a:spAutoFit/>
+          </a:bodyPr>
+          <a:lstStyle/>
+          <a:p>
+            <a:pPr algn="ctr">
+              <a:lnSpc>
+                <a:spcPct val="150000"/>
+              </a:lnSpc>
+            </a:pPr>
+            <a:r>
+              <a:rPr lang="en-US" altLang="ko-KR" sz="2000" dirty="0" smtClean="0"/>
+              <a:t>Static </a:t>
+            </a:r>
+            <a:r>
+              <a:rPr lang="ko-KR" altLang="en-US" sz="2000" dirty="0" err="1" smtClean="0"/>
+              <a:t>메소드는</a:t>
+            </a:r>
+            <a:r>
+              <a:rPr lang="ko-KR" altLang="en-US" sz="2000" dirty="0" smtClean="0"/>
+              <a:t> 별도의 호출없이 사용이 가능하다</a:t>
+            </a:r>
+            <a:r>
+              <a:rPr lang="en-US" altLang="ko-KR" sz="2000" dirty="0" smtClean="0"/>
+              <a:t>.</a:t>
+            </a:r>
+          </a:p>
+          <a:p>
+            <a:pPr algn="ctr">
+              <a:lnSpc>
+                <a:spcPct val="150000"/>
+              </a:lnSpc>
+            </a:pPr>
+            <a:r>
+              <a:rPr lang="en-US" altLang="ko-KR" sz="2000" dirty="0" smtClean="0"/>
+              <a:t>(</a:t>
+            </a:r>
+            <a:r>
+              <a:rPr lang="ko-KR" altLang="en-US" sz="2000" dirty="0" smtClean="0"/>
+              <a:t>클래스에 붙어있어서</a:t>
+            </a:r>
+            <a:r>
+              <a:rPr lang="en-US" altLang="ko-KR" sz="2000" dirty="0" smtClean="0"/>
+              <a:t>)</a:t>
+            </a:r>
+            <a:endParaRPr lang="ko-KR" altLang="en-US" sz="2000" dirty="0"/>
+          </a:p>
+        </p:txBody>
+      </p:sp>
+    </p:spTree>
+    <p:extLst>
+      <p:ext uri="{BB962C8B-B14F-4D97-AF65-F5344CB8AC3E}">
+        <p14:creationId xmlns:p14="http://schemas.microsoft.com/office/powerpoint/2010/main" val="2670546615"/>
+      </p:ext>
+    </p:extLst>
+  </p:cSld>
+  <p:clrMapOvr>
+    <a:masterClrMapping/>
+  </p:clrMapOvr>
+  <p:timing>
+    <p:tnLst>
+      <p:par>
+        <p:cTn id="1" dur="indefinite" restart="never" nodeType="tmRoot"/>
+      </p:par>
+    </p:tnLst>
+  </p:timing>
+</p:sld>
+</file>
+
 <file path=ppt/slides/slide2.xml><?xml version="1.0" encoding="utf-8"?>
 <p:sld xmlns:a="http://schemas.openxmlformats.org/drawingml/2006/main" xmlns:r="http://schemas.openxmlformats.org/officeDocument/2006/relationships" xmlns:p="http://schemas.openxmlformats.org/presentationml/2006/main">
   <p:cSld>
@@ -4641,7 +6919,7 @@
         </p:nvSpPr>
         <p:spPr>
           <a:xfrm>
-            <a:off x="4609055" y="548640"/>
+            <a:off x="4609054" y="353840"/>
             <a:ext cx="2973892" cy="1107996"/>
           </a:xfrm>
           <a:prstGeom prst="rect">
@@ -4680,7 +6958,7 @@
         </p:nvSpPr>
         <p:spPr>
           <a:xfrm>
-            <a:off x="4054416" y="2362271"/>
+            <a:off x="4033634" y="1967416"/>
             <a:ext cx="4083169" cy="400110"/>
           </a:xfrm>
           <a:prstGeom prst="rect">
@@ -4735,7 +7013,7 @@
         </p:nvSpPr>
         <p:spPr>
           <a:xfrm>
-            <a:off x="3618398" y="3267961"/>
+            <a:off x="3597616" y="2873106"/>
             <a:ext cx="4955203" cy="400110"/>
           </a:xfrm>
           <a:prstGeom prst="rect">
@@ -4813,7 +7091,7 @@
         </p:nvSpPr>
         <p:spPr>
           <a:xfrm>
-            <a:off x="2117985" y="5079341"/>
+            <a:off x="2097203" y="4684486"/>
             <a:ext cx="7956025" cy="400110"/>
           </a:xfrm>
           <a:prstGeom prst="rect">
@@ -4844,7 +7122,7 @@
         </p:nvSpPr>
         <p:spPr>
           <a:xfrm>
-            <a:off x="1906390" y="4173651"/>
+            <a:off x="1885608" y="3778796"/>
             <a:ext cx="8379217" cy="400110"/>
           </a:xfrm>
           <a:prstGeom prst="rect">
@@ -4873,6 +7151,120 @@
             <a:r>
               <a:rPr lang="ko-KR" altLang="en-US" sz="2000" dirty="0" smtClean="0"/>
               <a:t>사용 가능</a:t>
+            </a:r>
+            <a:endParaRPr lang="ko-KR" altLang="en-US" sz="2000" dirty="0"/>
+          </a:p>
+        </p:txBody>
+      </p:sp>
+      <p:sp>
+        <p:nvSpPr>
+          <p:cNvPr id="8" name="TextBox 7"/>
+          <p:cNvSpPr txBox="1"/>
+          <p:nvPr/>
+        </p:nvSpPr>
+        <p:spPr>
+          <a:xfrm>
+            <a:off x="2547593" y="5403140"/>
+            <a:ext cx="7096815" cy="1107996"/>
+          </a:xfrm>
+          <a:prstGeom prst="rect">
+            <a:avLst/>
+          </a:prstGeom>
+          <a:noFill/>
+        </p:spPr>
+        <p:txBody>
+          <a:bodyPr wrap="none" rtlCol="0">
+            <a:spAutoFit/>
+          </a:bodyPr>
+          <a:lstStyle/>
+          <a:p>
+            <a:pPr algn="ctr">
+              <a:lnSpc>
+                <a:spcPct val="150000"/>
+              </a:lnSpc>
+            </a:pPr>
+            <a:r>
+              <a:rPr lang="ko-KR" altLang="en-US" sz="2000" b="1" dirty="0" smtClean="0">
+                <a:solidFill>
+                  <a:srgbClr val="FFC000"/>
+                </a:solidFill>
+              </a:rPr>
+              <a:t>해당 클래스의 모든 객체가 </a:t>
+            </a:r>
+            <a:r>
+              <a:rPr lang="ko-KR" altLang="en-US" sz="2000" dirty="0" smtClean="0"/>
+              <a:t>이 값을 가지고 있어야하며</a:t>
+            </a:r>
+            <a:r>
+              <a:rPr lang="en-US" altLang="ko-KR" sz="2000" dirty="0" smtClean="0"/>
+              <a:t>, </a:t>
+            </a:r>
+          </a:p>
+          <a:p>
+            <a:pPr algn="ctr">
+              <a:lnSpc>
+                <a:spcPct val="150000"/>
+              </a:lnSpc>
+            </a:pPr>
+            <a:r>
+              <a:rPr lang="ko-KR" altLang="en-US" sz="2000" b="1" dirty="0" smtClean="0">
+                <a:solidFill>
+                  <a:schemeClr val="accent2">
+                    <a:lumMod val="75000"/>
+                  </a:schemeClr>
+                </a:solidFill>
+              </a:rPr>
+              <a:t>메인 </a:t>
+            </a:r>
+            <a:r>
+              <a:rPr lang="ko-KR" altLang="en-US" sz="2000" b="1" dirty="0" err="1" smtClean="0">
+                <a:solidFill>
+                  <a:schemeClr val="accent2">
+                    <a:lumMod val="75000"/>
+                  </a:schemeClr>
+                </a:solidFill>
+              </a:rPr>
+              <a:t>메소드나</a:t>
+            </a:r>
+            <a:r>
+              <a:rPr lang="ko-KR" altLang="en-US" sz="2000" b="1" dirty="0" smtClean="0">
+                <a:solidFill>
+                  <a:schemeClr val="accent2">
+                    <a:lumMod val="75000"/>
+                  </a:schemeClr>
+                </a:solidFill>
+              </a:rPr>
+              <a:t> </a:t>
+            </a:r>
+            <a:r>
+              <a:rPr lang="ko-KR" altLang="en-US" sz="2000" b="1" dirty="0" err="1" smtClean="0">
+                <a:solidFill>
+                  <a:schemeClr val="accent2">
+                    <a:lumMod val="75000"/>
+                  </a:schemeClr>
+                </a:solidFill>
+              </a:rPr>
+              <a:t>생성자</a:t>
+            </a:r>
+            <a:r>
+              <a:rPr lang="ko-KR" altLang="en-US" sz="2000" dirty="0" err="1" smtClean="0"/>
+              <a:t>를</a:t>
+            </a:r>
+            <a:r>
+              <a:rPr lang="ko-KR" altLang="en-US" sz="2000" dirty="0" smtClean="0"/>
+              <a:t> 통한 </a:t>
+            </a:r>
+            <a:r>
+              <a:rPr lang="ko-KR" altLang="en-US" sz="2400" b="1" dirty="0" smtClean="0">
+                <a:solidFill>
+                  <a:srgbClr val="FFC000"/>
+                </a:solidFill>
+              </a:rPr>
+              <a:t>초기화</a:t>
+            </a:r>
+            <a:r>
+              <a:rPr lang="ko-KR" altLang="en-US" sz="2000" dirty="0" smtClean="0"/>
+              <a:t>가 필수</a:t>
             </a:r>
             <a:endParaRPr lang="ko-KR" altLang="en-US" sz="2000" dirty="0"/>
           </a:p>
@@ -4915,48 +7307,143 @@
           <a:chExt cx="0" cy="0"/>
         </a:xfrm>
       </p:grpSpPr>
-      <p:pic>
-        <p:nvPicPr>
-          <p:cNvPr id="2" name="그림 1"/>
-          <p:cNvPicPr>
-            <a:picLocks noChangeAspect="1"/>
-          </p:cNvPicPr>
+      <p:sp>
+        <p:nvSpPr>
+          <p:cNvPr id="2" name="TextBox 1"/>
+          <p:cNvSpPr txBox="1"/>
           <p:nvPr/>
-        </p:nvPicPr>
-        <p:blipFill>
-          <a:blip r:embed="rId2"/>
-          <a:stretch>
-            <a:fillRect/>
-          </a:stretch>
-        </p:blipFill>
-        <p:spPr>
-          <a:xfrm>
-            <a:off x="1495997" y="1431556"/>
-            <a:ext cx="7326947" cy="3971328"/>
+        </p:nvSpPr>
+        <p:spPr>
+          <a:xfrm>
+            <a:off x="3911749" y="548640"/>
+            <a:ext cx="4368505" cy="1107996"/>
           </a:xfrm>
           <a:prstGeom prst="rect">
             <a:avLst/>
           </a:prstGeom>
-        </p:spPr>
-      </p:pic>
-      <p:sp>
-        <p:nvSpPr>
-          <p:cNvPr id="3" name="오른쪽 화살표 2"/>
+          <a:noFill/>
+        </p:spPr>
+        <p:txBody>
+          <a:bodyPr wrap="none" rtlCol="0">
+            <a:spAutoFit/>
+          </a:bodyPr>
+          <a:lstStyle/>
+          <a:p>
+            <a:pPr algn="ctr"/>
+            <a:r>
+              <a:rPr lang="en-US" altLang="ko-KR" sz="6600" b="1" dirty="0" smtClean="0">
+                <a:solidFill>
+                  <a:srgbClr val="FFC000"/>
+                </a:solidFill>
+              </a:rPr>
+              <a:t>Instance</a:t>
+            </a:r>
+            <a:r>
+              <a:rPr lang="en-US" altLang="ko-KR" sz="6600" dirty="0" smtClean="0"/>
+              <a:t>?</a:t>
+            </a:r>
+            <a:endParaRPr lang="ko-KR" altLang="en-US" sz="6600" dirty="0"/>
+          </a:p>
+        </p:txBody>
+      </p:sp>
+      <p:sp>
+        <p:nvSpPr>
+          <p:cNvPr id="3" name="TextBox 2"/>
+          <p:cNvSpPr txBox="1"/>
+          <p:nvPr/>
+        </p:nvSpPr>
+        <p:spPr>
+          <a:xfrm>
+            <a:off x="3728320" y="1891145"/>
+            <a:ext cx="5040162" cy="369332"/>
+          </a:xfrm>
+          <a:prstGeom prst="rect">
+            <a:avLst/>
+          </a:prstGeom>
+          <a:noFill/>
+        </p:spPr>
+        <p:txBody>
+          <a:bodyPr wrap="none" rtlCol="0">
+            <a:spAutoFit/>
+          </a:bodyPr>
+          <a:lstStyle/>
+          <a:p>
+            <a:r>
+              <a:rPr lang="ko-KR" altLang="en-US" dirty="0" smtClean="0"/>
+              <a:t>객체를 말하는 것이지만</a:t>
+            </a:r>
+            <a:r>
+              <a:rPr lang="en-US" altLang="ko-KR" dirty="0" smtClean="0"/>
+              <a:t>, Object</a:t>
+            </a:r>
+            <a:r>
+              <a:rPr lang="ko-KR" altLang="en-US" dirty="0" smtClean="0"/>
+              <a:t>와의 차이는</a:t>
+            </a:r>
+            <a:endParaRPr lang="ko-KR" altLang="en-US" dirty="0"/>
+          </a:p>
+        </p:txBody>
+      </p:sp>
+      <p:sp>
+        <p:nvSpPr>
+          <p:cNvPr id="4" name="TextBox 3"/>
+          <p:cNvSpPr txBox="1"/>
+          <p:nvPr/>
+        </p:nvSpPr>
+        <p:spPr>
+          <a:xfrm>
+            <a:off x="4064149" y="2538920"/>
+            <a:ext cx="4280339" cy="369332"/>
+          </a:xfrm>
+          <a:prstGeom prst="rect">
+            <a:avLst/>
+          </a:prstGeom>
+          <a:noFill/>
+        </p:spPr>
+        <p:txBody>
+          <a:bodyPr wrap="none" rtlCol="0">
+            <a:spAutoFit/>
+          </a:bodyPr>
+          <a:lstStyle/>
+          <a:p>
+            <a:r>
+              <a:rPr lang="ko-KR" altLang="en-US" dirty="0" smtClean="0"/>
+              <a:t>그냥 </a:t>
+            </a:r>
+            <a:r>
+              <a:rPr lang="ko-KR" altLang="en-US" b="1" dirty="0" smtClean="0">
+                <a:solidFill>
+                  <a:srgbClr val="FFC000"/>
+                </a:solidFill>
+              </a:rPr>
+              <a:t>단순한 하나의 객체</a:t>
+            </a:r>
+            <a:r>
+              <a:rPr lang="ko-KR" altLang="en-US" dirty="0" smtClean="0"/>
+              <a:t>만 말하는 것</a:t>
+            </a:r>
+            <a:endParaRPr lang="ko-KR" altLang="en-US" dirty="0"/>
+          </a:p>
+        </p:txBody>
+      </p:sp>
+      <p:sp>
+        <p:nvSpPr>
+          <p:cNvPr id="5" name="직사각형 4"/>
           <p:cNvSpPr/>
           <p:nvPr/>
         </p:nvSpPr>
         <p:spPr>
           <a:xfrm>
-            <a:off x="5261070" y="2048256"/>
-            <a:ext cx="1146048" cy="731520"/>
-          </a:xfrm>
-          <a:prstGeom prst="rightArrow">
+            <a:off x="1742828" y="5037619"/>
+            <a:ext cx="1208782" cy="556054"/>
+          </a:xfrm>
+          <a:prstGeom prst="rect">
             <a:avLst/>
           </a:prstGeom>
           <a:noFill/>
-          <a:ln w="57150">
+          <a:ln w="38100">
             <a:solidFill>
-              <a:srgbClr val="FFC000"/>
+              <a:schemeClr val="tx1"/>
             </a:solidFill>
           </a:ln>
         </p:spPr>
@@ -4981,28 +7468,51 @@
           <a:lstStyle/>
           <a:p>
             <a:pPr algn="ctr"/>
-            <a:endParaRPr lang="ko-KR" altLang="en-US"/>
-          </a:p>
-        </p:txBody>
-      </p:sp>
-      <p:sp>
-        <p:nvSpPr>
-          <p:cNvPr id="4" name="오른쪽 화살표 3"/>
+            <a:r>
+              <a:rPr lang="ko-KR" altLang="en-US" b="1" dirty="0" smtClean="0">
+                <a:solidFill>
+                  <a:schemeClr val="tx1"/>
+                </a:solidFill>
+                <a:latin typeface="Consolas" panose="020B0609020204030204" pitchFamily="49" charset="0"/>
+              </a:rPr>
+              <a:t>객체 </a:t>
+            </a:r>
+            <a:r>
+              <a:rPr lang="en-US" altLang="ko-KR" b="1" dirty="0" smtClean="0">
+                <a:solidFill>
+                  <a:schemeClr val="tx1"/>
+                </a:solidFill>
+                <a:latin typeface="Consolas" panose="020B0609020204030204" pitchFamily="49" charset="0"/>
+              </a:rPr>
+              <a:t>1</a:t>
+            </a:r>
+            <a:endParaRPr lang="ko-KR" altLang="en-US" b="1" dirty="0">
+              <a:solidFill>
+                <a:schemeClr val="tx1"/>
+              </a:solidFill>
+              <a:latin typeface="Consolas" panose="020B0609020204030204" pitchFamily="49" charset="0"/>
+            </a:endParaRPr>
+          </a:p>
+        </p:txBody>
+      </p:sp>
+      <p:sp>
+        <p:nvSpPr>
+          <p:cNvPr id="6" name="직사각형 5"/>
           <p:cNvSpPr/>
           <p:nvPr/>
         </p:nvSpPr>
         <p:spPr>
           <a:xfrm>
-            <a:off x="5261070" y="4047744"/>
-            <a:ext cx="1146048" cy="731520"/>
-          </a:xfrm>
-          <a:prstGeom prst="rightArrow">
+            <a:off x="3617219" y="5037619"/>
+            <a:ext cx="1208782" cy="556054"/>
+          </a:xfrm>
+          <a:prstGeom prst="rect">
             <a:avLst/>
           </a:prstGeom>
           <a:noFill/>
-          <a:ln w="57150">
+          <a:ln w="38100">
             <a:solidFill>
-              <a:srgbClr val="FFC000"/>
+              <a:schemeClr val="tx1"/>
             </a:solidFill>
           </a:ln>
         </p:spPr>
@@ -5027,20 +7537,263 @@
           <a:lstStyle/>
           <a:p>
             <a:pPr algn="ctr"/>
+            <a:r>
+              <a:rPr lang="ko-KR" altLang="en-US" b="1" dirty="0" smtClean="0">
+                <a:solidFill>
+                  <a:schemeClr val="tx1"/>
+                </a:solidFill>
+                <a:latin typeface="Consolas" panose="020B0609020204030204" pitchFamily="49" charset="0"/>
+              </a:rPr>
+              <a:t>객체 </a:t>
+            </a:r>
+            <a:r>
+              <a:rPr lang="en-US" altLang="ko-KR" b="1" dirty="0">
+                <a:solidFill>
+                  <a:schemeClr val="tx1"/>
+                </a:solidFill>
+                <a:latin typeface="Consolas" panose="020B0609020204030204" pitchFamily="49" charset="0"/>
+              </a:rPr>
+              <a:t>2</a:t>
+            </a:r>
+            <a:endParaRPr lang="ko-KR" altLang="en-US" b="1" dirty="0">
+              <a:solidFill>
+                <a:schemeClr val="tx1"/>
+              </a:solidFill>
+              <a:latin typeface="Consolas" panose="020B0609020204030204" pitchFamily="49" charset="0"/>
+            </a:endParaRPr>
+          </a:p>
+        </p:txBody>
+      </p:sp>
+      <p:sp>
+        <p:nvSpPr>
+          <p:cNvPr id="7" name="직사각형 6"/>
+          <p:cNvSpPr/>
+          <p:nvPr/>
+        </p:nvSpPr>
+        <p:spPr>
+          <a:xfrm>
+            <a:off x="5491610" y="5037619"/>
+            <a:ext cx="1208782" cy="556054"/>
+          </a:xfrm>
+          <a:prstGeom prst="rect">
+            <a:avLst/>
+          </a:prstGeom>
+          <a:noFill/>
+          <a:ln w="38100">
+            <a:solidFill>
+              <a:schemeClr val="tx1"/>
+            </a:solidFill>
+          </a:ln>
+        </p:spPr>
+        <p:style>
+          <a:lnRef idx="2">
+            <a:schemeClr val="accent1">
+              <a:shade val="50000"/>
+            </a:schemeClr>
+          </a:lnRef>
+          <a:fillRef idx="1">
+            <a:schemeClr val="accent1"/>
+          </a:fillRef>
+          <a:effectRef idx="0">
+            <a:schemeClr val="accent1"/>
+          </a:effectRef>
+          <a:fontRef idx="minor">
+            <a:schemeClr val="lt1"/>
+          </a:fontRef>
+        </p:style>
+        <p:txBody>
+          <a:bodyPr rtlCol="0" anchor="ctr"/>
+          <a:lstStyle/>
+          <a:p>
+            <a:pPr algn="ctr"/>
+            <a:r>
+              <a:rPr lang="ko-KR" altLang="en-US" b="1" dirty="0" smtClean="0">
+                <a:solidFill>
+                  <a:schemeClr val="tx1"/>
+                </a:solidFill>
+                <a:latin typeface="Consolas" panose="020B0609020204030204" pitchFamily="49" charset="0"/>
+              </a:rPr>
+              <a:t>객체 </a:t>
+            </a:r>
+            <a:r>
+              <a:rPr lang="en-US" altLang="ko-KR" b="1" dirty="0">
+                <a:solidFill>
+                  <a:schemeClr val="tx1"/>
+                </a:solidFill>
+                <a:latin typeface="Consolas" panose="020B0609020204030204" pitchFamily="49" charset="0"/>
+              </a:rPr>
+              <a:t>3</a:t>
+            </a:r>
+            <a:endParaRPr lang="ko-KR" altLang="en-US" b="1" dirty="0">
+              <a:solidFill>
+                <a:schemeClr val="tx1"/>
+              </a:solidFill>
+              <a:latin typeface="Consolas" panose="020B0609020204030204" pitchFamily="49" charset="0"/>
+            </a:endParaRPr>
+          </a:p>
+        </p:txBody>
+      </p:sp>
+      <p:sp>
+        <p:nvSpPr>
+          <p:cNvPr id="8" name="직사각형 7"/>
+          <p:cNvSpPr/>
+          <p:nvPr/>
+        </p:nvSpPr>
+        <p:spPr>
+          <a:xfrm>
+            <a:off x="7366001" y="5037619"/>
+            <a:ext cx="1208782" cy="556054"/>
+          </a:xfrm>
+          <a:prstGeom prst="rect">
+            <a:avLst/>
+          </a:prstGeom>
+          <a:noFill/>
+          <a:ln w="38100">
+            <a:solidFill>
+              <a:schemeClr val="tx1"/>
+            </a:solidFill>
+          </a:ln>
+        </p:spPr>
+        <p:style>
+          <a:lnRef idx="2">
+            <a:schemeClr val="accent1">
+              <a:shade val="50000"/>
+            </a:schemeClr>
+          </a:lnRef>
+          <a:fillRef idx="1">
+            <a:schemeClr val="accent1"/>
+          </a:fillRef>
+          <a:effectRef idx="0">
+            <a:schemeClr val="accent1"/>
+          </a:effectRef>
+          <a:fontRef idx="minor">
+            <a:schemeClr val="lt1"/>
+          </a:fontRef>
+        </p:style>
+        <p:txBody>
+          <a:bodyPr rtlCol="0" anchor="ctr"/>
+          <a:lstStyle/>
+          <a:p>
+            <a:pPr algn="ctr"/>
+            <a:r>
+              <a:rPr lang="ko-KR" altLang="en-US" b="1" dirty="0" smtClean="0">
+                <a:solidFill>
+                  <a:schemeClr val="tx1"/>
+                </a:solidFill>
+                <a:latin typeface="Consolas" panose="020B0609020204030204" pitchFamily="49" charset="0"/>
+              </a:rPr>
+              <a:t>객체 </a:t>
+            </a:r>
+            <a:r>
+              <a:rPr lang="en-US" altLang="ko-KR" b="1" dirty="0">
+                <a:solidFill>
+                  <a:schemeClr val="tx1"/>
+                </a:solidFill>
+                <a:latin typeface="Consolas" panose="020B0609020204030204" pitchFamily="49" charset="0"/>
+              </a:rPr>
+              <a:t>4</a:t>
+            </a:r>
+            <a:endParaRPr lang="ko-KR" altLang="en-US" b="1" dirty="0">
+              <a:solidFill>
+                <a:schemeClr val="tx1"/>
+              </a:solidFill>
+              <a:latin typeface="Consolas" panose="020B0609020204030204" pitchFamily="49" charset="0"/>
+            </a:endParaRPr>
+          </a:p>
+        </p:txBody>
+      </p:sp>
+      <p:sp>
+        <p:nvSpPr>
+          <p:cNvPr id="9" name="타원 8"/>
+          <p:cNvSpPr/>
+          <p:nvPr/>
+        </p:nvSpPr>
+        <p:spPr>
+          <a:xfrm>
+            <a:off x="1155700" y="4381500"/>
+            <a:ext cx="8089900" cy="1866900"/>
+          </a:xfrm>
+          <a:prstGeom prst="ellipse">
+            <a:avLst/>
+          </a:prstGeom>
+          <a:noFill/>
+          <a:ln w="57150">
+            <a:solidFill>
+              <a:schemeClr val="accent4"/>
+            </a:solidFill>
+          </a:ln>
+        </p:spPr>
+        <p:style>
+          <a:lnRef idx="2">
+            <a:schemeClr val="accent1">
+              <a:shade val="50000"/>
+            </a:schemeClr>
+          </a:lnRef>
+          <a:fillRef idx="1">
+            <a:schemeClr val="accent1"/>
+          </a:fillRef>
+          <a:effectRef idx="0">
+            <a:schemeClr val="accent1"/>
+          </a:effectRef>
+          <a:fontRef idx="minor">
+            <a:schemeClr val="lt1"/>
+          </a:fontRef>
+        </p:style>
+        <p:txBody>
+          <a:bodyPr rtlCol="0" anchor="ctr"/>
+          <a:lstStyle/>
+          <a:p>
+            <a:pPr algn="ctr"/>
             <a:endParaRPr lang="ko-KR" altLang="en-US"/>
           </a:p>
         </p:txBody>
       </p:sp>
-      <p:sp>
-        <p:nvSpPr>
-          <p:cNvPr id="5" name="TextBox 4"/>
+      <p:cxnSp>
+        <p:nvCxnSpPr>
+          <p:cNvPr id="11" name="직선 화살표 연결선 10"/>
+          <p:cNvCxnSpPr/>
+          <p:nvPr/>
+        </p:nvCxnSpPr>
+        <p:spPr>
+          <a:xfrm flipH="1">
+            <a:off x="9042400" y="4686300"/>
+            <a:ext cx="546100" cy="351319"/>
+          </a:xfrm>
+          <a:prstGeom prst="straightConnector1">
+            <a:avLst/>
+          </a:prstGeom>
+          <a:ln w="57150">
+            <a:solidFill>
+              <a:schemeClr val="accent4"/>
+            </a:solidFill>
+            <a:tailEnd type="triangle"/>
+          </a:ln>
+        </p:spPr>
+        <p:style>
+          <a:lnRef idx="1">
+            <a:schemeClr val="accent1"/>
+          </a:lnRef>
+          <a:fillRef idx="0">
+            <a:schemeClr val="accent1"/>
+          </a:fillRef>
+          <a:effectRef idx="0">
+            <a:schemeClr val="accent1"/>
+          </a:effectRef>
+          <a:fontRef idx="minor">
+            <a:schemeClr val="tx1"/>
+          </a:fontRef>
+        </p:style>
+      </p:cxnSp>
+      <p:sp>
+        <p:nvSpPr>
+          <p:cNvPr id="12" name="TextBox 11"/>
           <p:cNvSpPr txBox="1"/>
           <p:nvPr/>
         </p:nvSpPr>
         <p:spPr>
           <a:xfrm>
-            <a:off x="6851903" y="2194560"/>
-            <a:ext cx="3037163" cy="400110"/>
+            <a:off x="9695308" y="4316968"/>
+            <a:ext cx="1892300" cy="369332"/>
           </a:xfrm>
           <a:prstGeom prst="rect">
             <a:avLst/>
@@ -5054,31 +7807,115 @@
           <a:lstStyle/>
           <a:p>
             <a:r>
-              <a:rPr lang="ko-KR" altLang="en-US" sz="2000" dirty="0" smtClean="0">
-                <a:solidFill>
-                  <a:srgbClr val="FFC000"/>
-                </a:solidFill>
-              </a:rPr>
-              <a:t>클래스 변수</a:t>
-            </a:r>
-            <a:endParaRPr lang="ko-KR" altLang="en-US" sz="2000" dirty="0">
-              <a:solidFill>
-                <a:srgbClr val="FFC000"/>
-              </a:solidFill>
-            </a:endParaRPr>
-          </a:p>
-        </p:txBody>
-      </p:sp>
-      <p:sp>
-        <p:nvSpPr>
-          <p:cNvPr id="6" name="TextBox 5"/>
+              <a:rPr lang="en-US" altLang="ko-KR" b="1" dirty="0" smtClean="0"/>
+              <a:t>Object(</a:t>
+            </a:r>
+            <a:r>
+              <a:rPr lang="ko-KR" altLang="en-US" b="1" dirty="0" smtClean="0"/>
+              <a:t>객체</a:t>
+            </a:r>
+            <a:r>
+              <a:rPr lang="en-US" altLang="ko-KR" b="1" dirty="0" smtClean="0"/>
+              <a:t>)</a:t>
+            </a:r>
+            <a:endParaRPr lang="ko-KR" altLang="en-US" b="1" dirty="0"/>
+          </a:p>
+        </p:txBody>
+      </p:sp>
+      <p:sp>
+        <p:nvSpPr>
+          <p:cNvPr id="13" name="TextBox 12"/>
           <p:cNvSpPr txBox="1"/>
           <p:nvPr/>
         </p:nvSpPr>
         <p:spPr>
           <a:xfrm>
-            <a:off x="6851904" y="4228838"/>
-            <a:ext cx="1434140" cy="400110"/>
+            <a:off x="3546378" y="3129884"/>
+            <a:ext cx="5315879" cy="369332"/>
+          </a:xfrm>
+          <a:prstGeom prst="rect">
+            <a:avLst/>
+          </a:prstGeom>
+          <a:noFill/>
+        </p:spPr>
+        <p:txBody>
+          <a:bodyPr wrap="none" rtlCol="0">
+            <a:spAutoFit/>
+          </a:bodyPr>
+          <a:lstStyle/>
+          <a:p>
+            <a:r>
+              <a:rPr lang="en-US" altLang="ko-KR" dirty="0" smtClean="0"/>
+              <a:t>Object =&gt; </a:t>
+            </a:r>
+            <a:r>
+              <a:rPr lang="ko-KR" altLang="en-US" dirty="0" smtClean="0"/>
+              <a:t>이 세상의 모든 객체를 </a:t>
+            </a:r>
+            <a:r>
+              <a:rPr lang="ko-KR" altLang="en-US" dirty="0" smtClean="0">
+                <a:solidFill>
+                  <a:srgbClr val="FFC000"/>
+                </a:solidFill>
+              </a:rPr>
+              <a:t>통칭</a:t>
+            </a:r>
+            <a:r>
+              <a:rPr lang="ko-KR" altLang="en-US" dirty="0" smtClean="0"/>
+              <a:t>하는 말</a:t>
+            </a:r>
+            <a:endParaRPr lang="ko-KR" altLang="en-US" dirty="0"/>
+          </a:p>
+        </p:txBody>
+      </p:sp>
+      <p:cxnSp>
+        <p:nvCxnSpPr>
+          <p:cNvPr id="16" name="직선 화살표 연결선 15"/>
+          <p:cNvCxnSpPr>
+            <a:endCxn id="8" idx="0"/>
+          </p:cNvCxnSpPr>
+          <p:nvPr/>
+        </p:nvCxnSpPr>
+        <p:spPr>
+          <a:xfrm flipH="1">
+            <a:off x="7970392" y="4316968"/>
+            <a:ext cx="604391" cy="720651"/>
+          </a:xfrm>
+          <a:prstGeom prst="straightConnector1">
+            <a:avLst/>
+          </a:prstGeom>
+          <a:ln w="57150">
+            <a:solidFill>
+              <a:srgbClr val="00B0F0"/>
+            </a:solidFill>
+            <a:tailEnd type="triangle"/>
+          </a:ln>
+        </p:spPr>
+        <p:style>
+          <a:lnRef idx="1">
+            <a:schemeClr val="accent1"/>
+          </a:lnRef>
+          <a:fillRef idx="0">
+            <a:schemeClr val="accent1"/>
+          </a:fillRef>
+          <a:effectRef idx="0">
+            <a:schemeClr val="accent1"/>
+          </a:effectRef>
+          <a:fontRef idx="minor">
+            <a:schemeClr val="tx1"/>
+          </a:fontRef>
+        </p:style>
+      </p:cxnSp>
+      <p:sp>
+        <p:nvSpPr>
+          <p:cNvPr id="17" name="TextBox 16"/>
+          <p:cNvSpPr txBox="1"/>
+          <p:nvPr/>
+        </p:nvSpPr>
+        <p:spPr>
+          <a:xfrm>
+            <a:off x="8531635" y="4018032"/>
+            <a:ext cx="1206821" cy="369332"/>
           </a:xfrm>
           <a:prstGeom prst="rect">
             <a:avLst/>
@@ -5092,93 +7929,17 @@
           <a:lstStyle/>
           <a:p>
             <a:r>
-              <a:rPr lang="ko-KR" altLang="en-US" sz="2000" dirty="0" smtClean="0">
-                <a:solidFill>
-                  <a:srgbClr val="FFC000"/>
-                </a:solidFill>
-              </a:rPr>
-              <a:t>지역 변수</a:t>
-            </a:r>
-            <a:endParaRPr lang="ko-KR" altLang="en-US" sz="2000" dirty="0">
-              <a:solidFill>
-                <a:srgbClr val="FFC000"/>
-              </a:solidFill>
-            </a:endParaRPr>
-          </a:p>
-        </p:txBody>
-      </p:sp>
-      <p:sp>
-        <p:nvSpPr>
-          <p:cNvPr id="7" name="TextBox 6"/>
-          <p:cNvSpPr txBox="1"/>
-          <p:nvPr/>
-        </p:nvSpPr>
-        <p:spPr>
-          <a:xfrm>
-            <a:off x="7139501" y="4625375"/>
-            <a:ext cx="2178802" cy="307777"/>
-          </a:xfrm>
-          <a:prstGeom prst="rect">
-            <a:avLst/>
-          </a:prstGeom>
-          <a:noFill/>
-        </p:spPr>
-        <p:txBody>
-          <a:bodyPr wrap="none" rtlCol="0">
-            <a:spAutoFit/>
-          </a:bodyPr>
-          <a:lstStyle/>
-          <a:p>
-            <a:r>
-              <a:rPr lang="ko-KR" altLang="en-US" sz="1400" dirty="0" err="1" smtClean="0"/>
-              <a:t>메소드에서</a:t>
-            </a:r>
-            <a:r>
-              <a:rPr lang="ko-KR" altLang="en-US" sz="1400" dirty="0" smtClean="0"/>
-              <a:t> 사용 불가능</a:t>
-            </a:r>
-            <a:endParaRPr lang="ko-KR" altLang="en-US" sz="1400" dirty="0"/>
-          </a:p>
-        </p:txBody>
-      </p:sp>
-      <p:sp>
-        <p:nvSpPr>
-          <p:cNvPr id="8" name="TextBox 7"/>
-          <p:cNvSpPr txBox="1"/>
-          <p:nvPr/>
-        </p:nvSpPr>
-        <p:spPr>
-          <a:xfrm>
-            <a:off x="7139501" y="2563513"/>
-            <a:ext cx="1999265" cy="307777"/>
-          </a:xfrm>
-          <a:prstGeom prst="rect">
-            <a:avLst/>
-          </a:prstGeom>
-          <a:noFill/>
-        </p:spPr>
-        <p:txBody>
-          <a:bodyPr wrap="none" rtlCol="0">
-            <a:spAutoFit/>
-          </a:bodyPr>
-          <a:lstStyle/>
-          <a:p>
-            <a:r>
-              <a:rPr lang="ko-KR" altLang="en-US" sz="1400" dirty="0" err="1" smtClean="0"/>
-              <a:t>메소드에서</a:t>
-            </a:r>
-            <a:r>
-              <a:rPr lang="ko-KR" altLang="en-US" sz="1400" dirty="0" smtClean="0"/>
-              <a:t> 사용 가능</a:t>
-            </a:r>
-            <a:endParaRPr lang="ko-KR" altLang="en-US" sz="1400" dirty="0"/>
+              <a:rPr lang="ko-KR" altLang="en-US" b="1" dirty="0" smtClean="0"/>
+              <a:t>인스턴스</a:t>
+            </a:r>
+            <a:endParaRPr lang="ko-KR" altLang="en-US" b="1" dirty="0"/>
           </a:p>
         </p:txBody>
       </p:sp>
     </p:spTree>
     <p:extLst>
       <p:ext uri="{BB962C8B-B14F-4D97-AF65-F5344CB8AC3E}">
-        <p14:creationId xmlns:p14="http://schemas.microsoft.com/office/powerpoint/2010/main" val="3620605624"/>
+        <p14:creationId xmlns:p14="http://schemas.microsoft.com/office/powerpoint/2010/main" val="2808134594"/>
       </p:ext>
     </p:extLst>
   </p:cSld>
@@ -5220,8 +7981,8 @@
         </p:nvSpPr>
         <p:spPr>
           <a:xfrm>
-            <a:off x="4376619" y="548640"/>
-            <a:ext cx="3438762" cy="1107996"/>
+            <a:off x="3214445" y="548640"/>
+            <a:ext cx="5763117" cy="1107996"/>
           </a:xfrm>
           <a:prstGeom prst="rect">
             <a:avLst/>
@@ -5241,13 +8002,13 @@
                   <a:srgbClr val="FFC000"/>
                 </a:solidFill>
               </a:rPr>
-              <a:t>Static</a:t>
-            </a:r>
-            <a:r>
-              <a:rPr lang="en-US" altLang="ko-KR" sz="6600" b="1" dirty="0" smtClean="0"/>
+              <a:t>Constructor</a:t>
+            </a:r>
+            <a:r>
+              <a:rPr lang="en-US" altLang="ko-KR" sz="6600" dirty="0" smtClean="0"/>
               <a:t>?</a:t>
             </a:r>
-            <a:endParaRPr lang="ko-KR" altLang="en-US" sz="6600" b="1" dirty="0"/>
+            <a:endParaRPr lang="ko-KR" altLang="en-US" sz="6600" dirty="0"/>
           </a:p>
         </p:txBody>
       </p:sp>
@@ -5259,8 +8020,8 @@
         </p:nvSpPr>
         <p:spPr>
           <a:xfrm>
-            <a:off x="4637907" y="2366567"/>
-            <a:ext cx="2916183" cy="400110"/>
+            <a:off x="4619959" y="2388776"/>
+            <a:ext cx="3031599" cy="400110"/>
           </a:xfrm>
           <a:prstGeom prst="rect">
             <a:avLst/>
@@ -5273,23 +8034,20 @@
           </a:bodyPr>
           <a:lstStyle/>
           <a:p>
+            <a:pPr algn="ctr"/>
             <a:r>
               <a:rPr lang="ko-KR" altLang="en-US" sz="2000" dirty="0" smtClean="0"/>
-              <a:t>클래스와 </a:t>
-            </a:r>
-            <a:r>
-              <a:rPr lang="ko-KR" altLang="en-US" sz="2000" b="1" dirty="0" smtClean="0">
-                <a:solidFill>
-                  <a:srgbClr val="FFC000"/>
-                </a:solidFill>
-              </a:rPr>
-              <a:t>한 몸</a:t>
-            </a:r>
-            <a:r>
-              <a:rPr lang="ko-KR" altLang="en-US" sz="2000" dirty="0" smtClean="0"/>
-              <a:t>인 존재</a:t>
-            </a:r>
-            <a:endParaRPr lang="ko-KR" altLang="en-US" sz="2000" dirty="0"/>
+              <a:t>객체를 생성하는 </a:t>
+            </a:r>
+            <a:r>
+              <a:rPr lang="ko-KR" altLang="en-US" sz="2000" dirty="0" err="1" smtClean="0"/>
+              <a:t>생성자</a:t>
+            </a:r>
+            <a:endParaRPr lang="en-US" altLang="ko-KR" sz="2000" dirty="0" smtClean="0">
+              <a:solidFill>
+                <a:srgbClr val="FFC000"/>
+              </a:solidFill>
+            </a:endParaRPr>
           </a:p>
         </p:txBody>
       </p:sp>
@@ -5301,8 +8059,8 @@
         </p:nvSpPr>
         <p:spPr>
           <a:xfrm>
-            <a:off x="1540931" y="3273408"/>
-            <a:ext cx="9110133" cy="400110"/>
+            <a:off x="2715597" y="3294466"/>
+            <a:ext cx="6840334" cy="400110"/>
           </a:xfrm>
           <a:prstGeom prst="rect">
             <a:avLst/>
@@ -5310,53 +8068,25 @@
           <a:noFill/>
         </p:spPr>
         <p:txBody>
-          <a:bodyPr wrap="square" rtlCol="0">
+          <a:bodyPr wrap="none" rtlCol="0">
             <a:spAutoFit/>
           </a:bodyPr>
           <a:lstStyle/>
           <a:p>
             <a:pPr algn="ctr"/>
             <a:r>
+              <a:rPr lang="ko-KR" altLang="en-US" sz="2000" dirty="0" smtClean="0"/>
+              <a:t>필드의 변수를 해당 객체가 가질 수 있도록 선언해 줌</a:t>
+            </a:r>
+            <a:r>
               <a:rPr lang="en-US" altLang="ko-KR" sz="2000" dirty="0" smtClean="0"/>
-              <a:t>Static </a:t>
-            </a:r>
-            <a:r>
-              <a:rPr lang="ko-KR" altLang="en-US" sz="2000" dirty="0" smtClean="0"/>
-              <a:t>변수의 정보가 변하면 해당 변수를 사용하는 </a:t>
-            </a:r>
-            <a:r>
-              <a:rPr lang="ko-KR" altLang="en-US" sz="2000" dirty="0" smtClean="0">
-                <a:solidFill>
-                  <a:srgbClr val="FFC000"/>
-                </a:solidFill>
-              </a:rPr>
-              <a:t>모든</a:t>
-            </a:r>
-            <a:r>
-              <a:rPr lang="ko-KR" altLang="en-US" sz="2000" dirty="0" smtClean="0"/>
-              <a:t> </a:t>
-            </a:r>
-            <a:r>
-              <a:rPr lang="ko-KR" altLang="en-US" sz="2000" dirty="0" smtClean="0">
-                <a:solidFill>
-                  <a:srgbClr val="FFC000"/>
-                </a:solidFill>
-              </a:rPr>
-              <a:t>곳</a:t>
-            </a:r>
-            <a:r>
-              <a:rPr lang="ko-KR" altLang="en-US" sz="2000" dirty="0" smtClean="0"/>
-              <a:t>에서</a:t>
-            </a:r>
-            <a:r>
-              <a:rPr lang="en-US" altLang="ko-KR" sz="2000" dirty="0"/>
-              <a:t> </a:t>
-            </a:r>
-            <a:r>
-              <a:rPr lang="ko-KR" altLang="en-US" sz="2000" dirty="0" smtClean="0"/>
-              <a:t>변함</a:t>
-            </a:r>
-            <a:endParaRPr lang="ko-KR" altLang="en-US" sz="2000" dirty="0"/>
+              <a:t>.</a:t>
+            </a:r>
+            <a:endParaRPr lang="en-US" altLang="ko-KR" sz="2000" dirty="0" smtClean="0">
+              <a:solidFill>
+                <a:srgbClr val="FFC000"/>
+              </a:solidFill>
+            </a:endParaRPr>
           </a:p>
         </p:txBody>
       </p:sp>
@@ -5368,8 +8098,8 @@
         </p:nvSpPr>
         <p:spPr>
           <a:xfrm>
-            <a:off x="1540930" y="4180249"/>
-            <a:ext cx="9110133" cy="1015663"/>
+            <a:off x="2074390" y="4200156"/>
+            <a:ext cx="8122736" cy="964110"/>
           </a:xfrm>
           <a:prstGeom prst="rect">
             <a:avLst/>
@@ -5377,7 +8107,7 @@
           <a:noFill/>
         </p:spPr>
         <p:txBody>
-          <a:bodyPr wrap="square" rtlCol="0">
+          <a:bodyPr wrap="none" rtlCol="0">
             <a:spAutoFit/>
           </a:bodyPr>
           <a:lstStyle/>
@@ -5388,16 +8118,44 @@
               </a:lnSpc>
             </a:pPr>
             <a:r>
+              <a:rPr lang="ko-KR" altLang="en-US" sz="2000" dirty="0" smtClean="0"/>
+              <a:t>임의로 </a:t>
+            </a:r>
+            <a:r>
+              <a:rPr lang="ko-KR" altLang="en-US" sz="2000" dirty="0" err="1" smtClean="0"/>
+              <a:t>생성자를</a:t>
+            </a:r>
+            <a:r>
+              <a:rPr lang="ko-KR" altLang="en-US" sz="2000" dirty="0" smtClean="0"/>
+              <a:t> 만들면</a:t>
+            </a:r>
+            <a:r>
               <a:rPr lang="en-US" altLang="ko-KR" sz="2000" dirty="0" smtClean="0"/>
-              <a:t>Static </a:t>
+              <a:t>, </a:t>
+            </a:r>
+            <a:r>
+              <a:rPr lang="ko-KR" altLang="en-US" sz="2000" dirty="0" smtClean="0"/>
+              <a:t>기본 </a:t>
             </a:r>
             <a:r>
               <a:rPr lang="ko-KR" altLang="en-US" sz="2000" dirty="0" err="1" smtClean="0"/>
-              <a:t>메소드는</a:t>
+              <a:t>생성자는</a:t>
             </a:r>
             <a:r>
               <a:rPr lang="ko-KR" altLang="en-US" sz="2000" dirty="0" smtClean="0"/>
-              <a:t> 별도의 호출없이 사용이 가능하다</a:t>
+              <a:t> </a:t>
+            </a:r>
+            <a:r>
+              <a:rPr lang="ko-KR" altLang="en-US" sz="2000" b="1" dirty="0" smtClean="0">
+                <a:solidFill>
+                  <a:srgbClr val="FFC000"/>
+                </a:solidFill>
+              </a:rPr>
+              <a:t>자동으로</a:t>
+            </a:r>
+            <a:r>
+              <a:rPr lang="ko-KR" altLang="en-US" sz="2000" dirty="0" smtClean="0"/>
+              <a:t> 생성되지 않음</a:t>
             </a:r>
             <a:r>
               <a:rPr lang="en-US" altLang="ko-KR" sz="2000" dirty="0" smtClean="0"/>
@@ -5416,20 +8174,19 @@
             </a:r>
             <a:r>
               <a:rPr lang="ko-KR" altLang="en-US" sz="2000" dirty="0" smtClean="0"/>
-              <a:t>클래스에 붙어있어서</a:t>
+              <a:t>안 만들면 자동으로 생성됨</a:t>
             </a:r>
             <a:r>
               <a:rPr lang="en-US" altLang="ko-KR" sz="2000" dirty="0" smtClean="0"/>
               <a:t>)</a:t>
             </a:r>
-            <a:endParaRPr lang="ko-KR" altLang="en-US" sz="2000" dirty="0"/>
           </a:p>
         </p:txBody>
       </p:sp>
     </p:spTree>
     <p:extLst>
       <p:ext uri="{BB962C8B-B14F-4D97-AF65-F5344CB8AC3E}">
-        <p14:creationId xmlns:p14="http://schemas.microsoft.com/office/powerpoint/2010/main" val="2670546615"/>
+        <p14:creationId xmlns:p14="http://schemas.microsoft.com/office/powerpoint/2010/main" val="687295568"/>
       </p:ext>
     </p:extLst>
   </p:cSld>
@@ -5464,8 +8221,8 @@
         </p:nvSpPr>
         <p:spPr>
           <a:xfrm>
-            <a:off x="3911749" y="548640"/>
-            <a:ext cx="4368505" cy="1107996"/>
+            <a:off x="744819" y="2264229"/>
+            <a:ext cx="10900741" cy="2246769"/>
           </a:xfrm>
           <a:prstGeom prst="rect">
             <a:avLst/>
@@ -5480,17 +8237,195 @@
           <a:p>
             <a:pPr algn="ctr"/>
             <a:r>
-              <a:rPr lang="en-US" altLang="ko-KR" sz="6600" dirty="0" smtClean="0"/>
-              <a:t>Instance?</a:t>
-            </a:r>
-            <a:endParaRPr lang="ko-KR" altLang="en-US" sz="6600" dirty="0"/>
+              <a:rPr lang="ko-KR" altLang="en-US" sz="2800" dirty="0" smtClean="0">
+                <a:solidFill>
+                  <a:srgbClr val="FFC000"/>
+                </a:solidFill>
+              </a:rPr>
+              <a:t>초기화 되지 않은 인스턴스는 사용할 수 없다</a:t>
+            </a:r>
+            <a:r>
+              <a:rPr lang="en-US" altLang="ko-KR" sz="2800" dirty="0" smtClean="0">
+                <a:solidFill>
+                  <a:srgbClr val="FFC000"/>
+                </a:solidFill>
+              </a:rPr>
+              <a:t>!</a:t>
+            </a:r>
+          </a:p>
+          <a:p>
+            <a:pPr algn="ctr"/>
+            <a:endParaRPr lang="en-US" altLang="ko-KR" sz="2800" dirty="0"/>
+          </a:p>
+          <a:p>
+            <a:pPr algn="ctr"/>
+            <a:r>
+              <a:rPr lang="ko-KR" altLang="en-US" sz="2800" dirty="0" smtClean="0"/>
+              <a:t>사용하려고 할 경우 </a:t>
+            </a:r>
+            <a:r>
+              <a:rPr lang="en-US" altLang="ko-KR" sz="2800" dirty="0" smtClean="0"/>
+              <a:t>Null Pointer</a:t>
+            </a:r>
+            <a:r>
+              <a:rPr lang="ko-KR" altLang="en-US" sz="2800" dirty="0" smtClean="0"/>
+              <a:t>에러가 뜸</a:t>
+            </a:r>
+            <a:endParaRPr lang="en-US" altLang="ko-KR" sz="2800" dirty="0" smtClean="0"/>
+          </a:p>
+          <a:p>
+            <a:pPr algn="ctr"/>
+            <a:endParaRPr lang="en-US" altLang="ko-KR" sz="2800" b="1" dirty="0"/>
+          </a:p>
+          <a:p>
+            <a:pPr algn="ctr"/>
+            <a:r>
+              <a:rPr lang="ko-KR" altLang="en-US" sz="2800" b="1" dirty="0" err="1" smtClean="0">
+                <a:solidFill>
+                  <a:srgbClr val="FF5050"/>
+                </a:solidFill>
+              </a:rPr>
+              <a:t>생성자로</a:t>
+            </a:r>
+            <a:r>
+              <a:rPr lang="ko-KR" altLang="en-US" sz="2800" b="1" dirty="0" smtClean="0">
+                <a:solidFill>
+                  <a:srgbClr val="FF5050"/>
+                </a:solidFill>
+              </a:rPr>
+              <a:t> 초기화를 해주거나</a:t>
+            </a:r>
+            <a:r>
+              <a:rPr lang="en-US" altLang="ko-KR" sz="2800" b="1" dirty="0" smtClean="0">
+                <a:solidFill>
+                  <a:srgbClr val="FF5050"/>
+                </a:solidFill>
+              </a:rPr>
+              <a:t>, </a:t>
+            </a:r>
+            <a:r>
+              <a:rPr lang="ko-KR" altLang="en-US" sz="2800" b="1" dirty="0" err="1" smtClean="0">
+                <a:solidFill>
+                  <a:srgbClr val="FF5050"/>
+                </a:solidFill>
+              </a:rPr>
+              <a:t>메인메소드에서의</a:t>
+            </a:r>
+            <a:r>
+              <a:rPr lang="ko-KR" altLang="en-US" sz="2800" b="1" dirty="0" smtClean="0">
+                <a:solidFill>
+                  <a:srgbClr val="FF5050"/>
+                </a:solidFill>
+              </a:rPr>
+              <a:t> 초기화가 필수</a:t>
+            </a:r>
+            <a:r>
+              <a:rPr lang="en-US" altLang="ko-KR" sz="2800" b="1" dirty="0" smtClean="0">
+                <a:solidFill>
+                  <a:srgbClr val="FF5050"/>
+                </a:solidFill>
+              </a:rPr>
+              <a:t>!</a:t>
+            </a:r>
+            <a:endParaRPr lang="ko-KR" altLang="en-US" sz="2800" b="1" dirty="0">
+              <a:solidFill>
+                <a:srgbClr val="FF5050"/>
+              </a:solidFill>
+            </a:endParaRPr>
+          </a:p>
+        </p:txBody>
+      </p:sp>
+      <p:sp>
+        <p:nvSpPr>
+          <p:cNvPr id="3" name="TextBox 2"/>
+          <p:cNvSpPr txBox="1"/>
+          <p:nvPr/>
+        </p:nvSpPr>
+        <p:spPr>
+          <a:xfrm>
+            <a:off x="8041689" y="5900057"/>
+            <a:ext cx="3653564" cy="523220"/>
+          </a:xfrm>
+          <a:prstGeom prst="rect">
+            <a:avLst/>
+          </a:prstGeom>
+          <a:noFill/>
+        </p:spPr>
+        <p:txBody>
+          <a:bodyPr wrap="none" rtlCol="0">
+            <a:spAutoFit/>
+          </a:bodyPr>
+          <a:lstStyle/>
+          <a:p>
+            <a:pPr algn="ctr"/>
+            <a:r>
+              <a:rPr lang="ko-KR" altLang="en-US" sz="1400" b="1" dirty="0" smtClean="0">
+                <a:solidFill>
+                  <a:srgbClr val="FFC000"/>
+                </a:solidFill>
+              </a:rPr>
+              <a:t>이거 실수 진짜 많이 하니까 꼭 인지하기</a:t>
+            </a:r>
+            <a:endParaRPr lang="en-US" altLang="ko-KR" sz="1400" b="1" dirty="0" smtClean="0">
+              <a:solidFill>
+                <a:srgbClr val="FFC000"/>
+              </a:solidFill>
+            </a:endParaRPr>
+          </a:p>
+          <a:p>
+            <a:pPr algn="ctr"/>
+            <a:r>
+              <a:rPr lang="ko-KR" altLang="en-US" sz="1400" b="1" dirty="0" smtClean="0">
+                <a:solidFill>
+                  <a:srgbClr val="FFC000"/>
+                </a:solidFill>
+              </a:rPr>
+              <a:t>객체에서 </a:t>
+            </a:r>
+            <a:r>
+              <a:rPr lang="ko-KR" altLang="en-US" sz="1400" b="1" dirty="0" err="1" smtClean="0">
+                <a:solidFill>
+                  <a:srgbClr val="FFC000"/>
+                </a:solidFill>
+              </a:rPr>
+              <a:t>에러나면</a:t>
+            </a:r>
+            <a:r>
+              <a:rPr lang="ko-KR" altLang="en-US" sz="1400" b="1" dirty="0" smtClean="0">
+                <a:solidFill>
+                  <a:srgbClr val="FFC000"/>
+                </a:solidFill>
+              </a:rPr>
+              <a:t> </a:t>
+            </a:r>
+            <a:r>
+              <a:rPr lang="en-US" altLang="ko-KR" sz="1400" b="1" dirty="0" smtClean="0">
+                <a:solidFill>
+                  <a:srgbClr val="FFC000"/>
+                </a:solidFill>
+              </a:rPr>
+              <a:t>80%</a:t>
+            </a:r>
+            <a:r>
+              <a:rPr lang="ko-KR" altLang="en-US" sz="1400" b="1" dirty="0" smtClean="0">
+                <a:solidFill>
+                  <a:srgbClr val="FFC000"/>
+                </a:solidFill>
+              </a:rPr>
+              <a:t>는 이 이유</a:t>
+            </a:r>
+            <a:endParaRPr lang="ko-KR" altLang="en-US" sz="1400" b="1" dirty="0">
+              <a:solidFill>
+                <a:srgbClr val="FFC000"/>
+              </a:solidFill>
+            </a:endParaRPr>
           </a:p>
         </p:txBody>
       </p:sp>
     </p:spTree>
     <p:extLst>
       <p:ext uri="{BB962C8B-B14F-4D97-AF65-F5344CB8AC3E}">
-        <p14:creationId xmlns:p14="http://schemas.microsoft.com/office/powerpoint/2010/main" val="2808134594"/>
+        <p14:creationId xmlns:p14="http://schemas.microsoft.com/office/powerpoint/2010/main" val="3061512155"/>
       </p:ext>
     </p:extLst>
   </p:cSld>

--- a/객체이론정리.pptx
+++ b/객체이론정리.pptx
@@ -22,7 +22,11 @@
     <p:sldId id="272" r:id="rId16"/>
     <p:sldId id="273" r:id="rId17"/>
     <p:sldId id="264" r:id="rId18"/>
-    <p:sldId id="260" r:id="rId19"/>
+    <p:sldId id="275" r:id="rId19"/>
+    <p:sldId id="274" r:id="rId20"/>
+    <p:sldId id="260" r:id="rId21"/>
+    <p:sldId id="277" r:id="rId22"/>
+    <p:sldId id="276" r:id="rId23"/>
   </p:sldIdLst>
   <p:sldSz cx="12192000" cy="6858000"/>
   <p:notesSz cx="6858000" cy="9144000"/>
@@ -4812,8 +4816,8 @@
         </p:nvSpPr>
         <p:spPr>
           <a:xfrm>
-            <a:off x="5705855" y="918056"/>
-            <a:ext cx="1146048" cy="731520"/>
+            <a:off x="5131131" y="1100722"/>
+            <a:ext cx="1146048" cy="383149"/>
           </a:xfrm>
           <a:prstGeom prst="rightArrow">
             <a:avLst/>
@@ -4904,7 +4908,7 @@
         </p:nvSpPr>
         <p:spPr>
           <a:xfrm>
-            <a:off x="7201434" y="1083761"/>
+            <a:off x="6496584" y="1141744"/>
             <a:ext cx="3037163" cy="400110"/>
           </a:xfrm>
           <a:prstGeom prst="rect">
@@ -4980,8 +4984,8 @@
         </p:nvSpPr>
         <p:spPr>
           <a:xfrm>
-            <a:off x="7139501" y="4625375"/>
-            <a:ext cx="2178802" cy="307777"/>
+            <a:off x="6803464" y="3152950"/>
+            <a:ext cx="3932487" cy="307777"/>
           </a:xfrm>
           <a:prstGeom prst="rect">
             <a:avLst/>
@@ -4995,16 +4999,24 @@
           <a:lstStyle/>
           <a:p>
             <a:r>
+              <a:rPr lang="en-US" altLang="ko-KR" sz="1400" dirty="0" smtClean="0"/>
+              <a:t>// </a:t>
+            </a:r>
+            <a:r>
+              <a:rPr lang="ko-KR" altLang="en-US" sz="1400" dirty="0" smtClean="0"/>
+              <a:t>지역변수는 </a:t>
+            </a:r>
+            <a:r>
               <a:rPr lang="ko-KR" altLang="en-US" sz="1400" dirty="0" err="1" smtClean="0"/>
               <a:t>메소드에서</a:t>
             </a:r>
             <a:r>
               <a:rPr lang="ko-KR" altLang="en-US" sz="1400" dirty="0" smtClean="0"/>
-              <a:t> </a:t>
+              <a:t> 바로 사용 </a:t>
             </a:r>
             <a:r>
               <a:rPr lang="ko-KR" altLang="en-US" sz="1400" dirty="0" smtClean="0"/>
-              <a:t>사용 불가능</a:t>
+              <a:t>불가능</a:t>
             </a:r>
             <a:endParaRPr lang="ko-KR" altLang="en-US" sz="1400" dirty="0"/>
           </a:p>
@@ -5018,8 +5030,8 @@
         </p:nvSpPr>
         <p:spPr>
           <a:xfrm>
-            <a:off x="7139501" y="2563513"/>
-            <a:ext cx="1999265" cy="307777"/>
+            <a:off x="6803464" y="2506447"/>
+            <a:ext cx="3932487" cy="307777"/>
           </a:xfrm>
           <a:prstGeom prst="rect">
             <a:avLst/>
@@ -5033,12 +5045,24 @@
           <a:lstStyle/>
           <a:p>
             <a:r>
+              <a:rPr lang="en-US" altLang="ko-KR" sz="1400" dirty="0" smtClean="0"/>
+              <a:t>// </a:t>
+            </a:r>
+            <a:r>
+              <a:rPr lang="ko-KR" altLang="en-US" sz="1400" dirty="0" smtClean="0"/>
+              <a:t>클래스변수는 </a:t>
+            </a:r>
+            <a:r>
               <a:rPr lang="ko-KR" altLang="en-US" sz="1400" dirty="0" err="1" smtClean="0"/>
               <a:t>메소드에서</a:t>
             </a:r>
             <a:r>
               <a:rPr lang="ko-KR" altLang="en-US" sz="1400" dirty="0" smtClean="0"/>
-              <a:t> 사용 가능</a:t>
+              <a:t> 바로 사용 </a:t>
+            </a:r>
+            <a:r>
+              <a:rPr lang="ko-KR" altLang="en-US" sz="1400" dirty="0" smtClean="0"/>
+              <a:t>가능</a:t>
             </a:r>
             <a:endParaRPr lang="ko-KR" altLang="en-US" sz="1400" dirty="0"/>
           </a:p>
@@ -5081,16 +5105,109 @@
           <a:chExt cx="0" cy="0"/>
         </a:xfrm>
       </p:grpSpPr>
-      <p:sp>
-        <p:nvSpPr>
-          <p:cNvPr id="2" name="TextBox 1"/>
+      <p:pic>
+        <p:nvPicPr>
+          <p:cNvPr id="2" name="그림 1"/>
+          <p:cNvPicPr>
+            <a:picLocks noChangeAspect="1"/>
+          </p:cNvPicPr>
+          <p:nvPr/>
+        </p:nvPicPr>
+        <p:blipFill rotWithShape="1">
+          <a:blip r:embed="rId2"/>
+          <a:srcRect b="1899"/>
+          <a:stretch/>
+        </p:blipFill>
+        <p:spPr>
+          <a:xfrm>
+            <a:off x="623334" y="495301"/>
+            <a:ext cx="8383340" cy="5676900"/>
+          </a:xfrm>
+          <a:prstGeom prst="rect">
+            <a:avLst/>
+          </a:prstGeom>
+        </p:spPr>
+      </p:pic>
+      <p:pic>
+        <p:nvPicPr>
+          <p:cNvPr id="11" name="그림 10"/>
+          <p:cNvPicPr>
+            <a:picLocks noChangeAspect="1"/>
+          </p:cNvPicPr>
+          <p:nvPr/>
+        </p:nvPicPr>
+        <p:blipFill>
+          <a:blip r:embed="rId3"/>
+          <a:stretch>
+            <a:fillRect/>
+          </a:stretch>
+        </p:blipFill>
+        <p:spPr>
+          <a:xfrm>
+            <a:off x="7676942" y="5100602"/>
+            <a:ext cx="2972215" cy="504895"/>
+          </a:xfrm>
+          <a:prstGeom prst="rect">
+            <a:avLst/>
+          </a:prstGeom>
+        </p:spPr>
+      </p:pic>
+      <p:sp>
+        <p:nvSpPr>
+          <p:cNvPr id="12" name="직사각형 11"/>
+          <p:cNvSpPr/>
+          <p:nvPr/>
+        </p:nvSpPr>
+        <p:spPr>
+          <a:xfrm>
+            <a:off x="7514705" y="4892040"/>
+            <a:ext cx="3134452" cy="891540"/>
+          </a:xfrm>
+          <a:prstGeom prst="rect">
+            <a:avLst/>
+          </a:prstGeom>
+          <a:noFill/>
+          <a:ln w="76200">
+            <a:solidFill>
+              <a:schemeClr val="tx1"/>
+            </a:solidFill>
+          </a:ln>
+        </p:spPr>
+        <p:style>
+          <a:lnRef idx="2">
+            <a:schemeClr val="accent1">
+              <a:shade val="50000"/>
+            </a:schemeClr>
+          </a:lnRef>
+          <a:fillRef idx="1">
+            <a:schemeClr val="accent1"/>
+          </a:fillRef>
+          <a:effectRef idx="0">
+            <a:schemeClr val="accent1"/>
+          </a:effectRef>
+          <a:fontRef idx="minor">
+            <a:schemeClr val="lt1"/>
+          </a:fontRef>
+        </p:style>
+        <p:txBody>
+          <a:bodyPr rtlCol="0" anchor="ctr"/>
+          <a:lstStyle/>
+          <a:p>
+            <a:pPr algn="ctr"/>
+            <a:endParaRPr lang="ko-KR" altLang="en-US"/>
+          </a:p>
+        </p:txBody>
+      </p:sp>
+      <p:sp>
+        <p:nvSpPr>
+          <p:cNvPr id="13" name="TextBox 12"/>
           <p:cNvSpPr txBox="1"/>
           <p:nvPr/>
         </p:nvSpPr>
         <p:spPr>
           <a:xfrm>
-            <a:off x="4376619" y="548640"/>
-            <a:ext cx="3438762" cy="1107996"/>
+            <a:off x="7381701" y="4645520"/>
+            <a:ext cx="779381" cy="276999"/>
           </a:xfrm>
           <a:prstGeom prst="rect">
             <a:avLst/>
@@ -5103,20 +5220,106 @@
           </a:bodyPr>
           <a:lstStyle/>
           <a:p>
-            <a:pPr algn="ctr"/>
-            <a:r>
-              <a:rPr lang="en-US" altLang="ko-KR" sz="6600" b="1" dirty="0" smtClean="0">
-                <a:solidFill>
-                  <a:srgbClr val="FFC000"/>
-                </a:solidFill>
-              </a:rPr>
-              <a:t>Static</a:t>
-            </a:r>
-            <a:r>
-              <a:rPr lang="en-US" altLang="ko-KR" sz="6600" b="1" dirty="0" smtClean="0"/>
-              <a:t>?</a:t>
-            </a:r>
-            <a:endParaRPr lang="ko-KR" altLang="en-US" sz="6600" b="1" dirty="0"/>
+            <a:r>
+              <a:rPr lang="en-US" altLang="ko-KR" sz="1200" b="1" dirty="0" smtClean="0"/>
+              <a:t>console</a:t>
+            </a:r>
+            <a:endParaRPr lang="ko-KR" altLang="en-US" sz="1200" b="1" dirty="0"/>
+          </a:p>
+        </p:txBody>
+      </p:sp>
+    </p:spTree>
+    <p:extLst>
+      <p:ext uri="{BB962C8B-B14F-4D97-AF65-F5344CB8AC3E}">
+        <p14:creationId xmlns:p14="http://schemas.microsoft.com/office/powerpoint/2010/main" val="3814981300"/>
+      </p:ext>
+    </p:extLst>
+  </p:cSld>
+  <p:clrMapOvr>
+    <a:masterClrMapping/>
+  </p:clrMapOvr>
+  <p:timing>
+    <p:tnLst>
+      <p:par>
+        <p:cTn id="1" dur="indefinite" restart="never" nodeType="tmRoot"/>
+      </p:par>
+    </p:tnLst>
+  </p:timing>
+</p:sld>
+</file>
+
+<file path=ppt/slides/slide19.xml><?xml version="1.0" encoding="utf-8"?>
+<p:sld xmlns:a="http://schemas.openxmlformats.org/drawingml/2006/main" xmlns:r="http://schemas.openxmlformats.org/officeDocument/2006/relationships" xmlns:p="http://schemas.openxmlformats.org/presentationml/2006/main">
+  <p:cSld>
+    <p:spTree>
+      <p:nvGrpSpPr>
+        <p:cNvPr id="1" name=""/>
+        <p:cNvGrpSpPr/>
+        <p:nvPr/>
+      </p:nvGrpSpPr>
+      <p:grpSpPr>
+        <a:xfrm>
+          <a:off x="0" y="0"/>
+          <a:ext cx="0" cy="0"/>
+          <a:chOff x="0" y="0"/>
+          <a:chExt cx="0" cy="0"/>
+        </a:xfrm>
+      </p:grpSpPr>
+      <p:sp>
+        <p:nvSpPr>
+          <p:cNvPr id="2" name="TextBox 1"/>
+          <p:cNvSpPr txBox="1"/>
+          <p:nvPr/>
+        </p:nvSpPr>
+        <p:spPr>
+          <a:xfrm>
+            <a:off x="3524250" y="2609850"/>
+            <a:ext cx="4762500" cy="1200329"/>
+          </a:xfrm>
+          <a:prstGeom prst="rect">
+            <a:avLst/>
+          </a:prstGeom>
+          <a:noFill/>
+        </p:spPr>
+        <p:txBody>
+          <a:bodyPr wrap="square" rtlCol="0">
+            <a:spAutoFit/>
+          </a:bodyPr>
+          <a:lstStyle/>
+          <a:p>
+            <a:pPr algn="ctr">
+              <a:lnSpc>
+                <a:spcPct val="200000"/>
+              </a:lnSpc>
+            </a:pPr>
+            <a:r>
+              <a:rPr lang="ko-KR" altLang="en-US" dirty="0" smtClean="0"/>
+              <a:t>값이 고정되었다는 의미</a:t>
+            </a:r>
+            <a:r>
+              <a:rPr lang="en-US" altLang="ko-KR" dirty="0" smtClean="0"/>
+              <a:t>!</a:t>
+            </a:r>
+          </a:p>
+          <a:p>
+            <a:pPr algn="ctr">
+              <a:lnSpc>
+                <a:spcPct val="200000"/>
+              </a:lnSpc>
+            </a:pPr>
+            <a:r>
+              <a:rPr lang="ko-KR" altLang="en-US" b="1" dirty="0" smtClean="0">
+                <a:solidFill>
+                  <a:srgbClr val="FFC000"/>
+                </a:solidFill>
+              </a:rPr>
+              <a:t>영원히 안 변함</a:t>
+            </a:r>
+            <a:endParaRPr lang="ko-KR" altLang="en-US" b="1" dirty="0">
+              <a:solidFill>
+                <a:srgbClr val="FFC000"/>
+              </a:solidFill>
+            </a:endParaRPr>
           </a:p>
         </p:txBody>
       </p:sp>
@@ -5128,8 +5331,55 @@
         </p:nvSpPr>
         <p:spPr>
           <a:xfrm>
-            <a:off x="4637907" y="2366567"/>
-            <a:ext cx="2916183" cy="400110"/>
+            <a:off x="3381375" y="1143000"/>
+            <a:ext cx="5048250" cy="923330"/>
+          </a:xfrm>
+          <a:prstGeom prst="rect">
+            <a:avLst/>
+          </a:prstGeom>
+          <a:noFill/>
+        </p:spPr>
+        <p:txBody>
+          <a:bodyPr wrap="square" rtlCol="0">
+            <a:spAutoFit/>
+          </a:bodyPr>
+          <a:lstStyle/>
+          <a:p>
+            <a:pPr algn="ctr"/>
+            <a:r>
+              <a:rPr lang="en-US" altLang="ko-KR" sz="5400" b="1" dirty="0">
+                <a:solidFill>
+                  <a:srgbClr val="FFC000"/>
+                </a:solidFill>
+              </a:rPr>
+              <a:t>f</a:t>
+            </a:r>
+            <a:r>
+              <a:rPr lang="en-US" altLang="ko-KR" sz="5400" b="1" dirty="0" smtClean="0">
+                <a:solidFill>
+                  <a:srgbClr val="FFC000"/>
+                </a:solidFill>
+              </a:rPr>
+              <a:t>inal</a:t>
+            </a:r>
+            <a:endParaRPr lang="ko-KR" altLang="en-US" sz="5400" b="1" dirty="0">
+              <a:solidFill>
+                <a:srgbClr val="FFC000"/>
+              </a:solidFill>
+            </a:endParaRPr>
+          </a:p>
+        </p:txBody>
+      </p:sp>
+      <p:sp>
+        <p:nvSpPr>
+          <p:cNvPr id="4" name="TextBox 3"/>
+          <p:cNvSpPr txBox="1"/>
+          <p:nvPr/>
+        </p:nvSpPr>
+        <p:spPr>
+          <a:xfrm>
+            <a:off x="4701576" y="4230514"/>
+            <a:ext cx="2388795" cy="369332"/>
           </a:xfrm>
           <a:prstGeom prst="rect">
             <a:avLst/>
@@ -5143,6 +5393,267 @@
           <a:lstStyle/>
           <a:p>
             <a:r>
+              <a:rPr lang="ko-KR" altLang="en-US" smtClean="0"/>
+              <a:t>바꾸려고하면</a:t>
+            </a:r>
+            <a:r>
+              <a:rPr lang="ko-KR" altLang="en-US" dirty="0" smtClean="0"/>
+              <a:t> </a:t>
+            </a:r>
+            <a:r>
+              <a:rPr lang="ko-KR" altLang="en-US" dirty="0" err="1" smtClean="0"/>
+              <a:t>에러남</a:t>
+            </a:r>
+            <a:endParaRPr lang="ko-KR" altLang="en-US" dirty="0"/>
+          </a:p>
+        </p:txBody>
+      </p:sp>
+      <p:sp>
+        <p:nvSpPr>
+          <p:cNvPr id="5" name="TextBox 4"/>
+          <p:cNvSpPr txBox="1"/>
+          <p:nvPr/>
+        </p:nvSpPr>
+        <p:spPr>
+          <a:xfrm>
+            <a:off x="2031775" y="5018901"/>
+            <a:ext cx="7728398" cy="646331"/>
+          </a:xfrm>
+          <a:prstGeom prst="rect">
+            <a:avLst/>
+          </a:prstGeom>
+          <a:noFill/>
+        </p:spPr>
+        <p:txBody>
+          <a:bodyPr wrap="none" rtlCol="0">
+            <a:spAutoFit/>
+          </a:bodyPr>
+          <a:lstStyle/>
+          <a:p>
+            <a:pPr algn="ctr"/>
+            <a:r>
+              <a:rPr lang="en-US" altLang="ko-KR" dirty="0" smtClean="0"/>
+              <a:t>final </a:t>
+            </a:r>
+            <a:r>
+              <a:rPr lang="ko-KR" altLang="en-US" dirty="0" smtClean="0"/>
+              <a:t>변수는 클래스 변수로 쓰더라도</a:t>
+            </a:r>
+            <a:r>
+              <a:rPr lang="en-US" altLang="ko-KR" dirty="0" smtClean="0"/>
+              <a:t>, </a:t>
+            </a:r>
+            <a:r>
+              <a:rPr lang="ko-KR" altLang="en-US" dirty="0" smtClean="0">
+                <a:solidFill>
+                  <a:srgbClr val="FFC000"/>
+                </a:solidFill>
+              </a:rPr>
+              <a:t>유동적인 값이 아니기 때문에</a:t>
+            </a:r>
+            <a:endParaRPr lang="en-US" altLang="ko-KR" dirty="0" smtClean="0">
+              <a:solidFill>
+                <a:srgbClr val="FFC000"/>
+              </a:solidFill>
+            </a:endParaRPr>
+          </a:p>
+          <a:p>
+            <a:pPr algn="ctr"/>
+            <a:r>
+              <a:rPr lang="ko-KR" altLang="en-US" b="1" dirty="0" smtClean="0">
+                <a:solidFill>
+                  <a:srgbClr val="FFC000"/>
+                </a:solidFill>
+              </a:rPr>
+              <a:t>일반적으로는 </a:t>
+            </a:r>
+            <a:r>
+              <a:rPr lang="en-US" altLang="ko-KR" b="1" dirty="0" smtClean="0">
+                <a:solidFill>
+                  <a:srgbClr val="FFC000"/>
+                </a:solidFill>
+              </a:rPr>
+              <a:t>static</a:t>
+            </a:r>
+            <a:r>
+              <a:rPr lang="ko-KR" altLang="en-US" b="1" dirty="0" smtClean="0">
+                <a:solidFill>
+                  <a:srgbClr val="FFC000"/>
+                </a:solidFill>
+              </a:rPr>
+              <a:t>처리 </a:t>
+            </a:r>
+            <a:r>
+              <a:rPr lang="ko-KR" altLang="en-US" dirty="0" smtClean="0"/>
+              <a:t>해야한다</a:t>
+            </a:r>
+            <a:r>
+              <a:rPr lang="en-US" altLang="ko-KR" dirty="0" smtClean="0"/>
+              <a:t>.</a:t>
+            </a:r>
+          </a:p>
+        </p:txBody>
+      </p:sp>
+    </p:spTree>
+    <p:extLst>
+      <p:ext uri="{BB962C8B-B14F-4D97-AF65-F5344CB8AC3E}">
+        <p14:creationId xmlns:p14="http://schemas.microsoft.com/office/powerpoint/2010/main" val="1672115347"/>
+      </p:ext>
+    </p:extLst>
+  </p:cSld>
+  <p:clrMapOvr>
+    <a:masterClrMapping/>
+  </p:clrMapOvr>
+</p:sld>
+</file>
+
+<file path=ppt/slides/slide2.xml><?xml version="1.0" encoding="utf-8"?>
+<p:sld xmlns:a="http://schemas.openxmlformats.org/drawingml/2006/main" xmlns:r="http://schemas.openxmlformats.org/officeDocument/2006/relationships" xmlns:p="http://schemas.openxmlformats.org/presentationml/2006/main">
+  <p:cSld>
+    <p:spTree>
+      <p:nvGrpSpPr>
+        <p:cNvPr id="1" name=""/>
+        <p:cNvGrpSpPr/>
+        <p:nvPr/>
+      </p:nvGrpSpPr>
+      <p:grpSpPr>
+        <a:xfrm>
+          <a:off x="0" y="0"/>
+          <a:ext cx="0" cy="0"/>
+          <a:chOff x="0" y="0"/>
+          <a:chExt cx="0" cy="0"/>
+        </a:xfrm>
+      </p:grpSpPr>
+      <p:sp>
+        <p:nvSpPr>
+          <p:cNvPr id="2" name="제목 1"/>
+          <p:cNvSpPr>
+            <a:spLocks noGrp="1"/>
+          </p:cNvSpPr>
+          <p:nvPr>
+            <p:ph type="ctrTitle"/>
+          </p:nvPr>
+        </p:nvSpPr>
+        <p:spPr>
+          <a:xfrm>
+            <a:off x="1524000" y="1844257"/>
+            <a:ext cx="9144000" cy="2387600"/>
+          </a:xfrm>
+        </p:spPr>
+        <p:txBody>
+          <a:bodyPr>
+            <a:normAutofit/>
+          </a:bodyPr>
+          <a:lstStyle/>
+          <a:p>
+            <a:r>
+              <a:rPr lang="en-US" altLang="ko-KR" sz="8000" b="1" dirty="0" smtClean="0">
+                <a:solidFill>
+                  <a:schemeClr val="accent4"/>
+                </a:solidFill>
+              </a:rPr>
+              <a:t>1. Class</a:t>
+            </a:r>
+            <a:endParaRPr lang="ko-KR" altLang="en-US" sz="8000" b="1" dirty="0">
+              <a:solidFill>
+                <a:schemeClr val="accent4"/>
+              </a:solidFill>
+            </a:endParaRPr>
+          </a:p>
+        </p:txBody>
+      </p:sp>
+    </p:spTree>
+    <p:extLst>
+      <p:ext uri="{BB962C8B-B14F-4D97-AF65-F5344CB8AC3E}">
+        <p14:creationId xmlns:p14="http://schemas.microsoft.com/office/powerpoint/2010/main" val="2833267027"/>
+      </p:ext>
+    </p:extLst>
+  </p:cSld>
+  <p:clrMapOvr>
+    <a:masterClrMapping/>
+  </p:clrMapOvr>
+</p:sld>
+</file>
+
+<file path=ppt/slides/slide20.xml><?xml version="1.0" encoding="utf-8"?>
+<p:sld xmlns:a="http://schemas.openxmlformats.org/drawingml/2006/main" xmlns:r="http://schemas.openxmlformats.org/officeDocument/2006/relationships" xmlns:p="http://schemas.openxmlformats.org/presentationml/2006/main">
+  <p:cSld>
+    <p:spTree>
+      <p:nvGrpSpPr>
+        <p:cNvPr id="1" name=""/>
+        <p:cNvGrpSpPr/>
+        <p:nvPr/>
+      </p:nvGrpSpPr>
+      <p:grpSpPr>
+        <a:xfrm>
+          <a:off x="0" y="0"/>
+          <a:ext cx="0" cy="0"/>
+          <a:chOff x="0" y="0"/>
+          <a:chExt cx="0" cy="0"/>
+        </a:xfrm>
+      </p:grpSpPr>
+      <p:sp>
+        <p:nvSpPr>
+          <p:cNvPr id="2" name="TextBox 1"/>
+          <p:cNvSpPr txBox="1"/>
+          <p:nvPr/>
+        </p:nvSpPr>
+        <p:spPr>
+          <a:xfrm>
+            <a:off x="4376619" y="548640"/>
+            <a:ext cx="3438762" cy="1107996"/>
+          </a:xfrm>
+          <a:prstGeom prst="rect">
+            <a:avLst/>
+          </a:prstGeom>
+          <a:noFill/>
+        </p:spPr>
+        <p:txBody>
+          <a:bodyPr wrap="none" rtlCol="0">
+            <a:spAutoFit/>
+          </a:bodyPr>
+          <a:lstStyle/>
+          <a:p>
+            <a:pPr algn="ctr"/>
+            <a:r>
+              <a:rPr lang="en-US" altLang="ko-KR" sz="6600" b="1" dirty="0" smtClean="0">
+                <a:solidFill>
+                  <a:srgbClr val="FFC000"/>
+                </a:solidFill>
+              </a:rPr>
+              <a:t>Static</a:t>
+            </a:r>
+            <a:r>
+              <a:rPr lang="en-US" altLang="ko-KR" sz="6600" b="1" dirty="0" smtClean="0"/>
+              <a:t>?</a:t>
+            </a:r>
+            <a:endParaRPr lang="ko-KR" altLang="en-US" sz="6600" b="1" dirty="0"/>
+          </a:p>
+        </p:txBody>
+      </p:sp>
+      <p:sp>
+        <p:nvSpPr>
+          <p:cNvPr id="3" name="TextBox 2"/>
+          <p:cNvSpPr txBox="1"/>
+          <p:nvPr/>
+        </p:nvSpPr>
+        <p:spPr>
+          <a:xfrm>
+            <a:off x="4637899" y="2566668"/>
+            <a:ext cx="2916183" cy="400110"/>
+          </a:xfrm>
+          <a:prstGeom prst="rect">
+            <a:avLst/>
+          </a:prstGeom>
+          <a:noFill/>
+        </p:spPr>
+        <p:txBody>
+          <a:bodyPr wrap="none" rtlCol="0">
+            <a:spAutoFit/>
+          </a:bodyPr>
+          <a:lstStyle/>
+          <a:p>
+            <a:r>
               <a:rPr lang="ko-KR" altLang="en-US" sz="2000" dirty="0" smtClean="0"/>
               <a:t>클래스와 </a:t>
             </a:r>
@@ -5170,7 +5681,7 @@
         </p:nvSpPr>
         <p:spPr>
           <a:xfrm>
-            <a:off x="1540931" y="3273408"/>
+            <a:off x="1540926" y="4090298"/>
             <a:ext cx="9110133" cy="400110"/>
           </a:xfrm>
           <a:prstGeom prst="rect">
@@ -5237,7 +5748,7 @@
         </p:nvSpPr>
         <p:spPr>
           <a:xfrm>
-            <a:off x="1540930" y="4180249"/>
+            <a:off x="1540930" y="4746919"/>
             <a:ext cx="9110133" cy="1015663"/>
           </a:xfrm>
           <a:prstGeom prst="rect">
@@ -5266,7 +5777,19 @@
             </a:r>
             <a:r>
               <a:rPr lang="ko-KR" altLang="en-US" sz="2000" dirty="0" smtClean="0"/>
-              <a:t> 별도의 호출없이 사용이 가능하다</a:t>
+              <a:t> </a:t>
+            </a:r>
+            <a:r>
+              <a:rPr lang="ko-KR" altLang="en-US" sz="2000" dirty="0" smtClean="0">
+                <a:solidFill>
+                  <a:srgbClr val="FFC000"/>
+                </a:solidFill>
+              </a:rPr>
+              <a:t>별도의 호출</a:t>
+            </a:r>
+            <a:r>
+              <a:rPr lang="ko-KR" altLang="en-US" sz="2000" dirty="0" smtClean="0"/>
+              <a:t>없이 사용이 가능하다</a:t>
             </a:r>
             <a:r>
               <a:rPr lang="en-US" altLang="ko-KR" sz="2000" dirty="0" smtClean="0"/>
@@ -5290,6 +5813,49 @@
             <a:r>
               <a:rPr lang="en-US" altLang="ko-KR" sz="2000" dirty="0" smtClean="0"/>
               <a:t>)</a:t>
+            </a:r>
+            <a:endParaRPr lang="ko-KR" altLang="en-US" sz="2000" dirty="0"/>
+          </a:p>
+        </p:txBody>
+      </p:sp>
+      <p:sp>
+        <p:nvSpPr>
+          <p:cNvPr id="6" name="TextBox 5"/>
+          <p:cNvSpPr txBox="1"/>
+          <p:nvPr/>
+        </p:nvSpPr>
+        <p:spPr>
+          <a:xfrm>
+            <a:off x="4182647" y="3310140"/>
+            <a:ext cx="3826689" cy="400110"/>
+          </a:xfrm>
+          <a:prstGeom prst="rect">
+            <a:avLst/>
+          </a:prstGeom>
+          <a:noFill/>
+        </p:spPr>
+        <p:txBody>
+          <a:bodyPr wrap="none" rtlCol="0">
+            <a:spAutoFit/>
+          </a:bodyPr>
+          <a:lstStyle/>
+          <a:p>
+            <a:pPr algn="ctr"/>
+            <a:r>
+              <a:rPr lang="ko-KR" altLang="en-US" sz="2000" dirty="0" smtClean="0"/>
+              <a:t>변수와</a:t>
+            </a:r>
+            <a:r>
+              <a:rPr lang="en-US" altLang="ko-KR" sz="2000" dirty="0"/>
+              <a:t> </a:t>
+            </a:r>
+            <a:r>
+              <a:rPr lang="ko-KR" altLang="en-US" sz="2000" dirty="0" err="1" smtClean="0"/>
+              <a:t>메소드</a:t>
+            </a:r>
+            <a:r>
+              <a:rPr lang="ko-KR" altLang="en-US" sz="2000" dirty="0" smtClean="0"/>
+              <a:t> 두 종류가 있음</a:t>
             </a:r>
             <a:endParaRPr lang="ko-KR" altLang="en-US" sz="2000" dirty="0"/>
           </a:p>
@@ -5315,7 +5881,7 @@
 </p:sld>
 </file>
 
-<file path=ppt/slides/slide2.xml><?xml version="1.0" encoding="utf-8"?>
+<file path=ppt/slides/slide21.xml><?xml version="1.0" encoding="utf-8"?>
 <p:sld xmlns:a="http://schemas.openxmlformats.org/drawingml/2006/main" xmlns:r="http://schemas.openxmlformats.org/officeDocument/2006/relationships" xmlns:p="http://schemas.openxmlformats.org/presentationml/2006/main">
   <p:cSld>
     <p:spTree>
@@ -5334,46 +5900,271 @@
       </p:grpSpPr>
       <p:sp>
         <p:nvSpPr>
-          <p:cNvPr id="2" name="제목 1"/>
-          <p:cNvSpPr>
-            <a:spLocks noGrp="1"/>
-          </p:cNvSpPr>
-          <p:nvPr>
-            <p:ph type="ctrTitle"/>
-          </p:nvPr>
-        </p:nvSpPr>
-        <p:spPr>
-          <a:xfrm>
-            <a:off x="1524000" y="1844257"/>
-            <a:ext cx="9144000" cy="2387600"/>
-          </a:xfrm>
-        </p:spPr>
-        <p:txBody>
-          <a:bodyPr>
-            <a:normAutofit/>
+          <p:cNvPr id="2" name="TextBox 1"/>
+          <p:cNvSpPr txBox="1"/>
+          <p:nvPr/>
+        </p:nvSpPr>
+        <p:spPr>
+          <a:xfrm>
+            <a:off x="2284702" y="548640"/>
+            <a:ext cx="7622601" cy="1107996"/>
+          </a:xfrm>
+          <a:prstGeom prst="rect">
+            <a:avLst/>
+          </a:prstGeom>
+          <a:noFill/>
+        </p:spPr>
+        <p:txBody>
+          <a:bodyPr wrap="none" rtlCol="0">
+            <a:spAutoFit/>
           </a:bodyPr>
           <a:lstStyle/>
           <a:p>
-            <a:r>
-              <a:rPr lang="en-US" altLang="ko-KR" sz="8000" b="1" dirty="0" smtClean="0">
-                <a:solidFill>
-                  <a:schemeClr val="accent4"/>
-                </a:solidFill>
-              </a:rPr>
-              <a:t>1. Class</a:t>
-            </a:r>
-            <a:endParaRPr lang="ko-KR" altLang="en-US" sz="8000" b="1" dirty="0">
-              <a:solidFill>
-                <a:schemeClr val="accent4"/>
-              </a:solidFill>
-            </a:endParaRPr>
+            <a:pPr algn="ctr"/>
+            <a:r>
+              <a:rPr lang="en-US" altLang="ko-KR" sz="6600" b="1" dirty="0" smtClean="0">
+                <a:solidFill>
+                  <a:srgbClr val="FFC000"/>
+                </a:solidFill>
+              </a:rPr>
+              <a:t>Static</a:t>
+            </a:r>
+            <a:r>
+              <a:rPr lang="en-US" altLang="ko-KR" sz="6600" b="1" dirty="0"/>
+              <a:t> </a:t>
+            </a:r>
+            <a:r>
+              <a:rPr lang="en-US" altLang="ko-KR" sz="6600" b="1" dirty="0" smtClean="0"/>
+              <a:t>Variables</a:t>
+            </a:r>
+            <a:endParaRPr lang="ko-KR" altLang="en-US" sz="6600" b="1" dirty="0"/>
+          </a:p>
+        </p:txBody>
+      </p:sp>
+      <p:sp>
+        <p:nvSpPr>
+          <p:cNvPr id="3" name="TextBox 2"/>
+          <p:cNvSpPr txBox="1"/>
+          <p:nvPr/>
+        </p:nvSpPr>
+        <p:spPr>
+          <a:xfrm>
+            <a:off x="1804546" y="2128787"/>
+            <a:ext cx="9533379" cy="1323439"/>
+          </a:xfrm>
+          <a:prstGeom prst="rect">
+            <a:avLst/>
+          </a:prstGeom>
+          <a:noFill/>
+        </p:spPr>
+        <p:txBody>
+          <a:bodyPr wrap="none" rtlCol="0">
+            <a:spAutoFit/>
+          </a:bodyPr>
+          <a:lstStyle/>
+          <a:p>
+            <a:r>
+              <a:rPr lang="ko-KR" altLang="en-US" sz="2000" dirty="0" smtClean="0"/>
+              <a:t>한번 값이 변하면 모든 </a:t>
+            </a:r>
+            <a:r>
+              <a:rPr lang="ko-KR" altLang="en-US" sz="2000" dirty="0" err="1" smtClean="0"/>
+              <a:t>메소드와</a:t>
+            </a:r>
+            <a:r>
+              <a:rPr lang="ko-KR" altLang="en-US" sz="2000" dirty="0" smtClean="0"/>
+              <a:t> 모든 클래스 내부에서 값이 공유된다</a:t>
+            </a:r>
+            <a:r>
+              <a:rPr lang="en-US" altLang="ko-KR" sz="2000" dirty="0" smtClean="0"/>
+              <a:t>.</a:t>
+            </a:r>
+          </a:p>
+          <a:p>
+            <a:endParaRPr lang="en-US" altLang="ko-KR" sz="2000" dirty="0"/>
+          </a:p>
+          <a:p>
+            <a:r>
+              <a:rPr lang="en-US" altLang="ko-KR" sz="2000" dirty="0" smtClean="0"/>
+              <a:t>ex) Student</a:t>
+            </a:r>
+            <a:r>
+              <a:rPr lang="ko-KR" altLang="en-US" sz="2000" dirty="0" smtClean="0"/>
+              <a:t>라는 </a:t>
+            </a:r>
+            <a:r>
+              <a:rPr lang="ko-KR" altLang="en-US" sz="2000" dirty="0" smtClean="0"/>
+              <a:t>클래스로 선언된 객체 </a:t>
+            </a:r>
+            <a:r>
+              <a:rPr lang="en-US" altLang="ko-KR" sz="2000" dirty="0" smtClean="0"/>
+              <a:t>100</a:t>
+            </a:r>
+            <a:r>
+              <a:rPr lang="ko-KR" altLang="en-US" sz="2000" dirty="0" smtClean="0"/>
+              <a:t>개에 </a:t>
+            </a:r>
+            <a:r>
+              <a:rPr lang="en-US" altLang="ko-KR" sz="2000" dirty="0" smtClean="0"/>
+              <a:t>grader</a:t>
+            </a:r>
+            <a:r>
+              <a:rPr lang="ko-KR" altLang="en-US" sz="2000" dirty="0" smtClean="0"/>
+              <a:t>라는 값이 </a:t>
+            </a:r>
+            <a:r>
+              <a:rPr lang="en-US" altLang="ko-KR" sz="2000" dirty="0" smtClean="0"/>
+              <a:t>1</a:t>
+            </a:r>
+            <a:r>
+              <a:rPr lang="ko-KR" altLang="en-US" sz="2000" dirty="0" smtClean="0"/>
+              <a:t>이었고</a:t>
+            </a:r>
+            <a:r>
+              <a:rPr lang="en-US" altLang="ko-KR" sz="2000" dirty="0" smtClean="0"/>
+              <a:t>,</a:t>
+            </a:r>
+          </a:p>
+          <a:p>
+            <a:r>
+              <a:rPr lang="en-US" altLang="ko-KR" sz="2000" dirty="0" smtClean="0"/>
+              <a:t>1</a:t>
+            </a:r>
+            <a:r>
+              <a:rPr lang="ko-KR" altLang="en-US" sz="2000" dirty="0" smtClean="0"/>
+              <a:t>년 후에 자동으로 </a:t>
+            </a:r>
+            <a:r>
+              <a:rPr lang="en-US" altLang="ko-KR" sz="2000" dirty="0" smtClean="0"/>
+              <a:t>1</a:t>
+            </a:r>
+            <a:r>
+              <a:rPr lang="ko-KR" altLang="en-US" sz="2000" dirty="0" smtClean="0"/>
+              <a:t>씩 더하게 되었다면</a:t>
+            </a:r>
+            <a:r>
+              <a:rPr lang="en-US" altLang="ko-KR" sz="2000" dirty="0" smtClean="0"/>
+              <a:t>, </a:t>
+            </a:r>
+            <a:r>
+              <a:rPr lang="ko-KR" altLang="en-US" sz="2000" dirty="0" smtClean="0"/>
+              <a:t>모든 객체가 같이 </a:t>
+            </a:r>
+            <a:r>
+              <a:rPr lang="en-US" altLang="ko-KR" sz="2000" dirty="0" smtClean="0"/>
+              <a:t>grader</a:t>
+            </a:r>
+            <a:r>
+              <a:rPr lang="ko-KR" altLang="en-US" sz="2000" dirty="0" smtClean="0"/>
+              <a:t>가 올라감</a:t>
+            </a:r>
+            <a:endParaRPr lang="ko-KR" altLang="en-US" sz="2000" dirty="0"/>
           </a:p>
         </p:txBody>
       </p:sp>
     </p:spTree>
     <p:extLst>
       <p:ext uri="{BB962C8B-B14F-4D97-AF65-F5344CB8AC3E}">
-        <p14:creationId xmlns:p14="http://schemas.microsoft.com/office/powerpoint/2010/main" val="2833267027"/>
+        <p14:creationId xmlns:p14="http://schemas.microsoft.com/office/powerpoint/2010/main" val="4259696574"/>
+      </p:ext>
+    </p:extLst>
+  </p:cSld>
+  <p:clrMapOvr>
+    <a:masterClrMapping/>
+  </p:clrMapOvr>
+  <p:timing>
+    <p:tnLst>
+      <p:par>
+        <p:cTn id="1" dur="indefinite" restart="never" nodeType="tmRoot"/>
+      </p:par>
+    </p:tnLst>
+  </p:timing>
+</p:sld>
+</file>
+
+<file path=ppt/slides/slide22.xml><?xml version="1.0" encoding="utf-8"?>
+<p:sld xmlns:a="http://schemas.openxmlformats.org/drawingml/2006/main" xmlns:r="http://schemas.openxmlformats.org/officeDocument/2006/relationships" xmlns:p="http://schemas.openxmlformats.org/presentationml/2006/main">
+  <p:cSld>
+    <p:spTree>
+      <p:nvGrpSpPr>
+        <p:cNvPr id="1" name=""/>
+        <p:cNvGrpSpPr/>
+        <p:nvPr/>
+      </p:nvGrpSpPr>
+      <p:grpSpPr>
+        <a:xfrm>
+          <a:off x="0" y="0"/>
+          <a:ext cx="0" cy="0"/>
+          <a:chOff x="0" y="0"/>
+          <a:chExt cx="0" cy="0"/>
+        </a:xfrm>
+      </p:grpSpPr>
+      <p:pic>
+        <p:nvPicPr>
+          <p:cNvPr id="2" name="그림 1"/>
+          <p:cNvPicPr>
+            <a:picLocks noChangeAspect="1"/>
+          </p:cNvPicPr>
+          <p:nvPr/>
+        </p:nvPicPr>
+        <p:blipFill>
+          <a:blip r:embed="rId2"/>
+          <a:stretch>
+            <a:fillRect/>
+          </a:stretch>
+        </p:blipFill>
+        <p:spPr>
+          <a:xfrm>
+            <a:off x="128631" y="761149"/>
+            <a:ext cx="5134692" cy="6096851"/>
+          </a:xfrm>
+          <a:prstGeom prst="rect">
+            <a:avLst/>
+          </a:prstGeom>
+        </p:spPr>
+      </p:pic>
+      <p:sp>
+        <p:nvSpPr>
+          <p:cNvPr id="3" name="TextBox 2"/>
+          <p:cNvSpPr txBox="1"/>
+          <p:nvPr/>
+        </p:nvSpPr>
+        <p:spPr>
+          <a:xfrm>
+            <a:off x="1442395" y="0"/>
+            <a:ext cx="1540806" cy="584775"/>
+          </a:xfrm>
+          <a:prstGeom prst="rect">
+            <a:avLst/>
+          </a:prstGeom>
+          <a:noFill/>
+        </p:spPr>
+        <p:txBody>
+          <a:bodyPr wrap="none" rtlCol="0">
+            <a:spAutoFit/>
+          </a:bodyPr>
+          <a:lstStyle/>
+          <a:p>
+            <a:r>
+              <a:rPr lang="en-US" altLang="ko-KR" sz="3200" b="1" dirty="0" smtClean="0">
+                <a:solidFill>
+                  <a:srgbClr val="FFC000"/>
+                </a:solidFill>
+              </a:rPr>
+              <a:t>static</a:t>
+            </a:r>
+            <a:endParaRPr lang="ko-KR" altLang="en-US" sz="3200" b="1" dirty="0">
+              <a:solidFill>
+                <a:srgbClr val="FFC000"/>
+              </a:solidFill>
+            </a:endParaRPr>
+          </a:p>
+        </p:txBody>
+      </p:sp>
+    </p:spTree>
+    <p:extLst>
+      <p:ext uri="{BB962C8B-B14F-4D97-AF65-F5344CB8AC3E}">
+        <p14:creationId xmlns:p14="http://schemas.microsoft.com/office/powerpoint/2010/main" val="1021291754"/>
       </p:ext>
     </p:extLst>
   </p:cSld>

--- a/객체이론정리.pptx
+++ b/객체이론정리.pptx
@@ -27,6 +27,8 @@
     <p:sldId id="260" r:id="rId21"/>
     <p:sldId id="277" r:id="rId22"/>
     <p:sldId id="276" r:id="rId23"/>
+    <p:sldId id="278" r:id="rId24"/>
+    <p:sldId id="279" r:id="rId25"/>
   </p:sldIdLst>
   <p:sldSz cx="12192000" cy="6858000"/>
   <p:notesSz cx="6858000" cy="9144000"/>
@@ -5012,11 +5014,7 @@
             </a:r>
             <a:r>
               <a:rPr lang="ko-KR" altLang="en-US" sz="1400" dirty="0" smtClean="0"/>
-              <a:t> 바로 사용 </a:t>
-            </a:r>
-            <a:r>
-              <a:rPr lang="ko-KR" altLang="en-US" sz="1400" dirty="0" smtClean="0"/>
-              <a:t>불가능</a:t>
+              <a:t> 바로 사용 불가능</a:t>
             </a:r>
             <a:endParaRPr lang="ko-KR" altLang="en-US" sz="1400" dirty="0"/>
           </a:p>
@@ -5058,11 +5056,7 @@
             </a:r>
             <a:r>
               <a:rPr lang="ko-KR" altLang="en-US" sz="1400" dirty="0" smtClean="0"/>
-              <a:t> 바로 사용 </a:t>
-            </a:r>
-            <a:r>
-              <a:rPr lang="ko-KR" altLang="en-US" sz="1400" dirty="0" smtClean="0"/>
-              <a:t>가능</a:t>
+              <a:t> 바로 사용 가능</a:t>
             </a:r>
             <a:endParaRPr lang="ko-KR" altLang="en-US" sz="1400" dirty="0"/>
           </a:p>
@@ -5417,7 +5411,7 @@
         <p:spPr>
           <a:xfrm>
             <a:off x="2031775" y="5018901"/>
-            <a:ext cx="7728398" cy="646331"/>
+            <a:ext cx="7728398" cy="923330"/>
           </a:xfrm>
           <a:prstGeom prst="rect">
             <a:avLst/>
@@ -5430,7 +5424,11 @@
           </a:bodyPr>
           <a:lstStyle/>
           <a:p>
-            <a:pPr algn="ctr"/>
+            <a:pPr algn="ctr">
+              <a:lnSpc>
+                <a:spcPct val="150000"/>
+              </a:lnSpc>
+            </a:pPr>
             <a:r>
               <a:rPr lang="en-US" altLang="ko-KR" dirty="0" smtClean="0"/>
               <a:t>final </a:t>
@@ -5458,7 +5456,11 @@
             </a:endParaRPr>
           </a:p>
           <a:p>
-            <a:pPr algn="ctr"/>
+            <a:pPr algn="ctr">
+              <a:lnSpc>
+                <a:spcPct val="150000"/>
+              </a:lnSpc>
+            </a:pPr>
             <a:r>
               <a:rPr lang="ko-KR" altLang="en-US" b="1" dirty="0" smtClean="0">
                 <a:solidFill>
@@ -5906,7 +5908,7 @@
         </p:nvSpPr>
         <p:spPr>
           <a:xfrm>
-            <a:off x="2284702" y="548640"/>
+            <a:off x="2284699" y="902601"/>
             <a:ext cx="7622601" cy="1107996"/>
           </a:xfrm>
           <a:prstGeom prst="rect">
@@ -5949,8 +5951,8 @@
         </p:nvSpPr>
         <p:spPr>
           <a:xfrm>
-            <a:off x="1804546" y="2128787"/>
-            <a:ext cx="9533379" cy="1323439"/>
+            <a:off x="3712653" y="2643200"/>
+            <a:ext cx="4737194" cy="1887440"/>
           </a:xfrm>
           <a:prstGeom prst="rect">
             <a:avLst/>
@@ -5963,6 +5965,11 @@
           </a:bodyPr>
           <a:lstStyle/>
           <a:p>
+            <a:pPr algn="ctr">
+              <a:lnSpc>
+                <a:spcPct val="150000"/>
+              </a:lnSpc>
+            </a:pPr>
             <a:r>
               <a:rPr lang="ko-KR" altLang="en-US" sz="2000" dirty="0" smtClean="0"/>
               <a:t>한번 값이 변하면 모든 </a:t>
@@ -5973,7 +5980,35 @@
             </a:r>
             <a:r>
               <a:rPr lang="ko-KR" altLang="en-US" sz="2000" dirty="0" smtClean="0"/>
-              <a:t> 모든 클래스 내부에서 값이 공유된다</a:t>
+              <a:t> </a:t>
+            </a:r>
+            <a:endParaRPr lang="en-US" altLang="ko-KR" sz="2000" dirty="0" smtClean="0"/>
+          </a:p>
+          <a:p>
+            <a:pPr algn="ctr">
+              <a:lnSpc>
+                <a:spcPct val="150000"/>
+              </a:lnSpc>
+            </a:pPr>
+            <a:r>
+              <a:rPr lang="ko-KR" altLang="en-US" sz="2000" dirty="0" smtClean="0"/>
+              <a:t>모든 </a:t>
+            </a:r>
+            <a:r>
+              <a:rPr lang="ko-KR" altLang="en-US" sz="2000" dirty="0" smtClean="0"/>
+              <a:t>클래스 내부에서 </a:t>
+            </a:r>
+            <a:r>
+              <a:rPr lang="ko-KR" altLang="en-US" sz="2000" b="1" dirty="0" smtClean="0">
+                <a:solidFill>
+                  <a:srgbClr val="FFC000"/>
+                </a:solidFill>
+              </a:rPr>
+              <a:t>값이 공유</a:t>
+            </a:r>
+            <a:r>
+              <a:rPr lang="ko-KR" altLang="en-US" sz="2000" dirty="0" smtClean="0"/>
+              <a:t>된다</a:t>
             </a:r>
             <a:r>
               <a:rPr lang="en-US" altLang="ko-KR" sz="2000" dirty="0" smtClean="0"/>
@@ -5981,84 +6016,134 @@
             </a:r>
           </a:p>
           <a:p>
+            <a:pPr algn="ctr">
+              <a:lnSpc>
+                <a:spcPct val="150000"/>
+              </a:lnSpc>
+            </a:pPr>
             <a:endParaRPr lang="en-US" altLang="ko-KR" sz="2000" dirty="0"/>
           </a:p>
           <a:p>
-            <a:r>
-              <a:rPr lang="en-US" altLang="ko-KR" sz="2000" dirty="0" smtClean="0"/>
-              <a:t>ex) Student</a:t>
-            </a:r>
-            <a:r>
-              <a:rPr lang="ko-KR" altLang="en-US" sz="2000" dirty="0" smtClean="0"/>
-              <a:t>라는 </a:t>
-            </a:r>
-            <a:r>
-              <a:rPr lang="ko-KR" altLang="en-US" sz="2000" dirty="0" smtClean="0"/>
-              <a:t>클래스로 선언된 객체 </a:t>
-            </a:r>
-            <a:r>
-              <a:rPr lang="en-US" altLang="ko-KR" sz="2000" dirty="0" smtClean="0"/>
-              <a:t>100</a:t>
-            </a:r>
-            <a:r>
-              <a:rPr lang="ko-KR" altLang="en-US" sz="2000" dirty="0" smtClean="0"/>
-              <a:t>개에 </a:t>
-            </a:r>
-            <a:r>
-              <a:rPr lang="en-US" altLang="ko-KR" sz="2000" dirty="0" smtClean="0"/>
-              <a:t>grader</a:t>
-            </a:r>
-            <a:r>
-              <a:rPr lang="ko-KR" altLang="en-US" sz="2000" dirty="0" smtClean="0"/>
-              <a:t>라는 값이 </a:t>
-            </a:r>
-            <a:r>
-              <a:rPr lang="en-US" altLang="ko-KR" sz="2000" dirty="0" smtClean="0"/>
-              <a:t>1</a:t>
-            </a:r>
-            <a:r>
-              <a:rPr lang="ko-KR" altLang="en-US" sz="2000" dirty="0" smtClean="0"/>
-              <a:t>이었고</a:t>
-            </a:r>
-            <a:r>
-              <a:rPr lang="en-US" altLang="ko-KR" sz="2000" dirty="0" smtClean="0"/>
-              <a:t>,</a:t>
-            </a:r>
-          </a:p>
-          <a:p>
-            <a:r>
-              <a:rPr lang="en-US" altLang="ko-KR" sz="2000" dirty="0" smtClean="0"/>
-              <a:t>1</a:t>
-            </a:r>
-            <a:r>
-              <a:rPr lang="ko-KR" altLang="en-US" sz="2000" dirty="0" smtClean="0"/>
-              <a:t>년 후에 자동으로 </a:t>
-            </a:r>
-            <a:r>
-              <a:rPr lang="en-US" altLang="ko-KR" sz="2000" dirty="0" smtClean="0"/>
-              <a:t>1</a:t>
-            </a:r>
-            <a:r>
-              <a:rPr lang="ko-KR" altLang="en-US" sz="2000" dirty="0" smtClean="0"/>
-              <a:t>씩 더하게 되었다면</a:t>
-            </a:r>
-            <a:r>
-              <a:rPr lang="en-US" altLang="ko-KR" sz="2000" dirty="0" smtClean="0"/>
-              <a:t>, </a:t>
-            </a:r>
-            <a:r>
-              <a:rPr lang="ko-KR" altLang="en-US" sz="2000" dirty="0" smtClean="0"/>
-              <a:t>모든 객체가 같이 </a:t>
-            </a:r>
-            <a:r>
-              <a:rPr lang="en-US" altLang="ko-KR" sz="2000" dirty="0" smtClean="0"/>
-              <a:t>grader</a:t>
-            </a:r>
-            <a:r>
-              <a:rPr lang="ko-KR" altLang="en-US" sz="2000" dirty="0" smtClean="0"/>
-              <a:t>가 올라감</a:t>
-            </a:r>
-            <a:endParaRPr lang="ko-KR" altLang="en-US" sz="2000" dirty="0"/>
+            <a:pPr algn="ctr">
+              <a:lnSpc>
+                <a:spcPct val="150000"/>
+              </a:lnSpc>
+            </a:pPr>
+            <a:r>
+              <a:rPr lang="ko-KR" altLang="en-US" sz="2000" b="1" dirty="0" smtClean="0">
+                <a:solidFill>
+                  <a:srgbClr val="FFC000"/>
+                </a:solidFill>
+              </a:rPr>
+              <a:t>별도의 호출이 </a:t>
+            </a:r>
+            <a:r>
+              <a:rPr lang="ko-KR" altLang="en-US" sz="2000" b="1" dirty="0" err="1" smtClean="0">
+                <a:solidFill>
+                  <a:srgbClr val="FFC000"/>
+                </a:solidFill>
+              </a:rPr>
+              <a:t>필요없다</a:t>
+            </a:r>
+            <a:r>
+              <a:rPr lang="en-US" altLang="ko-KR" sz="2000" b="1" dirty="0" smtClean="0">
+                <a:solidFill>
+                  <a:srgbClr val="FFC000"/>
+                </a:solidFill>
+              </a:rPr>
+              <a:t>.</a:t>
+            </a:r>
+            <a:endParaRPr lang="ko-KR" altLang="en-US" sz="2000" b="1" dirty="0">
+              <a:solidFill>
+                <a:srgbClr val="FFC000"/>
+              </a:solidFill>
+            </a:endParaRPr>
+          </a:p>
+        </p:txBody>
+      </p:sp>
+      <p:sp>
+        <p:nvSpPr>
+          <p:cNvPr id="4" name="TextBox 3"/>
+          <p:cNvSpPr txBox="1"/>
+          <p:nvPr/>
+        </p:nvSpPr>
+        <p:spPr>
+          <a:xfrm>
+            <a:off x="3251790" y="4840085"/>
+            <a:ext cx="5658920" cy="923330"/>
+          </a:xfrm>
+          <a:prstGeom prst="rect">
+            <a:avLst/>
+          </a:prstGeom>
+          <a:noFill/>
+        </p:spPr>
+        <p:txBody>
+          <a:bodyPr wrap="none" rtlCol="0">
+            <a:spAutoFit/>
+          </a:bodyPr>
+          <a:lstStyle/>
+          <a:p>
+            <a:pPr algn="ctr">
+              <a:lnSpc>
+                <a:spcPct val="150000"/>
+              </a:lnSpc>
+            </a:pPr>
+            <a:r>
+              <a:rPr lang="ko-KR" altLang="en-US" dirty="0" smtClean="0"/>
+              <a:t>호출을 하려고 하면 </a:t>
+            </a:r>
+            <a:r>
+              <a:rPr lang="ko-KR" altLang="en-US" dirty="0" err="1" smtClean="0"/>
+              <a:t>에러남</a:t>
+            </a:r>
+            <a:r>
+              <a:rPr lang="en-US" altLang="ko-KR" dirty="0" smtClean="0"/>
+              <a:t>.</a:t>
+            </a:r>
+          </a:p>
+          <a:p>
+            <a:pPr algn="ctr">
+              <a:lnSpc>
+                <a:spcPct val="150000"/>
+              </a:lnSpc>
+            </a:pPr>
+            <a:r>
+              <a:rPr lang="en-US" altLang="ko-KR" dirty="0" smtClean="0"/>
+              <a:t>ex) </a:t>
+            </a:r>
+            <a:r>
+              <a:rPr lang="ko-KR" altLang="en-US" dirty="0" smtClean="0"/>
+              <a:t>인스턴스이름</a:t>
+            </a:r>
+            <a:r>
+              <a:rPr lang="en-US" altLang="ko-KR" dirty="0" smtClean="0"/>
+              <a:t>.static</a:t>
+            </a:r>
+            <a:r>
+              <a:rPr lang="ko-KR" altLang="en-US" dirty="0" err="1" smtClean="0"/>
+              <a:t>변수이름</a:t>
+            </a:r>
+            <a:r>
+              <a:rPr lang="ko-KR" altLang="en-US" dirty="0" smtClean="0"/>
+              <a:t> </a:t>
+            </a:r>
+            <a:r>
+              <a:rPr lang="en-US" altLang="ko-KR" dirty="0" smtClean="0"/>
+              <a:t>= 10; </a:t>
+            </a:r>
+            <a:r>
+              <a:rPr lang="en-US" altLang="ko-KR" b="1" dirty="0" smtClean="0">
+                <a:solidFill>
+                  <a:srgbClr val="FF5050"/>
+                </a:solidFill>
+              </a:rPr>
+              <a:t>(ERROR)</a:t>
+            </a:r>
+            <a:endParaRPr lang="ko-KR" altLang="en-US" b="1" dirty="0">
+              <a:solidFill>
+                <a:srgbClr val="FF5050"/>
+              </a:solidFill>
+            </a:endParaRPr>
           </a:p>
         </p:txBody>
       </p:sp>
@@ -6099,9 +6184,47 @@
           <a:chExt cx="0" cy="0"/>
         </a:xfrm>
       </p:grpSpPr>
+      <p:sp>
+        <p:nvSpPr>
+          <p:cNvPr id="3" name="TextBox 2"/>
+          <p:cNvSpPr txBox="1"/>
+          <p:nvPr/>
+        </p:nvSpPr>
+        <p:spPr>
+          <a:xfrm>
+            <a:off x="4318330" y="125584"/>
+            <a:ext cx="3801041" cy="584775"/>
+          </a:xfrm>
+          <a:prstGeom prst="rect">
+            <a:avLst/>
+          </a:prstGeom>
+          <a:noFill/>
+        </p:spPr>
+        <p:txBody>
+          <a:bodyPr wrap="none" rtlCol="0">
+            <a:spAutoFit/>
+          </a:bodyPr>
+          <a:lstStyle/>
+          <a:p>
+            <a:r>
+              <a:rPr lang="en-US" altLang="ko-KR" sz="3200" b="1" dirty="0" smtClean="0">
+                <a:solidFill>
+                  <a:srgbClr val="FFC000"/>
+                </a:solidFill>
+              </a:rPr>
+              <a:t>Static variables</a:t>
+            </a:r>
+            <a:endParaRPr lang="ko-KR" altLang="en-US" sz="3200" b="1" dirty="0">
+              <a:solidFill>
+                <a:srgbClr val="FFC000"/>
+              </a:solidFill>
+            </a:endParaRPr>
+          </a:p>
+        </p:txBody>
+      </p:sp>
       <p:pic>
         <p:nvPicPr>
-          <p:cNvPr id="2" name="그림 1"/>
+          <p:cNvPr id="4" name="그림 3"/>
           <p:cNvPicPr>
             <a:picLocks noChangeAspect="1"/>
           </p:cNvPicPr>
@@ -6115,24 +6238,326 @@
         </p:blipFill>
         <p:spPr>
           <a:xfrm>
-            <a:off x="128631" y="761149"/>
-            <a:ext cx="5134692" cy="6096851"/>
+            <a:off x="726460" y="913570"/>
+            <a:ext cx="5134692" cy="5944430"/>
           </a:xfrm>
           <a:prstGeom prst="rect">
             <a:avLst/>
           </a:prstGeom>
         </p:spPr>
       </p:pic>
-      <p:sp>
-        <p:nvSpPr>
-          <p:cNvPr id="3" name="TextBox 2"/>
+      <p:pic>
+        <p:nvPicPr>
+          <p:cNvPr id="5" name="그림 4"/>
+          <p:cNvPicPr>
+            <a:picLocks noChangeAspect="1"/>
+          </p:cNvPicPr>
+          <p:nvPr/>
+        </p:nvPicPr>
+        <p:blipFill>
+          <a:blip r:embed="rId3"/>
+          <a:stretch>
+            <a:fillRect/>
+          </a:stretch>
+        </p:blipFill>
+        <p:spPr>
+          <a:xfrm>
+            <a:off x="5967412" y="6025001"/>
+            <a:ext cx="1135104" cy="357347"/>
+          </a:xfrm>
+          <a:prstGeom prst="rect">
+            <a:avLst/>
+          </a:prstGeom>
+        </p:spPr>
+      </p:pic>
+      <p:sp>
+        <p:nvSpPr>
+          <p:cNvPr id="6" name="직사각형 5"/>
+          <p:cNvSpPr/>
+          <p:nvPr/>
+        </p:nvSpPr>
+        <p:spPr>
+          <a:xfrm>
+            <a:off x="5861152" y="5891980"/>
+            <a:ext cx="1241364" cy="589935"/>
+          </a:xfrm>
+          <a:prstGeom prst="rect">
+            <a:avLst/>
+          </a:prstGeom>
+          <a:noFill/>
+          <a:ln w="57150">
+            <a:solidFill>
+              <a:schemeClr val="tx1"/>
+            </a:solidFill>
+          </a:ln>
+        </p:spPr>
+        <p:style>
+          <a:lnRef idx="2">
+            <a:schemeClr val="accent1">
+              <a:shade val="50000"/>
+            </a:schemeClr>
+          </a:lnRef>
+          <a:fillRef idx="1">
+            <a:schemeClr val="accent1"/>
+          </a:fillRef>
+          <a:effectRef idx="0">
+            <a:schemeClr val="accent1"/>
+          </a:effectRef>
+          <a:fontRef idx="minor">
+            <a:schemeClr val="lt1"/>
+          </a:fontRef>
+        </p:style>
+        <p:txBody>
+          <a:bodyPr rtlCol="0" anchor="ctr"/>
+          <a:lstStyle/>
+          <a:p>
+            <a:pPr algn="ctr"/>
+            <a:endParaRPr lang="ko-KR" altLang="en-US"/>
+          </a:p>
+        </p:txBody>
+      </p:sp>
+      <p:sp>
+        <p:nvSpPr>
+          <p:cNvPr id="7" name="직사각형 6"/>
+          <p:cNvSpPr/>
+          <p:nvPr/>
+        </p:nvSpPr>
+        <p:spPr>
+          <a:xfrm>
+            <a:off x="7698657" y="1069257"/>
+            <a:ext cx="3524865" cy="4822723"/>
+          </a:xfrm>
+          <a:prstGeom prst="rect">
+            <a:avLst/>
+          </a:prstGeom>
+          <a:noFill/>
+          <a:ln w="76200">
+            <a:solidFill>
+              <a:srgbClr val="FFC000"/>
+            </a:solidFill>
+          </a:ln>
+        </p:spPr>
+        <p:style>
+          <a:lnRef idx="2">
+            <a:schemeClr val="accent1">
+              <a:shade val="50000"/>
+            </a:schemeClr>
+          </a:lnRef>
+          <a:fillRef idx="1">
+            <a:schemeClr val="accent1"/>
+          </a:fillRef>
+          <a:effectRef idx="0">
+            <a:schemeClr val="accent1"/>
+          </a:effectRef>
+          <a:fontRef idx="minor">
+            <a:schemeClr val="lt1"/>
+          </a:fontRef>
+        </p:style>
+        <p:txBody>
+          <a:bodyPr rtlCol="0" anchor="ctr"/>
+          <a:lstStyle/>
+          <a:p>
+            <a:pPr algn="ctr">
+              <a:lnSpc>
+                <a:spcPct val="150000"/>
+              </a:lnSpc>
+            </a:pPr>
+            <a:r>
+              <a:rPr lang="ko-KR" altLang="en-US" sz="2000" dirty="0" smtClean="0">
+                <a:solidFill>
+                  <a:schemeClr val="tx1"/>
+                </a:solidFill>
+              </a:rPr>
+              <a:t>모든 객체는</a:t>
+            </a:r>
+            <a:endParaRPr lang="en-US" altLang="ko-KR" sz="2000" dirty="0">
+              <a:solidFill>
+                <a:schemeClr val="tx1"/>
+              </a:solidFill>
+            </a:endParaRPr>
+          </a:p>
+          <a:p>
+            <a:pPr algn="ctr">
+              <a:lnSpc>
+                <a:spcPct val="150000"/>
+              </a:lnSpc>
+            </a:pPr>
+            <a:r>
+              <a:rPr lang="en-US" altLang="ko-KR" sz="2000" dirty="0" smtClean="0">
+                <a:solidFill>
+                  <a:schemeClr val="tx1"/>
+                </a:solidFill>
+              </a:rPr>
+              <a:t>grader</a:t>
+            </a:r>
+            <a:r>
+              <a:rPr lang="ko-KR" altLang="en-US" sz="2000" dirty="0" smtClean="0">
+                <a:solidFill>
+                  <a:schemeClr val="tx1"/>
+                </a:solidFill>
+              </a:rPr>
+              <a:t>라는 값을 공유</a:t>
+            </a:r>
+            <a:endParaRPr lang="en-US" altLang="ko-KR" sz="2000" dirty="0" smtClean="0">
+              <a:solidFill>
+                <a:schemeClr val="tx1"/>
+              </a:solidFill>
+            </a:endParaRPr>
+          </a:p>
+          <a:p>
+            <a:pPr algn="ctr">
+              <a:lnSpc>
+                <a:spcPct val="150000"/>
+              </a:lnSpc>
+            </a:pPr>
+            <a:r>
+              <a:rPr lang="en-US" altLang="ko-KR" sz="2000" dirty="0" smtClean="0">
+                <a:solidFill>
+                  <a:schemeClr val="tx1"/>
+                </a:solidFill>
+              </a:rPr>
+              <a:t>(grader == 1)</a:t>
+            </a:r>
+          </a:p>
+          <a:p>
+            <a:pPr algn="ctr">
+              <a:lnSpc>
+                <a:spcPct val="150000"/>
+              </a:lnSpc>
+            </a:pPr>
+            <a:endParaRPr lang="en-US" altLang="ko-KR" sz="2000" dirty="0">
+              <a:solidFill>
+                <a:schemeClr val="tx1"/>
+              </a:solidFill>
+            </a:endParaRPr>
+          </a:p>
+          <a:p>
+            <a:pPr algn="ctr">
+              <a:lnSpc>
+                <a:spcPct val="150000"/>
+              </a:lnSpc>
+            </a:pPr>
+            <a:r>
+              <a:rPr lang="en-US" altLang="ko-KR" sz="2000" dirty="0" smtClean="0">
+                <a:solidFill>
+                  <a:schemeClr val="tx1"/>
+                </a:solidFill>
+              </a:rPr>
+              <a:t>at2023()</a:t>
+            </a:r>
+            <a:r>
+              <a:rPr lang="ko-KR" altLang="en-US" sz="2000" dirty="0" smtClean="0">
+                <a:solidFill>
+                  <a:schemeClr val="tx1"/>
+                </a:solidFill>
+              </a:rPr>
+              <a:t>에서</a:t>
+            </a:r>
+            <a:endParaRPr lang="en-US" altLang="ko-KR" sz="2000" dirty="0" smtClean="0">
+              <a:solidFill>
+                <a:schemeClr val="tx1"/>
+              </a:solidFill>
+            </a:endParaRPr>
+          </a:p>
+          <a:p>
+            <a:pPr algn="ctr">
+              <a:lnSpc>
+                <a:spcPct val="150000"/>
+              </a:lnSpc>
+            </a:pPr>
+            <a:r>
+              <a:rPr lang="en-US" altLang="ko-KR" sz="2000" dirty="0" smtClean="0">
+                <a:solidFill>
+                  <a:schemeClr val="tx1"/>
+                </a:solidFill>
+              </a:rPr>
+              <a:t>grader</a:t>
+            </a:r>
+            <a:r>
+              <a:rPr lang="ko-KR" altLang="en-US" sz="2000" dirty="0" smtClean="0">
+                <a:solidFill>
+                  <a:schemeClr val="tx1"/>
+                </a:solidFill>
+              </a:rPr>
+              <a:t>를 변경하면</a:t>
+            </a:r>
+            <a:r>
+              <a:rPr lang="en-US" altLang="ko-KR" sz="2000" dirty="0" smtClean="0">
+                <a:solidFill>
+                  <a:schemeClr val="tx1"/>
+                </a:solidFill>
+              </a:rPr>
+              <a:t>,</a:t>
+            </a:r>
+          </a:p>
+          <a:p>
+            <a:pPr algn="ctr">
+              <a:lnSpc>
+                <a:spcPct val="150000"/>
+              </a:lnSpc>
+            </a:pPr>
+            <a:r>
+              <a:rPr lang="ko-KR" altLang="en-US" sz="2000" dirty="0" smtClean="0">
+                <a:solidFill>
+                  <a:schemeClr val="tx1"/>
+                </a:solidFill>
+              </a:rPr>
+              <a:t>모든 객체에서 변경됨</a:t>
+            </a:r>
+            <a:endParaRPr lang="en-US" altLang="ko-KR" sz="2000" dirty="0" smtClean="0">
+              <a:solidFill>
+                <a:schemeClr val="tx1"/>
+              </a:solidFill>
+            </a:endParaRPr>
+          </a:p>
+          <a:p>
+            <a:pPr algn="ctr">
+              <a:lnSpc>
+                <a:spcPct val="150000"/>
+              </a:lnSpc>
+            </a:pPr>
+            <a:r>
+              <a:rPr lang="en-US" altLang="ko-KR" sz="2000" dirty="0" smtClean="0">
+                <a:solidFill>
+                  <a:schemeClr val="tx1"/>
+                </a:solidFill>
+              </a:rPr>
+              <a:t>(</a:t>
+            </a:r>
+            <a:r>
+              <a:rPr lang="en-US" altLang="ko-KR" sz="2000" dirty="0">
+                <a:solidFill>
+                  <a:schemeClr val="tx1"/>
+                </a:solidFill>
+              </a:rPr>
+              <a:t>grader == </a:t>
+            </a:r>
+            <a:r>
+              <a:rPr lang="en-US" altLang="ko-KR" sz="2000" dirty="0" smtClean="0">
+                <a:solidFill>
+                  <a:schemeClr val="tx1"/>
+                </a:solidFill>
+              </a:rPr>
+              <a:t>2)</a:t>
+            </a:r>
+            <a:endParaRPr lang="en-US" altLang="ko-KR" sz="2000" dirty="0">
+              <a:solidFill>
+                <a:schemeClr val="tx1"/>
+              </a:solidFill>
+            </a:endParaRPr>
+          </a:p>
+        </p:txBody>
+      </p:sp>
+      <p:sp>
+        <p:nvSpPr>
+          <p:cNvPr id="8" name="TextBox 7"/>
           <p:cNvSpPr txBox="1"/>
           <p:nvPr/>
         </p:nvSpPr>
         <p:spPr>
           <a:xfrm>
-            <a:off x="1442395" y="0"/>
-            <a:ext cx="1540806" cy="584775"/>
+            <a:off x="5755583" y="5646396"/>
+            <a:ext cx="779381" cy="276999"/>
           </a:xfrm>
           <a:prstGeom prst="rect">
             <a:avLst/>
@@ -6146,12 +6571,413 @@
           <a:lstStyle/>
           <a:p>
             <a:r>
+              <a:rPr lang="en-US" altLang="ko-KR" sz="1200" b="1" dirty="0" smtClean="0"/>
+              <a:t>console</a:t>
+            </a:r>
+            <a:endParaRPr lang="ko-KR" altLang="en-US" sz="1200" b="1" dirty="0"/>
+          </a:p>
+        </p:txBody>
+      </p:sp>
+    </p:spTree>
+    <p:extLst>
+      <p:ext uri="{BB962C8B-B14F-4D97-AF65-F5344CB8AC3E}">
+        <p14:creationId xmlns:p14="http://schemas.microsoft.com/office/powerpoint/2010/main" val="1021291754"/>
+      </p:ext>
+    </p:extLst>
+  </p:cSld>
+  <p:clrMapOvr>
+    <a:masterClrMapping/>
+  </p:clrMapOvr>
+</p:sld>
+</file>
+
+<file path=ppt/slides/slide23.xml><?xml version="1.0" encoding="utf-8"?>
+<p:sld xmlns:a="http://schemas.openxmlformats.org/drawingml/2006/main" xmlns:r="http://schemas.openxmlformats.org/officeDocument/2006/relationships" xmlns:p="http://schemas.openxmlformats.org/presentationml/2006/main">
+  <p:cSld>
+    <p:spTree>
+      <p:nvGrpSpPr>
+        <p:cNvPr id="1" name=""/>
+        <p:cNvGrpSpPr/>
+        <p:nvPr/>
+      </p:nvGrpSpPr>
+      <p:grpSpPr>
+        <a:xfrm>
+          <a:off x="0" y="0"/>
+          <a:ext cx="0" cy="0"/>
+          <a:chOff x="0" y="0"/>
+          <a:chExt cx="0" cy="0"/>
+        </a:xfrm>
+      </p:grpSpPr>
+      <p:sp>
+        <p:nvSpPr>
+          <p:cNvPr id="2" name="TextBox 1"/>
+          <p:cNvSpPr txBox="1"/>
+          <p:nvPr/>
+        </p:nvSpPr>
+        <p:spPr>
+          <a:xfrm>
+            <a:off x="2982006" y="689241"/>
+            <a:ext cx="6227988" cy="1107996"/>
+          </a:xfrm>
+          <a:prstGeom prst="rect">
+            <a:avLst/>
+          </a:prstGeom>
+          <a:noFill/>
+        </p:spPr>
+        <p:txBody>
+          <a:bodyPr wrap="none" rtlCol="0">
+            <a:spAutoFit/>
+          </a:bodyPr>
+          <a:lstStyle/>
+          <a:p>
+            <a:pPr algn="ctr"/>
+            <a:r>
+              <a:rPr lang="en-US" altLang="ko-KR" sz="6600" b="1" dirty="0" smtClean="0">
+                <a:solidFill>
+                  <a:srgbClr val="FFC000"/>
+                </a:solidFill>
+              </a:rPr>
+              <a:t>Static</a:t>
+            </a:r>
+            <a:r>
+              <a:rPr lang="en-US" altLang="ko-KR" sz="6600" b="1" dirty="0"/>
+              <a:t> </a:t>
+            </a:r>
+            <a:r>
+              <a:rPr lang="en-US" altLang="ko-KR" sz="6600" b="1" dirty="0" smtClean="0"/>
+              <a:t>Method</a:t>
+            </a:r>
+            <a:endParaRPr lang="ko-KR" altLang="en-US" sz="6600" b="1" dirty="0"/>
+          </a:p>
+        </p:txBody>
+      </p:sp>
+      <p:sp>
+        <p:nvSpPr>
+          <p:cNvPr id="3" name="TextBox 2"/>
+          <p:cNvSpPr txBox="1"/>
+          <p:nvPr/>
+        </p:nvSpPr>
+        <p:spPr>
+          <a:xfrm>
+            <a:off x="3113453" y="2580008"/>
+            <a:ext cx="6096541" cy="1938992"/>
+          </a:xfrm>
+          <a:prstGeom prst="rect">
+            <a:avLst/>
+          </a:prstGeom>
+          <a:noFill/>
+        </p:spPr>
+        <p:txBody>
+          <a:bodyPr wrap="none" rtlCol="0">
+            <a:spAutoFit/>
+          </a:bodyPr>
+          <a:lstStyle/>
+          <a:p>
+            <a:pPr algn="ctr">
+              <a:lnSpc>
+                <a:spcPct val="150000"/>
+              </a:lnSpc>
+            </a:pPr>
+            <a:r>
+              <a:rPr lang="ko-KR" altLang="en-US" sz="2000" b="1" dirty="0" smtClean="0">
+                <a:solidFill>
+                  <a:srgbClr val="FFC000"/>
+                </a:solidFill>
+              </a:rPr>
+              <a:t>별도의 호출 필요 없음</a:t>
+            </a:r>
+            <a:r>
+              <a:rPr lang="en-US" altLang="ko-KR" sz="2000" b="1" dirty="0" smtClean="0">
+                <a:solidFill>
+                  <a:srgbClr val="FFC000"/>
+                </a:solidFill>
+              </a:rPr>
+              <a:t>.</a:t>
+            </a:r>
+          </a:p>
+          <a:p>
+            <a:pPr algn="ctr">
+              <a:lnSpc>
+                <a:spcPct val="150000"/>
+              </a:lnSpc>
+            </a:pPr>
+            <a:endParaRPr lang="en-US" altLang="ko-KR" sz="2000" b="1" dirty="0" smtClean="0">
+              <a:solidFill>
+                <a:srgbClr val="FFC000"/>
+              </a:solidFill>
+            </a:endParaRPr>
+          </a:p>
+          <a:p>
+            <a:pPr algn="ctr">
+              <a:lnSpc>
+                <a:spcPct val="150000"/>
+              </a:lnSpc>
+            </a:pPr>
+            <a:r>
+              <a:rPr lang="ko-KR" altLang="en-US" sz="2000" b="1" dirty="0" err="1" smtClean="0">
+                <a:solidFill>
+                  <a:srgbClr val="FFC000"/>
+                </a:solidFill>
+              </a:rPr>
+              <a:t>메소드</a:t>
+            </a:r>
+            <a:r>
+              <a:rPr lang="ko-KR" altLang="en-US" sz="2000" b="1" dirty="0" smtClean="0">
+                <a:solidFill>
+                  <a:srgbClr val="FFC000"/>
+                </a:solidFill>
+              </a:rPr>
+              <a:t> 내부에서</a:t>
+            </a:r>
+            <a:endParaRPr lang="en-US" altLang="ko-KR" sz="2000" b="1" dirty="0">
+              <a:solidFill>
+                <a:srgbClr val="FFC000"/>
+              </a:solidFill>
+            </a:endParaRPr>
+          </a:p>
+          <a:p>
+            <a:pPr algn="ctr">
+              <a:lnSpc>
+                <a:spcPct val="150000"/>
+              </a:lnSpc>
+            </a:pPr>
+            <a:r>
+              <a:rPr lang="ko-KR" altLang="en-US" sz="2000" b="1" dirty="0" smtClean="0">
+                <a:solidFill>
+                  <a:srgbClr val="FF5050"/>
+                </a:solidFill>
+              </a:rPr>
+              <a:t>클래스 </a:t>
+            </a:r>
+            <a:r>
+              <a:rPr lang="ko-KR" altLang="en-US" sz="2000" b="1" dirty="0" smtClean="0">
+                <a:solidFill>
+                  <a:srgbClr val="FF5050"/>
+                </a:solidFill>
+              </a:rPr>
+              <a:t>변수를 </a:t>
+            </a:r>
+            <a:r>
+              <a:rPr lang="ko-KR" altLang="en-US" sz="2000" b="1" dirty="0" smtClean="0">
+                <a:solidFill>
+                  <a:srgbClr val="FF5050"/>
+                </a:solidFill>
+              </a:rPr>
+              <a:t>다루지 않으면 </a:t>
+            </a:r>
+            <a:r>
+              <a:rPr lang="ko-KR" altLang="en-US" sz="2000" b="1" dirty="0" smtClean="0">
+                <a:solidFill>
+                  <a:srgbClr val="FFC000"/>
+                </a:solidFill>
+              </a:rPr>
+              <a:t>무조건 </a:t>
+            </a:r>
+            <a:r>
+              <a:rPr lang="en-US" altLang="ko-KR" sz="2000" b="1" dirty="0" smtClean="0">
+                <a:solidFill>
+                  <a:srgbClr val="FFC000"/>
+                </a:solidFill>
+              </a:rPr>
+              <a:t>static</a:t>
+            </a:r>
+            <a:r>
+              <a:rPr lang="ko-KR" altLang="en-US" sz="2000" b="1" dirty="0" smtClean="0">
+                <a:solidFill>
+                  <a:srgbClr val="FFC000"/>
+                </a:solidFill>
+              </a:rPr>
+              <a:t>처리</a:t>
+            </a:r>
+            <a:endParaRPr lang="en-US" altLang="ko-KR" sz="2000" b="1" dirty="0" smtClean="0">
+              <a:solidFill>
+                <a:srgbClr val="FFC000"/>
+              </a:solidFill>
+            </a:endParaRPr>
+          </a:p>
+        </p:txBody>
+      </p:sp>
+      <p:sp>
+        <p:nvSpPr>
+          <p:cNvPr id="4" name="TextBox 3"/>
+          <p:cNvSpPr txBox="1"/>
+          <p:nvPr/>
+        </p:nvSpPr>
+        <p:spPr>
+          <a:xfrm>
+            <a:off x="3406803" y="4920771"/>
+            <a:ext cx="5509843" cy="923330"/>
+          </a:xfrm>
+          <a:prstGeom prst="rect">
+            <a:avLst/>
+          </a:prstGeom>
+          <a:noFill/>
+        </p:spPr>
+        <p:txBody>
+          <a:bodyPr wrap="none" rtlCol="0">
+            <a:spAutoFit/>
+          </a:bodyPr>
+          <a:lstStyle/>
+          <a:p>
+            <a:pPr algn="ctr">
+              <a:lnSpc>
+                <a:spcPct val="150000"/>
+              </a:lnSpc>
+            </a:pPr>
+            <a:r>
+              <a:rPr lang="ko-KR" altLang="en-US" dirty="0" smtClean="0"/>
+              <a:t>호출을 하려고 하면 </a:t>
+            </a:r>
+            <a:r>
+              <a:rPr lang="ko-KR" altLang="en-US" dirty="0" err="1" smtClean="0"/>
+              <a:t>에러남</a:t>
+            </a:r>
+            <a:r>
+              <a:rPr lang="en-US" altLang="ko-KR" dirty="0" smtClean="0"/>
+              <a:t>.</a:t>
+            </a:r>
+          </a:p>
+          <a:p>
+            <a:pPr algn="ctr">
+              <a:lnSpc>
+                <a:spcPct val="150000"/>
+              </a:lnSpc>
+            </a:pPr>
+            <a:r>
+              <a:rPr lang="en-US" altLang="ko-KR" dirty="0" smtClean="0"/>
+              <a:t>ex) </a:t>
+            </a:r>
+            <a:r>
+              <a:rPr lang="ko-KR" altLang="en-US" dirty="0" smtClean="0"/>
+              <a:t>인스턴스이름</a:t>
+            </a:r>
+            <a:r>
+              <a:rPr lang="en-US" altLang="ko-KR" dirty="0" smtClean="0"/>
+              <a:t>.static</a:t>
+            </a:r>
+            <a:r>
+              <a:rPr lang="ko-KR" altLang="en-US" dirty="0" err="1" smtClean="0"/>
+              <a:t>메소드이름</a:t>
+            </a:r>
+            <a:r>
+              <a:rPr lang="en-US" altLang="ko-KR" dirty="0" smtClean="0"/>
+              <a:t>(); </a:t>
+            </a:r>
+            <a:r>
+              <a:rPr lang="en-US" altLang="ko-KR" b="1" dirty="0" smtClean="0">
+                <a:solidFill>
+                  <a:srgbClr val="FF5050"/>
+                </a:solidFill>
+              </a:rPr>
+              <a:t>(ERROR)</a:t>
+            </a:r>
+            <a:endParaRPr lang="ko-KR" altLang="en-US" b="1" dirty="0">
+              <a:solidFill>
+                <a:srgbClr val="FF5050"/>
+              </a:solidFill>
+            </a:endParaRPr>
+          </a:p>
+        </p:txBody>
+      </p:sp>
+    </p:spTree>
+    <p:extLst>
+      <p:ext uri="{BB962C8B-B14F-4D97-AF65-F5344CB8AC3E}">
+        <p14:creationId xmlns:p14="http://schemas.microsoft.com/office/powerpoint/2010/main" val="678204528"/>
+      </p:ext>
+    </p:extLst>
+  </p:cSld>
+  <p:clrMapOvr>
+    <a:masterClrMapping/>
+  </p:clrMapOvr>
+  <p:timing>
+    <p:tnLst>
+      <p:par>
+        <p:cTn id="1" dur="indefinite" restart="never" nodeType="tmRoot"/>
+      </p:par>
+    </p:tnLst>
+  </p:timing>
+</p:sld>
+</file>
+
+<file path=ppt/slides/slide24.xml><?xml version="1.0" encoding="utf-8"?>
+<p:sld xmlns:a="http://schemas.openxmlformats.org/drawingml/2006/main" xmlns:r="http://schemas.openxmlformats.org/officeDocument/2006/relationships" xmlns:p="http://schemas.openxmlformats.org/presentationml/2006/main">
+  <p:cSld>
+    <p:spTree>
+      <p:nvGrpSpPr>
+        <p:cNvPr id="1" name=""/>
+        <p:cNvGrpSpPr/>
+        <p:nvPr/>
+      </p:nvGrpSpPr>
+      <p:grpSpPr>
+        <a:xfrm>
+          <a:off x="0" y="0"/>
+          <a:ext cx="0" cy="0"/>
+          <a:chOff x="0" y="0"/>
+          <a:chExt cx="0" cy="0"/>
+        </a:xfrm>
+      </p:grpSpPr>
+      <p:pic>
+        <p:nvPicPr>
+          <p:cNvPr id="10" name="그림 9"/>
+          <p:cNvPicPr>
+            <a:picLocks noChangeAspect="1"/>
+          </p:cNvPicPr>
+          <p:nvPr/>
+        </p:nvPicPr>
+        <p:blipFill>
+          <a:blip r:embed="rId2"/>
+          <a:stretch>
+            <a:fillRect/>
+          </a:stretch>
+        </p:blipFill>
+        <p:spPr>
+          <a:xfrm>
+            <a:off x="227781" y="203560"/>
+            <a:ext cx="5868219" cy="6554115"/>
+          </a:xfrm>
+          <a:prstGeom prst="rect">
+            <a:avLst/>
+          </a:prstGeom>
+        </p:spPr>
+      </p:pic>
+      <p:sp>
+        <p:nvSpPr>
+          <p:cNvPr id="3" name="TextBox 2"/>
+          <p:cNvSpPr txBox="1"/>
+          <p:nvPr/>
+        </p:nvSpPr>
+        <p:spPr>
+          <a:xfrm>
+            <a:off x="4534514" y="170538"/>
+            <a:ext cx="3122971" cy="584775"/>
+          </a:xfrm>
+          <a:prstGeom prst="rect">
+            <a:avLst/>
+          </a:prstGeom>
+          <a:noFill/>
+        </p:spPr>
+        <p:txBody>
+          <a:bodyPr wrap="none" rtlCol="0">
+            <a:spAutoFit/>
+          </a:bodyPr>
+          <a:lstStyle/>
+          <a:p>
+            <a:pPr algn="ctr"/>
+            <a:r>
               <a:rPr lang="en-US" altLang="ko-KR" sz="3200" b="1" dirty="0" smtClean="0">
                 <a:solidFill>
                   <a:srgbClr val="FFC000"/>
                 </a:solidFill>
               </a:rPr>
-              <a:t>static</a:t>
+              <a:t>Static </a:t>
+            </a:r>
+            <a:r>
+              <a:rPr lang="en-US" altLang="ko-KR" sz="3200" b="1" dirty="0" smtClean="0">
+                <a:solidFill>
+                  <a:srgbClr val="FFC000"/>
+                </a:solidFill>
+              </a:rPr>
+              <a:t>Method</a:t>
             </a:r>
             <a:endParaRPr lang="ko-KR" altLang="en-US" sz="3200" b="1" dirty="0">
               <a:solidFill>
@@ -6161,10 +6987,325 @@
           </a:p>
         </p:txBody>
       </p:sp>
+      <p:sp>
+        <p:nvSpPr>
+          <p:cNvPr id="7" name="직사각형 6"/>
+          <p:cNvSpPr/>
+          <p:nvPr/>
+        </p:nvSpPr>
+        <p:spPr>
+          <a:xfrm>
+            <a:off x="7698657" y="1069257"/>
+            <a:ext cx="3524865" cy="4822723"/>
+          </a:xfrm>
+          <a:prstGeom prst="rect">
+            <a:avLst/>
+          </a:prstGeom>
+          <a:noFill/>
+          <a:ln w="76200">
+            <a:solidFill>
+              <a:srgbClr val="FFC000"/>
+            </a:solidFill>
+          </a:ln>
+        </p:spPr>
+        <p:style>
+          <a:lnRef idx="2">
+            <a:schemeClr val="accent1">
+              <a:shade val="50000"/>
+            </a:schemeClr>
+          </a:lnRef>
+          <a:fillRef idx="1">
+            <a:schemeClr val="accent1"/>
+          </a:fillRef>
+          <a:effectRef idx="0">
+            <a:schemeClr val="accent1"/>
+          </a:effectRef>
+          <a:fontRef idx="minor">
+            <a:schemeClr val="lt1"/>
+          </a:fontRef>
+        </p:style>
+        <p:txBody>
+          <a:bodyPr rtlCol="0" anchor="ctr"/>
+          <a:lstStyle/>
+          <a:p>
+            <a:pPr algn="ctr">
+              <a:lnSpc>
+                <a:spcPct val="150000"/>
+              </a:lnSpc>
+            </a:pPr>
+            <a:r>
+              <a:rPr lang="ko-KR" altLang="en-US" sz="2000" dirty="0" smtClean="0">
+                <a:solidFill>
+                  <a:schemeClr val="tx1"/>
+                </a:solidFill>
+              </a:rPr>
+              <a:t>클래스 변수를</a:t>
+            </a:r>
+            <a:endParaRPr lang="en-US" altLang="ko-KR" sz="2000" dirty="0" smtClean="0">
+              <a:solidFill>
+                <a:schemeClr val="tx1"/>
+              </a:solidFill>
+            </a:endParaRPr>
+          </a:p>
+          <a:p>
+            <a:pPr algn="ctr">
+              <a:lnSpc>
+                <a:spcPct val="150000"/>
+              </a:lnSpc>
+            </a:pPr>
+            <a:r>
+              <a:rPr lang="ko-KR" altLang="en-US" sz="2000" dirty="0" err="1" smtClean="0">
+                <a:solidFill>
+                  <a:schemeClr val="tx1"/>
+                </a:solidFill>
+              </a:rPr>
+              <a:t>메소드</a:t>
+            </a:r>
+            <a:r>
+              <a:rPr lang="ko-KR" altLang="en-US" sz="2000" dirty="0" smtClean="0">
+                <a:solidFill>
+                  <a:schemeClr val="tx1"/>
+                </a:solidFill>
+              </a:rPr>
+              <a:t> 내부에서</a:t>
+            </a:r>
+            <a:endParaRPr lang="en-US" altLang="ko-KR" sz="2000" dirty="0" smtClean="0">
+              <a:solidFill>
+                <a:schemeClr val="tx1"/>
+              </a:solidFill>
+            </a:endParaRPr>
+          </a:p>
+          <a:p>
+            <a:pPr algn="ctr">
+              <a:lnSpc>
+                <a:spcPct val="150000"/>
+              </a:lnSpc>
+            </a:pPr>
+            <a:r>
+              <a:rPr lang="ko-KR" altLang="en-US" sz="2000" dirty="0" smtClean="0">
+                <a:solidFill>
+                  <a:schemeClr val="tx1"/>
+                </a:solidFill>
+              </a:rPr>
+              <a:t>단 한번도 다루지</a:t>
+            </a:r>
+            <a:endParaRPr lang="en-US" altLang="ko-KR" sz="2000" dirty="0" smtClean="0">
+              <a:solidFill>
+                <a:schemeClr val="tx1"/>
+              </a:solidFill>
+            </a:endParaRPr>
+          </a:p>
+          <a:p>
+            <a:pPr algn="ctr">
+              <a:lnSpc>
+                <a:spcPct val="150000"/>
+              </a:lnSpc>
+            </a:pPr>
+            <a:r>
+              <a:rPr lang="ko-KR" altLang="en-US" sz="2000" dirty="0" smtClean="0">
+                <a:solidFill>
+                  <a:schemeClr val="tx1"/>
+                </a:solidFill>
+              </a:rPr>
+              <a:t>않는다면</a:t>
+            </a:r>
+            <a:r>
+              <a:rPr lang="en-US" altLang="ko-KR" sz="2000" dirty="0" smtClean="0">
+                <a:solidFill>
+                  <a:schemeClr val="tx1"/>
+                </a:solidFill>
+              </a:rPr>
+              <a:t>,</a:t>
+            </a:r>
+          </a:p>
+          <a:p>
+            <a:pPr algn="ctr">
+              <a:lnSpc>
+                <a:spcPct val="150000"/>
+              </a:lnSpc>
+            </a:pPr>
+            <a:endParaRPr lang="en-US" altLang="ko-KR" sz="2000" dirty="0">
+              <a:solidFill>
+                <a:schemeClr val="tx1"/>
+              </a:solidFill>
+            </a:endParaRPr>
+          </a:p>
+          <a:p>
+            <a:pPr algn="ctr">
+              <a:lnSpc>
+                <a:spcPct val="150000"/>
+              </a:lnSpc>
+            </a:pPr>
+            <a:r>
+              <a:rPr lang="en-US" altLang="ko-KR" sz="2000" dirty="0" smtClean="0">
+                <a:solidFill>
+                  <a:schemeClr val="tx1"/>
+                </a:solidFill>
+              </a:rPr>
+              <a:t>=&gt; Static</a:t>
+            </a:r>
+            <a:r>
+              <a:rPr lang="ko-KR" altLang="en-US" sz="2000" dirty="0" smtClean="0">
+                <a:solidFill>
+                  <a:schemeClr val="tx1"/>
+                </a:solidFill>
+              </a:rPr>
+              <a:t>처리</a:t>
+            </a:r>
+            <a:endParaRPr lang="en-US" altLang="ko-KR" sz="2000" dirty="0">
+              <a:solidFill>
+                <a:schemeClr val="tx1"/>
+              </a:solidFill>
+            </a:endParaRPr>
+          </a:p>
+        </p:txBody>
+      </p:sp>
+      <p:pic>
+        <p:nvPicPr>
+          <p:cNvPr id="11" name="그림 10"/>
+          <p:cNvPicPr>
+            <a:picLocks noChangeAspect="1"/>
+          </p:cNvPicPr>
+          <p:nvPr/>
+        </p:nvPicPr>
+        <p:blipFill>
+          <a:blip r:embed="rId3"/>
+          <a:stretch>
+            <a:fillRect/>
+          </a:stretch>
+        </p:blipFill>
+        <p:spPr>
+          <a:xfrm>
+            <a:off x="4924167" y="5326882"/>
+            <a:ext cx="714475" cy="733527"/>
+          </a:xfrm>
+          <a:prstGeom prst="rect">
+            <a:avLst/>
+          </a:prstGeom>
+        </p:spPr>
+      </p:pic>
+      <p:sp>
+        <p:nvSpPr>
+          <p:cNvPr id="6" name="직사각형 5"/>
+          <p:cNvSpPr/>
+          <p:nvPr/>
+        </p:nvSpPr>
+        <p:spPr>
+          <a:xfrm>
+            <a:off x="4803877" y="5227320"/>
+            <a:ext cx="878856" cy="914400"/>
+          </a:xfrm>
+          <a:prstGeom prst="rect">
+            <a:avLst/>
+          </a:prstGeom>
+          <a:noFill/>
+          <a:ln w="57150">
+            <a:solidFill>
+              <a:schemeClr val="tx1"/>
+            </a:solidFill>
+          </a:ln>
+        </p:spPr>
+        <p:style>
+          <a:lnRef idx="2">
+            <a:schemeClr val="accent1">
+              <a:shade val="50000"/>
+            </a:schemeClr>
+          </a:lnRef>
+          <a:fillRef idx="1">
+            <a:schemeClr val="accent1"/>
+          </a:fillRef>
+          <a:effectRef idx="0">
+            <a:schemeClr val="accent1"/>
+          </a:effectRef>
+          <a:fontRef idx="minor">
+            <a:schemeClr val="lt1"/>
+          </a:fontRef>
+        </p:style>
+        <p:txBody>
+          <a:bodyPr rtlCol="0" anchor="ctr"/>
+          <a:lstStyle/>
+          <a:p>
+            <a:pPr algn="ctr"/>
+            <a:endParaRPr lang="ko-KR" altLang="en-US"/>
+          </a:p>
+        </p:txBody>
+      </p:sp>
+      <p:sp>
+        <p:nvSpPr>
+          <p:cNvPr id="12" name="TextBox 11"/>
+          <p:cNvSpPr txBox="1"/>
+          <p:nvPr/>
+        </p:nvSpPr>
+        <p:spPr>
+          <a:xfrm>
+            <a:off x="4720295" y="4968572"/>
+            <a:ext cx="779381" cy="276999"/>
+          </a:xfrm>
+          <a:prstGeom prst="rect">
+            <a:avLst/>
+          </a:prstGeom>
+          <a:noFill/>
+        </p:spPr>
+        <p:txBody>
+          <a:bodyPr wrap="none" rtlCol="0">
+            <a:spAutoFit/>
+          </a:bodyPr>
+          <a:lstStyle/>
+          <a:p>
+            <a:r>
+              <a:rPr lang="en-US" altLang="ko-KR" sz="1200" b="1" dirty="0" smtClean="0"/>
+              <a:t>console</a:t>
+            </a:r>
+            <a:endParaRPr lang="ko-KR" altLang="en-US" sz="1200" b="1" dirty="0"/>
+          </a:p>
+        </p:txBody>
+      </p:sp>
+      <p:sp>
+        <p:nvSpPr>
+          <p:cNvPr id="13" name="TextBox 12"/>
+          <p:cNvSpPr txBox="1"/>
+          <p:nvPr/>
+        </p:nvSpPr>
+        <p:spPr>
+          <a:xfrm>
+            <a:off x="7657485" y="5933451"/>
+            <a:ext cx="2707793" cy="253916"/>
+          </a:xfrm>
+          <a:prstGeom prst="rect">
+            <a:avLst/>
+          </a:prstGeom>
+          <a:noFill/>
+        </p:spPr>
+        <p:txBody>
+          <a:bodyPr wrap="none" rtlCol="0">
+            <a:spAutoFit/>
+          </a:bodyPr>
+          <a:lstStyle/>
+          <a:p>
+            <a:r>
+              <a:rPr lang="ko-KR" altLang="en-US" sz="1050" dirty="0" smtClean="0">
+                <a:solidFill>
+                  <a:schemeClr val="tx1">
+                    <a:lumMod val="75000"/>
+                  </a:schemeClr>
+                </a:solidFill>
+              </a:rPr>
+              <a:t>다른 심오한 이유가 있는데 일단 넘어가</a:t>
+            </a:r>
+            <a:endParaRPr lang="ko-KR" altLang="en-US" sz="1050" dirty="0">
+              <a:solidFill>
+                <a:schemeClr val="tx1">
+                  <a:lumMod val="75000"/>
+                </a:schemeClr>
+              </a:solidFill>
+            </a:endParaRPr>
+          </a:p>
+        </p:txBody>
+      </p:sp>
     </p:spTree>
     <p:extLst>
       <p:ext uri="{BB962C8B-B14F-4D97-AF65-F5344CB8AC3E}">
-        <p14:creationId xmlns:p14="http://schemas.microsoft.com/office/powerpoint/2010/main" val="1021291754"/>
+        <p14:creationId xmlns:p14="http://schemas.microsoft.com/office/powerpoint/2010/main" val="1025616335"/>
       </p:ext>
     </p:extLst>
   </p:cSld>
